--- a/nextion/DISPLAY.pptx
+++ b/nextion/DISPLAY.pptx
@@ -5,52 +5,53 @@
     <p:sldMasterId id="2147483972" r:id="rId4"/>
   </p:sldMasterIdLst>
   <p:notesMasterIdLst>
-    <p:notesMasterId r:id="rId22"/>
+    <p:notesMasterId r:id="rId23"/>
   </p:notesMasterIdLst>
   <p:handoutMasterIdLst>
-    <p:handoutMasterId r:id="rId23"/>
+    <p:handoutMasterId r:id="rId24"/>
   </p:handoutMasterIdLst>
   <p:sldIdLst>
     <p:sldId id="284" r:id="rId5"/>
     <p:sldId id="281" r:id="rId6"/>
-    <p:sldId id="294" r:id="rId7"/>
-    <p:sldId id="292" r:id="rId8"/>
-    <p:sldId id="295" r:id="rId9"/>
-    <p:sldId id="299" r:id="rId10"/>
-    <p:sldId id="293" r:id="rId11"/>
-    <p:sldId id="280" r:id="rId12"/>
-    <p:sldId id="278" r:id="rId13"/>
-    <p:sldId id="301" r:id="rId14"/>
-    <p:sldId id="282" r:id="rId15"/>
-    <p:sldId id="279" r:id="rId16"/>
-    <p:sldId id="296" r:id="rId17"/>
-    <p:sldId id="297" r:id="rId18"/>
-    <p:sldId id="298" r:id="rId19"/>
-    <p:sldId id="300" r:id="rId20"/>
-    <p:sldId id="302" r:id="rId21"/>
+    <p:sldId id="303" r:id="rId7"/>
+    <p:sldId id="294" r:id="rId8"/>
+    <p:sldId id="292" r:id="rId9"/>
+    <p:sldId id="295" r:id="rId10"/>
+    <p:sldId id="299" r:id="rId11"/>
+    <p:sldId id="293" r:id="rId12"/>
+    <p:sldId id="280" r:id="rId13"/>
+    <p:sldId id="278" r:id="rId14"/>
+    <p:sldId id="301" r:id="rId15"/>
+    <p:sldId id="282" r:id="rId16"/>
+    <p:sldId id="279" r:id="rId17"/>
+    <p:sldId id="296" r:id="rId18"/>
+    <p:sldId id="297" r:id="rId19"/>
+    <p:sldId id="298" r:id="rId20"/>
+    <p:sldId id="300" r:id="rId21"/>
+    <p:sldId id="302" r:id="rId22"/>
   </p:sldIdLst>
   <p:sldSz cx="12192000" cy="6858000"/>
   <p:notesSz cx="6811963" cy="9942513"/>
   <p:embeddedFontLst>
     <p:embeddedFont>
       <p:font typeface="Calibri" panose="020F0502020204030204" pitchFamily="34" charset="0"/>
-      <p:regular r:id="rId24"/>
-      <p:bold r:id="rId25"/>
-      <p:italic r:id="rId26"/>
-      <p:boldItalic r:id="rId27"/>
+      <p:regular r:id="rId25"/>
+      <p:bold r:id="rId26"/>
+      <p:italic r:id="rId27"/>
+      <p:boldItalic r:id="rId28"/>
     </p:embeddedFont>
     <p:embeddedFont>
       <p:font typeface="Consolas" panose="020B0609020204030204" pitchFamily="49" charset="0"/>
-      <p:regular r:id="rId28"/>
-      <p:bold r:id="rId29"/>
-      <p:italic r:id="rId30"/>
-      <p:boldItalic r:id="rId31"/>
+      <p:regular r:id="rId29"/>
+      <p:bold r:id="rId30"/>
+      <p:italic r:id="rId31"/>
+      <p:boldItalic r:id="rId32"/>
     </p:embeddedFont>
     <p:embeddedFont>
       <p:font typeface="Open Sans" panose="020B0606030504020204" pitchFamily="34" charset="0"/>
-      <p:regular r:id="rId32"/>
-      <p:italic r:id="rId33"/>
-      <p:boldItalic r:id="rId34"/>
+      <p:regular r:id="rId33"/>
+      <p:italic r:id="rId34"/>
+      <p:boldItalic r:id="rId35"/>
     </p:embeddedFont>
   </p:embeddedFontLst>
   <p:defaultTextStyle>
@@ -364,7 +365,7 @@
           <a:p>
             <a:fld id="{E2F4AB0F-87A2-AD4E-9BCF-DB993D23AB2A}" type="slidenum">
               <a:rPr lang="en-US" smtClean="0"/>
-              <a:t>‹Nr.›</a:t>
+              <a:t>‹#›</a:t>
             </a:fld>
             <a:endParaRPr lang="en-US" dirty="0"/>
           </a:p>
@@ -401,7 +402,7 @@
               <a:rPr lang="de-DE" smtClean="0">
                 <a:latin typeface="+mj-lt"/>
               </a:rPr>
-              <a:t>18.01.2022</a:t>
+              <a:t>22.12.2022</a:t>
             </a:fld>
             <a:endParaRPr lang="de-DE">
               <a:latin typeface="+mj-lt"/>
@@ -639,7 +640,7 @@
             <a:fld id="{75E10C42-8CBE-5D4D-BDD7-B0ED78DCCA60}" type="slidenum">
               <a:rPr lang="en-US" smtClean="0"/>
               <a:pPr/>
-              <a:t>‹Nr.›</a:t>
+              <a:t>‹#›</a:t>
             </a:fld>
             <a:endParaRPr lang="en-US"/>
           </a:p>
@@ -679,7 +680,7 @@
             <a:fld id="{2BED3E6E-8133-4250-B5E2-1FA55BF6A304}" type="datetimeFigureOut">
               <a:rPr lang="de-DE" smtClean="0"/>
               <a:pPr/>
-              <a:t>18.01.2022</a:t>
+              <a:t>22.12.2022</a:t>
             </a:fld>
             <a:endParaRPr lang="de-DE"/>
           </a:p>
@@ -1500,7 +1501,7 @@
           <a:p>
             <a:fld id="{D18101CA-2DEE-4923-A9A7-03C28FCDEBE6}" type="datetime1">
               <a:rPr lang="de-DE" smtClean="0"/>
-              <a:t>18.01.2022</a:t>
+              <a:t>22.12.2022</a:t>
             </a:fld>
             <a:endParaRPr lang="de-DE"/>
           </a:p>
@@ -1557,7 +1558,7 @@
             <a:fld id="{35C6B732-0FDC-8B41-AA71-0CE334ED49B4}" type="slidenum">
               <a:rPr lang="en-US" smtClean="0"/>
               <a:pPr/>
-              <a:t>‹Nr.›</a:t>
+              <a:t>‹#›</a:t>
             </a:fld>
             <a:endParaRPr lang="en-US" dirty="0"/>
           </a:p>
@@ -2207,7 +2208,7 @@
           <a:p>
             <a:fld id="{D18101CA-2DEE-4923-A9A7-03C28FCDEBE6}" type="datetime1">
               <a:rPr lang="de-DE" smtClean="0"/>
-              <a:t>18.01.2022</a:t>
+              <a:t>22.12.2022</a:t>
             </a:fld>
             <a:endParaRPr lang="de-DE"/>
           </a:p>
@@ -2264,7 +2265,7 @@
             <a:fld id="{35C6B732-0FDC-8B41-AA71-0CE334ED49B4}" type="slidenum">
               <a:rPr lang="en-US" smtClean="0"/>
               <a:pPr/>
-              <a:t>‹Nr.›</a:t>
+              <a:t>‹#›</a:t>
             </a:fld>
             <a:endParaRPr lang="en-US" dirty="0"/>
           </a:p>
@@ -2873,7 +2874,7 @@
           <a:p>
             <a:fld id="{D18101CA-2DEE-4923-A9A7-03C28FCDEBE6}" type="datetime1">
               <a:rPr lang="de-DE" smtClean="0"/>
-              <a:t>18.01.2022</a:t>
+              <a:t>22.12.2022</a:t>
             </a:fld>
             <a:endParaRPr lang="de-DE"/>
           </a:p>
@@ -2930,7 +2931,7 @@
             <a:fld id="{35C6B732-0FDC-8B41-AA71-0CE334ED49B4}" type="slidenum">
               <a:rPr lang="en-US" smtClean="0"/>
               <a:pPr/>
-              <a:t>‹Nr.›</a:t>
+              <a:t>‹#›</a:t>
             </a:fld>
             <a:endParaRPr lang="en-US" dirty="0"/>
           </a:p>
@@ -3723,7 +3724,7 @@
           <a:p>
             <a:fld id="{D18101CA-2DEE-4923-A9A7-03C28FCDEBE6}" type="datetime1">
               <a:rPr lang="de-DE" smtClean="0"/>
-              <a:t>18.01.2022</a:t>
+              <a:t>22.12.2022</a:t>
             </a:fld>
             <a:endParaRPr lang="de-DE"/>
           </a:p>
@@ -3780,7 +3781,7 @@
             <a:fld id="{35C6B732-0FDC-8B41-AA71-0CE334ED49B4}" type="slidenum">
               <a:rPr lang="en-US" smtClean="0"/>
               <a:pPr/>
-              <a:t>‹Nr.›</a:t>
+              <a:t>‹#›</a:t>
             </a:fld>
             <a:endParaRPr lang="en-US" dirty="0"/>
           </a:p>
@@ -4738,7 +4739,7 @@
           <a:p>
             <a:fld id="{D18101CA-2DEE-4923-A9A7-03C28FCDEBE6}" type="datetime1">
               <a:rPr lang="de-DE" smtClean="0"/>
-              <a:t>18.01.2022</a:t>
+              <a:t>22.12.2022</a:t>
             </a:fld>
             <a:endParaRPr lang="de-DE"/>
           </a:p>
@@ -4795,7 +4796,7 @@
             <a:fld id="{35C6B732-0FDC-8B41-AA71-0CE334ED49B4}" type="slidenum">
               <a:rPr lang="en-US" smtClean="0"/>
               <a:pPr/>
-              <a:t>‹Nr.›</a:t>
+              <a:t>‹#›</a:t>
             </a:fld>
             <a:endParaRPr lang="en-US" dirty="0"/>
           </a:p>
@@ -5857,7 +5858,7 @@
           <a:p>
             <a:fld id="{D18101CA-2DEE-4923-A9A7-03C28FCDEBE6}" type="datetime1">
               <a:rPr lang="de-DE" smtClean="0"/>
-              <a:t>18.01.2022</a:t>
+              <a:t>22.12.2022</a:t>
             </a:fld>
             <a:endParaRPr lang="de-DE"/>
           </a:p>
@@ -5914,7 +5915,7 @@
             <a:fld id="{35C6B732-0FDC-8B41-AA71-0CE334ED49B4}" type="slidenum">
               <a:rPr lang="en-US" smtClean="0"/>
               <a:pPr/>
-              <a:t>‹Nr.›</a:t>
+              <a:t>‹#›</a:t>
             </a:fld>
             <a:endParaRPr lang="en-US" dirty="0"/>
           </a:p>
@@ -7153,7 +7154,7 @@
           <a:p>
             <a:fld id="{D18101CA-2DEE-4923-A9A7-03C28FCDEBE6}" type="datetime1">
               <a:rPr lang="de-DE" smtClean="0"/>
-              <a:t>18.01.2022</a:t>
+              <a:t>22.12.2022</a:t>
             </a:fld>
             <a:endParaRPr lang="de-DE"/>
           </a:p>
@@ -7210,7 +7211,7 @@
             <a:fld id="{35C6B732-0FDC-8B41-AA71-0CE334ED49B4}" type="slidenum">
               <a:rPr lang="en-US" smtClean="0"/>
               <a:pPr/>
-              <a:t>‹Nr.›</a:t>
+              <a:t>‹#›</a:t>
             </a:fld>
             <a:endParaRPr lang="en-US" dirty="0"/>
           </a:p>
@@ -7933,7 +7934,7 @@
           <a:p>
             <a:fld id="{D18101CA-2DEE-4923-A9A7-03C28FCDEBE6}" type="datetime1">
               <a:rPr lang="de-DE" smtClean="0"/>
-              <a:t>18.01.2022</a:t>
+              <a:t>22.12.2022</a:t>
             </a:fld>
             <a:endParaRPr lang="de-DE"/>
           </a:p>
@@ -7990,7 +7991,7 @@
             <a:fld id="{35C6B732-0FDC-8B41-AA71-0CE334ED49B4}" type="slidenum">
               <a:rPr lang="en-US" smtClean="0"/>
               <a:pPr/>
-              <a:t>‹Nr.›</a:t>
+              <a:t>‹#›</a:t>
             </a:fld>
             <a:endParaRPr lang="en-US" dirty="0"/>
           </a:p>
@@ -8641,7 +8642,7 @@
           <a:p>
             <a:fld id="{D18101CA-2DEE-4923-A9A7-03C28FCDEBE6}" type="datetime1">
               <a:rPr lang="de-DE" smtClean="0"/>
-              <a:t>18.01.2022</a:t>
+              <a:t>22.12.2022</a:t>
             </a:fld>
             <a:endParaRPr lang="de-DE"/>
           </a:p>
@@ -8698,7 +8699,7 @@
             <a:fld id="{35C6B732-0FDC-8B41-AA71-0CE334ED49B4}" type="slidenum">
               <a:rPr lang="en-US" smtClean="0"/>
               <a:pPr/>
-              <a:t>‹Nr.›</a:t>
+              <a:t>‹#›</a:t>
             </a:fld>
             <a:endParaRPr lang="en-US" dirty="0"/>
           </a:p>
@@ -9866,7 +9867,7 @@
           <a:p>
             <a:fld id="{D18101CA-2DEE-4923-A9A7-03C28FCDEBE6}" type="datetime1">
               <a:rPr lang="de-DE" smtClean="0"/>
-              <a:t>18.01.2022</a:t>
+              <a:t>22.12.2022</a:t>
             </a:fld>
             <a:endParaRPr lang="de-DE"/>
           </a:p>
@@ -9923,7 +9924,7 @@
             <a:fld id="{35C6B732-0FDC-8B41-AA71-0CE334ED49B4}" type="slidenum">
               <a:rPr lang="en-US" smtClean="0"/>
               <a:pPr/>
-              <a:t>‹Nr.›</a:t>
+              <a:t>‹#›</a:t>
             </a:fld>
             <a:endParaRPr lang="en-US" dirty="0"/>
           </a:p>
@@ -11010,7 +11011,7 @@
           <a:p>
             <a:fld id="{D18101CA-2DEE-4923-A9A7-03C28FCDEBE6}" type="datetime1">
               <a:rPr lang="de-DE" smtClean="0"/>
-              <a:t>18.01.2022</a:t>
+              <a:t>22.12.2022</a:t>
             </a:fld>
             <a:endParaRPr lang="de-DE"/>
           </a:p>
@@ -11067,7 +11068,7 @@
             <a:fld id="{35C6B732-0FDC-8B41-AA71-0CE334ED49B4}" type="slidenum">
               <a:rPr lang="en-US" smtClean="0"/>
               <a:pPr/>
-              <a:t>‹Nr.›</a:t>
+              <a:t>‹#›</a:t>
             </a:fld>
             <a:endParaRPr lang="en-US" dirty="0"/>
           </a:p>
@@ -12438,7 +12439,7 @@
           <a:p>
             <a:fld id="{D18101CA-2DEE-4923-A9A7-03C28FCDEBE6}" type="datetime1">
               <a:rPr lang="de-DE" smtClean="0"/>
-              <a:t>18.01.2022</a:t>
+              <a:t>22.12.2022</a:t>
             </a:fld>
             <a:endParaRPr lang="de-DE"/>
           </a:p>
@@ -12495,7 +12496,7 @@
             <a:fld id="{35C6B732-0FDC-8B41-AA71-0CE334ED49B4}" type="slidenum">
               <a:rPr lang="en-US" smtClean="0"/>
               <a:pPr/>
-              <a:t>‹Nr.›</a:t>
+              <a:t>‹#›</a:t>
             </a:fld>
             <a:endParaRPr lang="en-US" dirty="0"/>
           </a:p>
@@ -13365,7 +13366,7 @@
           <a:p>
             <a:fld id="{D18101CA-2DEE-4923-A9A7-03C28FCDEBE6}" type="datetime1">
               <a:rPr lang="de-DE" smtClean="0"/>
-              <a:t>18.01.2022</a:t>
+              <a:t>22.12.2022</a:t>
             </a:fld>
             <a:endParaRPr lang="de-DE"/>
           </a:p>
@@ -13422,7 +13423,7 @@
             <a:fld id="{35C6B732-0FDC-8B41-AA71-0CE334ED49B4}" type="slidenum">
               <a:rPr lang="en-US" smtClean="0"/>
               <a:pPr/>
-              <a:t>‹Nr.›</a:t>
+              <a:t>‹#›</a:t>
             </a:fld>
             <a:endParaRPr lang="en-US" dirty="0"/>
           </a:p>
@@ -14363,7 +14364,7 @@
           <a:p>
             <a:fld id="{D18101CA-2DEE-4923-A9A7-03C28FCDEBE6}" type="datetime1">
               <a:rPr lang="de-DE" smtClean="0"/>
-              <a:t>18.01.2022</a:t>
+              <a:t>22.12.2022</a:t>
             </a:fld>
             <a:endParaRPr lang="de-DE"/>
           </a:p>
@@ -14420,7 +14421,7 @@
             <a:fld id="{35C6B732-0FDC-8B41-AA71-0CE334ED49B4}" type="slidenum">
               <a:rPr lang="en-US" smtClean="0"/>
               <a:pPr/>
-              <a:t>‹Nr.›</a:t>
+              <a:t>‹#›</a:t>
             </a:fld>
             <a:endParaRPr lang="en-US" dirty="0"/>
           </a:p>
@@ -15158,7 +15159,7 @@
           <a:p>
             <a:fld id="{D18101CA-2DEE-4923-A9A7-03C28FCDEBE6}" type="datetime1">
               <a:rPr lang="de-DE" smtClean="0"/>
-              <a:t>18.01.2022</a:t>
+              <a:t>22.12.2022</a:t>
             </a:fld>
             <a:endParaRPr lang="de-DE"/>
           </a:p>
@@ -15215,7 +15216,7 @@
             <a:fld id="{35C6B732-0FDC-8B41-AA71-0CE334ED49B4}" type="slidenum">
               <a:rPr lang="en-US" smtClean="0"/>
               <a:pPr/>
-              <a:t>‹Nr.›</a:t>
+              <a:t>‹#›</a:t>
             </a:fld>
             <a:endParaRPr lang="en-US" dirty="0"/>
           </a:p>
@@ -15515,7 +15516,7 @@
             <a:fld id="{B5E240AA-A999-4A2E-9EEA-408875249314}" type="datetime1">
               <a:rPr lang="de-DE" smtClean="0"/>
               <a:pPr/>
-              <a:t>18.01.2022</a:t>
+              <a:t>22.12.2022</a:t>
             </a:fld>
             <a:endParaRPr lang="de-DE" dirty="0"/>
           </a:p>
@@ -15593,7 +15594,7 @@
           <a:p>
             <a:fld id="{78DB6D28-8FF3-468C-BDB5-C7C107A44EAF}" type="slidenum">
               <a:rPr lang="en-US" smtClean="0"/>
-              <a:t>‹Nr.›</a:t>
+              <a:t>‹#›</a:t>
             </a:fld>
             <a:endParaRPr lang="en-US" dirty="0"/>
           </a:p>
@@ -16648,7 +16649,7 @@
           <a:p>
             <a:fld id="{D18101CA-2DEE-4923-A9A7-03C28FCDEBE6}" type="datetime1">
               <a:rPr lang="de-DE" smtClean="0"/>
-              <a:t>18.01.2022</a:t>
+              <a:t>22.12.2022</a:t>
             </a:fld>
             <a:endParaRPr lang="de-DE"/>
           </a:p>
@@ -16695,7 +16696,7 @@
             <a:fld id="{35C6B732-0FDC-8B41-AA71-0CE334ED49B4}" type="slidenum">
               <a:rPr lang="en-US" smtClean="0"/>
               <a:pPr/>
-              <a:t>‹Nr.›</a:t>
+              <a:t>‹#›</a:t>
             </a:fld>
             <a:endParaRPr lang="en-US" dirty="0"/>
           </a:p>
@@ -17451,7 +17452,7 @@
           <a:p>
             <a:fld id="{D18101CA-2DEE-4923-A9A7-03C28FCDEBE6}" type="datetime1">
               <a:rPr lang="de-DE" smtClean="0"/>
-              <a:t>18.01.2022</a:t>
+              <a:t>22.12.2022</a:t>
             </a:fld>
             <a:endParaRPr lang="de-DE"/>
           </a:p>
@@ -17508,7 +17509,7 @@
             <a:fld id="{35C6B732-0FDC-8B41-AA71-0CE334ED49B4}" type="slidenum">
               <a:rPr lang="en-US" smtClean="0"/>
               <a:pPr/>
-              <a:t>‹Nr.›</a:t>
+              <a:t>‹#›</a:t>
             </a:fld>
             <a:endParaRPr lang="en-US" dirty="0"/>
           </a:p>
@@ -18158,7 +18159,7 @@
           <a:p>
             <a:fld id="{D18101CA-2DEE-4923-A9A7-03C28FCDEBE6}" type="datetime1">
               <a:rPr lang="de-DE" smtClean="0"/>
-              <a:t>18.01.2022</a:t>
+              <a:t>22.12.2022</a:t>
             </a:fld>
             <a:endParaRPr lang="de-DE"/>
           </a:p>
@@ -18215,7 +18216,7 @@
             <a:fld id="{35C6B732-0FDC-8B41-AA71-0CE334ED49B4}" type="slidenum">
               <a:rPr lang="en-US" smtClean="0"/>
               <a:pPr/>
-              <a:t>‹Nr.›</a:t>
+              <a:t>‹#›</a:t>
             </a:fld>
             <a:endParaRPr lang="en-US" dirty="0"/>
           </a:p>
@@ -18865,7 +18866,7 @@
           <a:p>
             <a:fld id="{D18101CA-2DEE-4923-A9A7-03C28FCDEBE6}" type="datetime1">
               <a:rPr lang="de-DE" smtClean="0"/>
-              <a:t>18.01.2022</a:t>
+              <a:t>22.12.2022</a:t>
             </a:fld>
             <a:endParaRPr lang="de-DE"/>
           </a:p>
@@ -18922,7 +18923,7 @@
             <a:fld id="{35C6B732-0FDC-8B41-AA71-0CE334ED49B4}" type="slidenum">
               <a:rPr lang="en-US" smtClean="0"/>
               <a:pPr/>
-              <a:t>‹Nr.›</a:t>
+              <a:t>‹#›</a:t>
             </a:fld>
             <a:endParaRPr lang="en-US" dirty="0"/>
           </a:p>
@@ -19572,7 +19573,7 @@
           <a:p>
             <a:fld id="{D18101CA-2DEE-4923-A9A7-03C28FCDEBE6}" type="datetime1">
               <a:rPr lang="de-DE" smtClean="0"/>
-              <a:t>18.01.2022</a:t>
+              <a:t>22.12.2022</a:t>
             </a:fld>
             <a:endParaRPr lang="de-DE"/>
           </a:p>
@@ -19629,7 +19630,7 @@
             <a:fld id="{35C6B732-0FDC-8B41-AA71-0CE334ED49B4}" type="slidenum">
               <a:rPr lang="en-US" smtClean="0"/>
               <a:pPr/>
-              <a:t>‹Nr.›</a:t>
+              <a:t>‹#›</a:t>
             </a:fld>
             <a:endParaRPr lang="en-US" dirty="0"/>
           </a:p>
@@ -20125,7 +20126,7 @@
             <a:fld id="{35C6B732-0FDC-8B41-AA71-0CE334ED49B4}" type="slidenum">
               <a:rPr lang="en-US" noProof="0" smtClean="0"/>
               <a:pPr/>
-              <a:t>‹Nr.›</a:t>
+              <a:t>‹#›</a:t>
             </a:fld>
             <a:endParaRPr lang="en-US" noProof="0" dirty="0"/>
           </a:p>
@@ -20166,7 +20167,7 @@
             <a:fld id="{E43F8D7C-30F9-48B1-8BB3-21BCD4450179}" type="datetime1">
               <a:rPr lang="en-US" noProof="0" smtClean="0"/>
               <a:pPr/>
-              <a:t>1/18/2022</a:t>
+              <a:t>12/22/2022</a:t>
             </a:fld>
             <a:endParaRPr lang="en-US" noProof="0" dirty="0"/>
           </a:p>
@@ -20727,10 +20728,10 @@
       </p:grpSpPr>
       <p:pic>
         <p:nvPicPr>
-          <p:cNvPr id="3" name="Grafik 2">
-            <a:extLst>
-              <a:ext uri="{FF2B5EF4-FFF2-40B4-BE49-F238E27FC236}">
-                <a16:creationId xmlns:a16="http://schemas.microsoft.com/office/drawing/2014/main" id="{2A933300-AD7A-45E8-BFC3-DCE5E81E31A6}"/>
+          <p:cNvPr id="6" name="Grafik 5">
+            <a:extLst>
+              <a:ext uri="{FF2B5EF4-FFF2-40B4-BE49-F238E27FC236}">
+                <a16:creationId xmlns:a16="http://schemas.microsoft.com/office/drawing/2014/main" id="{4AF2F649-80B4-4133-934A-16D543DFC383}"/>
               </a:ext>
             </a:extLst>
           </p:cNvPr>
@@ -20747,8 +20748,8 @@
         </p:blipFill>
         <p:spPr>
           <a:xfrm>
-            <a:off x="2852132" y="618244"/>
-            <a:ext cx="5060476" cy="4197595"/>
+            <a:off x="2553454" y="426673"/>
+            <a:ext cx="6596139" cy="5684707"/>
           </a:xfrm>
           <a:prstGeom prst="rect">
             <a:avLst/>
@@ -20758,7 +20759,7 @@
     </p:spTree>
     <p:extLst>
       <p:ext uri="{BB962C8B-B14F-4D97-AF65-F5344CB8AC3E}">
-        <p14:creationId xmlns:p14="http://schemas.microsoft.com/office/powerpoint/2010/main" val="3264137935"/>
+        <p14:creationId xmlns:p14="http://schemas.microsoft.com/office/powerpoint/2010/main" val="1795796385"/>
       </p:ext>
     </p:extLst>
   </p:cSld>
@@ -20785,247 +20786,40 @@
           <a:chExt cx="0" cy="0"/>
         </a:xfrm>
       </p:grpSpPr>
-      <p:sp>
-        <p:nvSpPr>
-          <p:cNvPr id="3" name="Textplatzhalter 2">
-            <a:extLst>
-              <a:ext uri="{FF2B5EF4-FFF2-40B4-BE49-F238E27FC236}">
-                <a16:creationId xmlns:a16="http://schemas.microsoft.com/office/drawing/2014/main" id="{FEEE160A-5232-4A23-AAC4-4C16D6FE2E54}"/>
-              </a:ext>
-            </a:extLst>
-          </p:cNvPr>
-          <p:cNvSpPr>
-            <a:spLocks noGrp="1"/>
-          </p:cNvSpPr>
-          <p:nvPr>
-            <p:ph type="body" sz="quarter" idx="16"/>
-          </p:nvPr>
-        </p:nvSpPr>
-        <p:spPr/>
-        <p:txBody>
-          <a:bodyPr/>
-          <a:lstStyle/>
-          <a:p>
-            <a:r>
-              <a:rPr lang="de-DE"/>
-              <a:t>BXT3</a:t>
-            </a:r>
-            <a:endParaRPr lang="de-CH"/>
-          </a:p>
-        </p:txBody>
-      </p:sp>
-      <p:sp>
-        <p:nvSpPr>
-          <p:cNvPr id="10" name="Textfeld 9">
-            <a:extLst>
-              <a:ext uri="{FF2B5EF4-FFF2-40B4-BE49-F238E27FC236}">
-                <a16:creationId xmlns:a16="http://schemas.microsoft.com/office/drawing/2014/main" id="{528089E9-D9B2-4BC8-B98C-1632FAA7DBD4}"/>
-              </a:ext>
-            </a:extLst>
-          </p:cNvPr>
-          <p:cNvSpPr txBox="1"/>
+      <p:pic>
+        <p:nvPicPr>
+          <p:cNvPr id="3" name="Grafik 2">
+            <a:extLst>
+              <a:ext uri="{FF2B5EF4-FFF2-40B4-BE49-F238E27FC236}">
+                <a16:creationId xmlns:a16="http://schemas.microsoft.com/office/drawing/2014/main" id="{2A933300-AD7A-45E8-BFC3-DCE5E81E31A6}"/>
+              </a:ext>
+            </a:extLst>
+          </p:cNvPr>
+          <p:cNvPicPr>
+            <a:picLocks noChangeAspect="1"/>
+          </p:cNvPicPr>
           <p:nvPr/>
-        </p:nvSpPr>
-        <p:spPr>
-          <a:xfrm>
-            <a:off x="2189639" y="989908"/>
-            <a:ext cx="7991855" cy="4370427"/>
+        </p:nvPicPr>
+        <p:blipFill>
+          <a:blip r:embed="rId2"/>
+          <a:stretch>
+            <a:fillRect/>
+          </a:stretch>
+        </p:blipFill>
+        <p:spPr>
+          <a:xfrm>
+            <a:off x="2852132" y="618244"/>
+            <a:ext cx="5060476" cy="4197595"/>
           </a:xfrm>
           <a:prstGeom prst="rect">
             <a:avLst/>
           </a:prstGeom>
-          <a:noFill/>
-        </p:spPr>
-        <p:txBody>
-          <a:bodyPr wrap="square" rtlCol="0">
-            <a:spAutoFit/>
-          </a:bodyPr>
-          <a:lstStyle/>
-          <a:p>
-            <a:r>
-              <a:rPr lang="de-DE" sz="1200">
-                <a:latin typeface="Consolas" panose="020B0609020204030204" pitchFamily="49" charset="0"/>
-              </a:rPr>
-              <a:t>----------------------------------------</a:t>
-            </a:r>
-          </a:p>
-          <a:p>
-            <a:r>
-              <a:rPr lang="de-DE" sz="1200">
-                <a:latin typeface="Consolas" panose="020B0609020204030204" pitchFamily="49" charset="0"/>
-              </a:rPr>
-              <a:t>MOCKUP MIT KLEINEREM DISPAY (2.6" -&gt; 2")</a:t>
-            </a:r>
-          </a:p>
-          <a:p>
-            <a:r>
-              <a:rPr lang="de-DE" sz="1200">
-                <a:latin typeface="Consolas" panose="020B0609020204030204" pitchFamily="49" charset="0"/>
-              </a:rPr>
-              <a:t>----------------------------------------</a:t>
-            </a:r>
-          </a:p>
-          <a:p>
-            <a:endParaRPr lang="de-DE" sz="1100">
-              <a:latin typeface="Consolas" panose="020B0609020204030204" pitchFamily="49" charset="0"/>
-            </a:endParaRPr>
-          </a:p>
-          <a:p>
-            <a:r>
-              <a:rPr lang="de-DE" sz="1100">
-                <a:latin typeface="Consolas" panose="020B0609020204030204" pitchFamily="49" charset="0"/>
-              </a:rPr>
-              <a:t>Grösse BXT3:       50.6 x 43.9 (2.6")</a:t>
-            </a:r>
-          </a:p>
-          <a:p>
-            <a:r>
-              <a:rPr lang="de-DE" sz="1100">
-                <a:latin typeface="Consolas" panose="020B0609020204030204" pitchFamily="49" charset="0"/>
-              </a:rPr>
-              <a:t>Gefundene Grösse:  30.6 x 40.8 (2")</a:t>
-            </a:r>
-          </a:p>
-          <a:p>
-            <a:endParaRPr lang="de-DE" sz="1100">
-              <a:latin typeface="Consolas" panose="020B0609020204030204" pitchFamily="49" charset="0"/>
-            </a:endParaRPr>
-          </a:p>
-          <a:p>
-            <a:r>
-              <a:rPr lang="de-DE" sz="1100">
-                <a:latin typeface="Consolas" panose="020B0609020204030204" pitchFamily="49" charset="0"/>
-                <a:hlinkClick r:id="rId2"/>
-              </a:rPr>
-              <a:t>https://www.mouser.ch/ProductDetail/DFRobot/DFR0664?qs=yqaQSyyJnNhmFSKTFUyuSA%3D%3D</a:t>
-            </a:r>
-            <a:endParaRPr lang="de-DE" sz="1100">
-              <a:latin typeface="Consolas" panose="020B0609020204030204" pitchFamily="49" charset="0"/>
-            </a:endParaRPr>
-          </a:p>
-          <a:p>
-            <a:endParaRPr lang="de-DE" sz="1100">
-              <a:latin typeface="Consolas" panose="020B0609020204030204" pitchFamily="49" charset="0"/>
-            </a:endParaRPr>
-          </a:p>
-          <a:p>
-            <a:r>
-              <a:rPr lang="de-DE" sz="1100">
-                <a:latin typeface="Consolas" panose="020B0609020204030204" pitchFamily="49" charset="0"/>
-                <a:hlinkClick r:id="rId3"/>
-              </a:rPr>
-              <a:t>https://www.mouser.ch/ProductDetail/ELECTRONIC-ASSEMBLY/EA-TFT020-23AINN?qs=T3oQrply3y8usryEpE7q3g%3D%3D</a:t>
-            </a:r>
-            <a:endParaRPr lang="de-DE" sz="1100">
-              <a:latin typeface="Consolas" panose="020B0609020204030204" pitchFamily="49" charset="0"/>
-            </a:endParaRPr>
-          </a:p>
-          <a:p>
-            <a:endParaRPr lang="de-DE" sz="1100">
-              <a:latin typeface="Consolas" panose="020B0609020204030204" pitchFamily="49" charset="0"/>
-            </a:endParaRPr>
-          </a:p>
-          <a:p>
-            <a:endParaRPr lang="de-DE" sz="1100">
-              <a:latin typeface="Consolas" panose="020B0609020204030204" pitchFamily="49" charset="0"/>
-            </a:endParaRPr>
-          </a:p>
-          <a:p>
-            <a:r>
-              <a:rPr lang="de-DE" sz="1100">
-                <a:latin typeface="Consolas" panose="020B0609020204030204" pitchFamily="49" charset="0"/>
-              </a:rPr>
-              <a:t>--------------------------------------------------------</a:t>
-            </a:r>
-          </a:p>
-          <a:p>
-            <a:r>
-              <a:rPr lang="de-DE" sz="1100">
-                <a:latin typeface="Consolas" panose="020B0609020204030204" pitchFamily="49" charset="0"/>
-              </a:rPr>
-              <a:t>SIMULIEREN DES 2" DISPLAYS AUF DEM 2.4" NEXTION DISPLAY</a:t>
-            </a:r>
-          </a:p>
-          <a:p>
-            <a:r>
-              <a:rPr lang="de-DE" sz="1100">
-                <a:latin typeface="Consolas" panose="020B0609020204030204" pitchFamily="49" charset="0"/>
-              </a:rPr>
-              <a:t>--------------------------------------------------------</a:t>
-            </a:r>
-          </a:p>
-          <a:p>
-            <a:r>
-              <a:rPr lang="de-DE" sz="1100">
-                <a:latin typeface="Consolas" panose="020B0609020204030204" pitchFamily="49" charset="0"/>
-              </a:rPr>
-              <a:t>Nextion Typ: NX3224T024_11</a:t>
-            </a:r>
-          </a:p>
-          <a:p>
-            <a:r>
-              <a:rPr lang="de-DE" sz="1100">
-                <a:latin typeface="Consolas" panose="020B0609020204030204" pitchFamily="49" charset="0"/>
-              </a:rPr>
-              <a:t>2.4" TFT Display</a:t>
-            </a:r>
-          </a:p>
-          <a:p>
-            <a:r>
-              <a:rPr lang="de-DE" sz="1100">
-                <a:latin typeface="Consolas" panose="020B0609020204030204" pitchFamily="49" charset="0"/>
-              </a:rPr>
-              <a:t>Resistiver Touch</a:t>
-            </a:r>
-          </a:p>
-          <a:p>
-            <a:endParaRPr lang="de-DE" sz="1100">
-              <a:latin typeface="Consolas" panose="020B0609020204030204" pitchFamily="49" charset="0"/>
-            </a:endParaRPr>
-          </a:p>
-          <a:p>
-            <a:r>
-              <a:rPr lang="de-DE" sz="1100">
-                <a:latin typeface="Consolas" panose="020B0609020204030204" pitchFamily="49" charset="0"/>
-              </a:rPr>
-              <a:t>Pixel Nextion:     320  x 240</a:t>
-            </a:r>
-          </a:p>
-          <a:p>
-            <a:r>
-              <a:rPr lang="de-DE" sz="1100">
-                <a:latin typeface="Consolas" panose="020B0609020204030204" pitchFamily="49" charset="0"/>
-              </a:rPr>
-              <a:t>Grösse Nextion:    49   x 37   mm   (gemessen)</a:t>
-            </a:r>
-          </a:p>
-          <a:p>
-            <a:r>
-              <a:rPr lang="de-DE" sz="1100">
-                <a:latin typeface="Consolas" panose="020B0609020204030204" pitchFamily="49" charset="0"/>
-              </a:rPr>
-              <a:t>Grösse 2“ Display: 40.8 x 30.6 mm   (2")</a:t>
-            </a:r>
-          </a:p>
-          <a:p>
-            <a:r>
-              <a:rPr lang="de-DE" sz="1100">
-                <a:latin typeface="Consolas" panose="020B0609020204030204" pitchFamily="49" charset="0"/>
-              </a:rPr>
-              <a:t>Verfügbare Pixel:  266  x 199  px   (offset: 20 von oben, 27 von links)</a:t>
-            </a:r>
-          </a:p>
-          <a:p>
-            <a:endParaRPr lang="de-CH" sz="1100">
-              <a:latin typeface="Consolas" panose="020B0609020204030204" pitchFamily="49" charset="0"/>
-            </a:endParaRPr>
-          </a:p>
-        </p:txBody>
-      </p:sp>
+        </p:spPr>
+      </p:pic>
     </p:spTree>
     <p:extLst>
       <p:ext uri="{BB962C8B-B14F-4D97-AF65-F5344CB8AC3E}">
-        <p14:creationId xmlns:p14="http://schemas.microsoft.com/office/powerpoint/2010/main" val="1465493783"/>
+        <p14:creationId xmlns:p14="http://schemas.microsoft.com/office/powerpoint/2010/main" val="3264137935"/>
       </p:ext>
     </p:extLst>
   </p:cSld>
@@ -21052,40 +20846,247 @@
           <a:chExt cx="0" cy="0"/>
         </a:xfrm>
       </p:grpSpPr>
-      <p:pic>
-        <p:nvPicPr>
-          <p:cNvPr id="3" name="Grafik 2">
-            <a:extLst>
-              <a:ext uri="{FF2B5EF4-FFF2-40B4-BE49-F238E27FC236}">
-                <a16:creationId xmlns:a16="http://schemas.microsoft.com/office/drawing/2014/main" id="{A387FE2E-92DC-4752-AE11-2EB1DB2A0DC9}"/>
-              </a:ext>
-            </a:extLst>
-          </p:cNvPr>
-          <p:cNvPicPr>
-            <a:picLocks noChangeAspect="1"/>
-          </p:cNvPicPr>
+      <p:sp>
+        <p:nvSpPr>
+          <p:cNvPr id="3" name="Textplatzhalter 2">
+            <a:extLst>
+              <a:ext uri="{FF2B5EF4-FFF2-40B4-BE49-F238E27FC236}">
+                <a16:creationId xmlns:a16="http://schemas.microsoft.com/office/drawing/2014/main" id="{FEEE160A-5232-4A23-AAC4-4C16D6FE2E54}"/>
+              </a:ext>
+            </a:extLst>
+          </p:cNvPr>
+          <p:cNvSpPr>
+            <a:spLocks noGrp="1"/>
+          </p:cNvSpPr>
+          <p:nvPr>
+            <p:ph type="body" sz="quarter" idx="16"/>
+          </p:nvPr>
+        </p:nvSpPr>
+        <p:spPr/>
+        <p:txBody>
+          <a:bodyPr/>
+          <a:lstStyle/>
+          <a:p>
+            <a:r>
+              <a:rPr lang="de-DE"/>
+              <a:t>BXT3</a:t>
+            </a:r>
+            <a:endParaRPr lang="de-CH"/>
+          </a:p>
+        </p:txBody>
+      </p:sp>
+      <p:sp>
+        <p:nvSpPr>
+          <p:cNvPr id="10" name="Textfeld 9">
+            <a:extLst>
+              <a:ext uri="{FF2B5EF4-FFF2-40B4-BE49-F238E27FC236}">
+                <a16:creationId xmlns:a16="http://schemas.microsoft.com/office/drawing/2014/main" id="{528089E9-D9B2-4BC8-B98C-1632FAA7DBD4}"/>
+              </a:ext>
+            </a:extLst>
+          </p:cNvPr>
+          <p:cNvSpPr txBox="1"/>
           <p:nvPr/>
-        </p:nvPicPr>
-        <p:blipFill>
-          <a:blip r:embed="rId2"/>
-          <a:stretch>
-            <a:fillRect/>
-          </a:stretch>
-        </p:blipFill>
-        <p:spPr>
-          <a:xfrm>
-            <a:off x="3166269" y="1264894"/>
-            <a:ext cx="5859463" cy="3526181"/>
+        </p:nvSpPr>
+        <p:spPr>
+          <a:xfrm>
+            <a:off x="2189639" y="989908"/>
+            <a:ext cx="7991855" cy="4370427"/>
           </a:xfrm>
           <a:prstGeom prst="rect">
             <a:avLst/>
           </a:prstGeom>
-        </p:spPr>
-      </p:pic>
+          <a:noFill/>
+        </p:spPr>
+        <p:txBody>
+          <a:bodyPr wrap="square" rtlCol="0">
+            <a:spAutoFit/>
+          </a:bodyPr>
+          <a:lstStyle/>
+          <a:p>
+            <a:r>
+              <a:rPr lang="de-DE" sz="1200">
+                <a:latin typeface="Consolas" panose="020B0609020204030204" pitchFamily="49" charset="0"/>
+              </a:rPr>
+              <a:t>----------------------------------------</a:t>
+            </a:r>
+          </a:p>
+          <a:p>
+            <a:r>
+              <a:rPr lang="de-DE" sz="1200">
+                <a:latin typeface="Consolas" panose="020B0609020204030204" pitchFamily="49" charset="0"/>
+              </a:rPr>
+              <a:t>MOCKUP MIT KLEINEREM DISPAY (2.6" -&gt; 2")</a:t>
+            </a:r>
+          </a:p>
+          <a:p>
+            <a:r>
+              <a:rPr lang="de-DE" sz="1200">
+                <a:latin typeface="Consolas" panose="020B0609020204030204" pitchFamily="49" charset="0"/>
+              </a:rPr>
+              <a:t>----------------------------------------</a:t>
+            </a:r>
+          </a:p>
+          <a:p>
+            <a:endParaRPr lang="de-DE" sz="1100">
+              <a:latin typeface="Consolas" panose="020B0609020204030204" pitchFamily="49" charset="0"/>
+            </a:endParaRPr>
+          </a:p>
+          <a:p>
+            <a:r>
+              <a:rPr lang="de-DE" sz="1100">
+                <a:latin typeface="Consolas" panose="020B0609020204030204" pitchFamily="49" charset="0"/>
+              </a:rPr>
+              <a:t>Grösse BXT3:       50.6 x 43.9 (2.6")</a:t>
+            </a:r>
+          </a:p>
+          <a:p>
+            <a:r>
+              <a:rPr lang="de-DE" sz="1100">
+                <a:latin typeface="Consolas" panose="020B0609020204030204" pitchFamily="49" charset="0"/>
+              </a:rPr>
+              <a:t>Gefundene Grösse:  30.6 x 40.8 (2")</a:t>
+            </a:r>
+          </a:p>
+          <a:p>
+            <a:endParaRPr lang="de-DE" sz="1100">
+              <a:latin typeface="Consolas" panose="020B0609020204030204" pitchFamily="49" charset="0"/>
+            </a:endParaRPr>
+          </a:p>
+          <a:p>
+            <a:r>
+              <a:rPr lang="de-DE" sz="1100">
+                <a:latin typeface="Consolas" panose="020B0609020204030204" pitchFamily="49" charset="0"/>
+                <a:hlinkClick r:id="rId2"/>
+              </a:rPr>
+              <a:t>https://www.mouser.ch/ProductDetail/DFRobot/DFR0664?qs=yqaQSyyJnNhmFSKTFUyuSA%3D%3D</a:t>
+            </a:r>
+            <a:endParaRPr lang="de-DE" sz="1100">
+              <a:latin typeface="Consolas" panose="020B0609020204030204" pitchFamily="49" charset="0"/>
+            </a:endParaRPr>
+          </a:p>
+          <a:p>
+            <a:endParaRPr lang="de-DE" sz="1100">
+              <a:latin typeface="Consolas" panose="020B0609020204030204" pitchFamily="49" charset="0"/>
+            </a:endParaRPr>
+          </a:p>
+          <a:p>
+            <a:r>
+              <a:rPr lang="de-DE" sz="1100">
+                <a:latin typeface="Consolas" panose="020B0609020204030204" pitchFamily="49" charset="0"/>
+                <a:hlinkClick r:id="rId3"/>
+              </a:rPr>
+              <a:t>https://www.mouser.ch/ProductDetail/ELECTRONIC-ASSEMBLY/EA-TFT020-23AINN?qs=T3oQrply3y8usryEpE7q3g%3D%3D</a:t>
+            </a:r>
+            <a:endParaRPr lang="de-DE" sz="1100">
+              <a:latin typeface="Consolas" panose="020B0609020204030204" pitchFamily="49" charset="0"/>
+            </a:endParaRPr>
+          </a:p>
+          <a:p>
+            <a:endParaRPr lang="de-DE" sz="1100">
+              <a:latin typeface="Consolas" panose="020B0609020204030204" pitchFamily="49" charset="0"/>
+            </a:endParaRPr>
+          </a:p>
+          <a:p>
+            <a:endParaRPr lang="de-DE" sz="1100">
+              <a:latin typeface="Consolas" panose="020B0609020204030204" pitchFamily="49" charset="0"/>
+            </a:endParaRPr>
+          </a:p>
+          <a:p>
+            <a:r>
+              <a:rPr lang="de-DE" sz="1100">
+                <a:latin typeface="Consolas" panose="020B0609020204030204" pitchFamily="49" charset="0"/>
+              </a:rPr>
+              <a:t>--------------------------------------------------------</a:t>
+            </a:r>
+          </a:p>
+          <a:p>
+            <a:r>
+              <a:rPr lang="de-DE" sz="1100">
+                <a:latin typeface="Consolas" panose="020B0609020204030204" pitchFamily="49" charset="0"/>
+              </a:rPr>
+              <a:t>SIMULIEREN DES 2" DISPLAYS AUF DEM 2.4" NEXTION DISPLAY</a:t>
+            </a:r>
+          </a:p>
+          <a:p>
+            <a:r>
+              <a:rPr lang="de-DE" sz="1100">
+                <a:latin typeface="Consolas" panose="020B0609020204030204" pitchFamily="49" charset="0"/>
+              </a:rPr>
+              <a:t>--------------------------------------------------------</a:t>
+            </a:r>
+          </a:p>
+          <a:p>
+            <a:r>
+              <a:rPr lang="de-DE" sz="1100">
+                <a:latin typeface="Consolas" panose="020B0609020204030204" pitchFamily="49" charset="0"/>
+              </a:rPr>
+              <a:t>Nextion Typ: NX3224T024_11</a:t>
+            </a:r>
+          </a:p>
+          <a:p>
+            <a:r>
+              <a:rPr lang="de-DE" sz="1100">
+                <a:latin typeface="Consolas" panose="020B0609020204030204" pitchFamily="49" charset="0"/>
+              </a:rPr>
+              <a:t>2.4" TFT Display</a:t>
+            </a:r>
+          </a:p>
+          <a:p>
+            <a:r>
+              <a:rPr lang="de-DE" sz="1100">
+                <a:latin typeface="Consolas" panose="020B0609020204030204" pitchFamily="49" charset="0"/>
+              </a:rPr>
+              <a:t>Resistiver Touch</a:t>
+            </a:r>
+          </a:p>
+          <a:p>
+            <a:endParaRPr lang="de-DE" sz="1100">
+              <a:latin typeface="Consolas" panose="020B0609020204030204" pitchFamily="49" charset="0"/>
+            </a:endParaRPr>
+          </a:p>
+          <a:p>
+            <a:r>
+              <a:rPr lang="de-DE" sz="1100">
+                <a:latin typeface="Consolas" panose="020B0609020204030204" pitchFamily="49" charset="0"/>
+              </a:rPr>
+              <a:t>Pixel Nextion:     320  x 240</a:t>
+            </a:r>
+          </a:p>
+          <a:p>
+            <a:r>
+              <a:rPr lang="de-DE" sz="1100">
+                <a:latin typeface="Consolas" panose="020B0609020204030204" pitchFamily="49" charset="0"/>
+              </a:rPr>
+              <a:t>Grösse Nextion:    49   x 37   mm   (gemessen)</a:t>
+            </a:r>
+          </a:p>
+          <a:p>
+            <a:r>
+              <a:rPr lang="de-DE" sz="1100">
+                <a:latin typeface="Consolas" panose="020B0609020204030204" pitchFamily="49" charset="0"/>
+              </a:rPr>
+              <a:t>Grösse 2“ Display: 40.8 x 30.6 mm   (2")</a:t>
+            </a:r>
+          </a:p>
+          <a:p>
+            <a:r>
+              <a:rPr lang="de-DE" sz="1100">
+                <a:latin typeface="Consolas" panose="020B0609020204030204" pitchFamily="49" charset="0"/>
+              </a:rPr>
+              <a:t>Verfügbare Pixel:  266  x 199  px   (offset: 20 von oben, 27 von links)</a:t>
+            </a:r>
+          </a:p>
+          <a:p>
+            <a:endParaRPr lang="de-CH" sz="1100">
+              <a:latin typeface="Consolas" panose="020B0609020204030204" pitchFamily="49" charset="0"/>
+            </a:endParaRPr>
+          </a:p>
+        </p:txBody>
+      </p:sp>
     </p:spTree>
     <p:extLst>
       <p:ext uri="{BB962C8B-B14F-4D97-AF65-F5344CB8AC3E}">
-        <p14:creationId xmlns:p14="http://schemas.microsoft.com/office/powerpoint/2010/main" val="459664584"/>
+        <p14:creationId xmlns:p14="http://schemas.microsoft.com/office/powerpoint/2010/main" val="1465493783"/>
       </p:ext>
     </p:extLst>
   </p:cSld>
@@ -21112,84 +21113,12 @@
           <a:chExt cx="0" cy="0"/>
         </a:xfrm>
       </p:grpSpPr>
-      <p:sp>
-        <p:nvSpPr>
-          <p:cNvPr id="2" name="Textfeld 1">
-            <a:extLst>
-              <a:ext uri="{FF2B5EF4-FFF2-40B4-BE49-F238E27FC236}">
-                <a16:creationId xmlns:a16="http://schemas.microsoft.com/office/drawing/2014/main" id="{E858C340-C064-44E9-888F-D92D9A1CB31B}"/>
-              </a:ext>
-            </a:extLst>
-          </p:cNvPr>
-          <p:cNvSpPr txBox="1"/>
-          <p:nvPr/>
-        </p:nvSpPr>
-        <p:spPr>
-          <a:xfrm>
-            <a:off x="1774300" y="3736100"/>
-            <a:ext cx="2339102" cy="369332"/>
-          </a:xfrm>
-          <a:prstGeom prst="rect">
-            <a:avLst/>
-          </a:prstGeom>
-          <a:noFill/>
-        </p:spPr>
-        <p:txBody>
-          <a:bodyPr wrap="none" rtlCol="0">
-            <a:spAutoFit/>
-          </a:bodyPr>
-          <a:lstStyle/>
-          <a:p>
-            <a:r>
-              <a:rPr lang="de-DE" b="1"/>
-              <a:t>Display am 22.12.21</a:t>
-            </a:r>
-            <a:endParaRPr lang="de-CH" b="1"/>
-          </a:p>
-        </p:txBody>
-      </p:sp>
-      <p:sp>
-        <p:nvSpPr>
-          <p:cNvPr id="6" name="Textfeld 5">
-            <a:extLst>
-              <a:ext uri="{FF2B5EF4-FFF2-40B4-BE49-F238E27FC236}">
-                <a16:creationId xmlns:a16="http://schemas.microsoft.com/office/drawing/2014/main" id="{0DA0B193-F6DB-4BCB-BC18-FE6A088F9E1C}"/>
-              </a:ext>
-            </a:extLst>
-          </p:cNvPr>
-          <p:cNvSpPr txBox="1"/>
-          <p:nvPr/>
-        </p:nvSpPr>
-        <p:spPr>
-          <a:xfrm>
-            <a:off x="1774300" y="684063"/>
-            <a:ext cx="2339102" cy="369332"/>
-          </a:xfrm>
-          <a:prstGeom prst="rect">
-            <a:avLst/>
-          </a:prstGeom>
-          <a:noFill/>
-        </p:spPr>
-        <p:txBody>
-          <a:bodyPr wrap="none" rtlCol="0">
-            <a:spAutoFit/>
-          </a:bodyPr>
-          <a:lstStyle/>
-          <a:p>
-            <a:r>
-              <a:rPr lang="de-DE" b="1"/>
-              <a:t>Display am 20.12.21</a:t>
-            </a:r>
-            <a:endParaRPr lang="de-CH" b="1"/>
-          </a:p>
-        </p:txBody>
-      </p:sp>
       <p:pic>
         <p:nvPicPr>
-          <p:cNvPr id="11" name="Grafik 10">
-            <a:extLst>
-              <a:ext uri="{FF2B5EF4-FFF2-40B4-BE49-F238E27FC236}">
-                <a16:creationId xmlns:a16="http://schemas.microsoft.com/office/drawing/2014/main" id="{8EB7FFBD-9D57-4DC6-81AA-03FE91169821}"/>
+          <p:cNvPr id="3" name="Grafik 2">
+            <a:extLst>
+              <a:ext uri="{FF2B5EF4-FFF2-40B4-BE49-F238E27FC236}">
+                <a16:creationId xmlns:a16="http://schemas.microsoft.com/office/drawing/2014/main" id="{A387FE2E-92DC-4752-AE11-2EB1DB2A0DC9}"/>
               </a:ext>
             </a:extLst>
           </p:cNvPr>
@@ -21206,98 +21135,8 @@
         </p:blipFill>
         <p:spPr>
           <a:xfrm>
-            <a:off x="1838894" y="4170888"/>
-            <a:ext cx="2746069" cy="2057550"/>
-          </a:xfrm>
-          <a:prstGeom prst="rect">
-            <a:avLst/>
-          </a:prstGeom>
-        </p:spPr>
-      </p:pic>
-      <p:pic>
-        <p:nvPicPr>
-          <p:cNvPr id="12" name="Grafik 11">
-            <a:extLst>
-              <a:ext uri="{FF2B5EF4-FFF2-40B4-BE49-F238E27FC236}">
-                <a16:creationId xmlns:a16="http://schemas.microsoft.com/office/drawing/2014/main" id="{2EFA650D-65FA-47FD-8A0A-6EC75EE88363}"/>
-              </a:ext>
-            </a:extLst>
-          </p:cNvPr>
-          <p:cNvPicPr>
-            <a:picLocks noChangeAspect="1"/>
-          </p:cNvPicPr>
-          <p:nvPr/>
-        </p:nvPicPr>
-        <p:blipFill>
-          <a:blip r:embed="rId3"/>
-          <a:stretch>
-            <a:fillRect/>
-          </a:stretch>
-        </p:blipFill>
-        <p:spPr>
-          <a:xfrm>
-            <a:off x="1838894" y="1111516"/>
-            <a:ext cx="2670378" cy="2012459"/>
-          </a:xfrm>
-          <a:prstGeom prst="rect">
-            <a:avLst/>
-          </a:prstGeom>
-        </p:spPr>
-      </p:pic>
-      <p:pic>
-        <p:nvPicPr>
-          <p:cNvPr id="13" name="Grafik 12">
-            <a:extLst>
-              <a:ext uri="{FF2B5EF4-FFF2-40B4-BE49-F238E27FC236}">
-                <a16:creationId xmlns:a16="http://schemas.microsoft.com/office/drawing/2014/main" id="{9375B9B9-36E4-4CBE-9AFC-F1941747A464}"/>
-              </a:ext>
-            </a:extLst>
-          </p:cNvPr>
-          <p:cNvPicPr>
-            <a:picLocks noChangeAspect="1"/>
-          </p:cNvPicPr>
-          <p:nvPr/>
-        </p:nvPicPr>
-        <p:blipFill>
-          <a:blip r:embed="rId4"/>
-          <a:stretch>
-            <a:fillRect/>
-          </a:stretch>
-        </p:blipFill>
-        <p:spPr>
-          <a:xfrm>
-            <a:off x="4837784" y="1111517"/>
-            <a:ext cx="2670378" cy="1993164"/>
-          </a:xfrm>
-          <a:prstGeom prst="rect">
-            <a:avLst/>
-          </a:prstGeom>
-        </p:spPr>
-      </p:pic>
-      <p:pic>
-        <p:nvPicPr>
-          <p:cNvPr id="14" name="Grafik 13">
-            <a:extLst>
-              <a:ext uri="{FF2B5EF4-FFF2-40B4-BE49-F238E27FC236}">
-                <a16:creationId xmlns:a16="http://schemas.microsoft.com/office/drawing/2014/main" id="{41E07694-FA33-4220-882A-863377B215DE}"/>
-              </a:ext>
-            </a:extLst>
-          </p:cNvPr>
-          <p:cNvPicPr>
-            <a:picLocks noChangeAspect="1"/>
-          </p:cNvPicPr>
-          <p:nvPr/>
-        </p:nvPicPr>
-        <p:blipFill>
-          <a:blip r:embed="rId5"/>
-          <a:stretch>
-            <a:fillRect/>
-          </a:stretch>
-        </p:blipFill>
-        <p:spPr>
-          <a:xfrm>
-            <a:off x="7836675" y="1111517"/>
-            <a:ext cx="2621398" cy="1986823"/>
+            <a:off x="3166269" y="1264894"/>
+            <a:ext cx="5859463" cy="3526181"/>
           </a:xfrm>
           <a:prstGeom prst="rect">
             <a:avLst/>
@@ -21307,7 +21146,7 @@
     </p:spTree>
     <p:extLst>
       <p:ext uri="{BB962C8B-B14F-4D97-AF65-F5344CB8AC3E}">
-        <p14:creationId xmlns:p14="http://schemas.microsoft.com/office/powerpoint/2010/main" val="1945776260"/>
+        <p14:creationId xmlns:p14="http://schemas.microsoft.com/office/powerpoint/2010/main" val="459664584"/>
       </p:ext>
     </p:extLst>
   </p:cSld>
@@ -21349,7 +21188,7 @@
         <p:spPr>
           <a:xfrm>
             <a:off x="1774300" y="3736100"/>
-            <a:ext cx="3632726" cy="369332"/>
+            <a:ext cx="2339102" cy="369332"/>
           </a:xfrm>
           <a:prstGeom prst="rect">
             <a:avLst/>
@@ -21364,7 +21203,43 @@
           <a:p>
             <a:r>
               <a:rPr lang="de-DE" b="1"/>
-              <a:t>Display präsentiert am 06.01.22</a:t>
+              <a:t>Display am 22.12.21</a:t>
+            </a:r>
+            <a:endParaRPr lang="de-CH" b="1"/>
+          </a:p>
+        </p:txBody>
+      </p:sp>
+      <p:sp>
+        <p:nvSpPr>
+          <p:cNvPr id="6" name="Textfeld 5">
+            <a:extLst>
+              <a:ext uri="{FF2B5EF4-FFF2-40B4-BE49-F238E27FC236}">
+                <a16:creationId xmlns:a16="http://schemas.microsoft.com/office/drawing/2014/main" id="{0DA0B193-F6DB-4BCB-BC18-FE6A088F9E1C}"/>
+              </a:ext>
+            </a:extLst>
+          </p:cNvPr>
+          <p:cNvSpPr txBox="1"/>
+          <p:nvPr/>
+        </p:nvSpPr>
+        <p:spPr>
+          <a:xfrm>
+            <a:off x="1774300" y="684063"/>
+            <a:ext cx="2339102" cy="369332"/>
+          </a:xfrm>
+          <a:prstGeom prst="rect">
+            <a:avLst/>
+          </a:prstGeom>
+          <a:noFill/>
+        </p:spPr>
+        <p:txBody>
+          <a:bodyPr wrap="none" rtlCol="0">
+            <a:spAutoFit/>
+          </a:bodyPr>
+          <a:lstStyle/>
+          <a:p>
+            <a:r>
+              <a:rPr lang="de-DE" b="1"/>
+              <a:t>Display am 20.12.21</a:t>
             </a:r>
             <a:endParaRPr lang="de-CH" b="1"/>
           </a:p>
@@ -21372,10 +21247,10 @@
       </p:sp>
       <p:pic>
         <p:nvPicPr>
-          <p:cNvPr id="5" name="Grafik 4">
-            <a:extLst>
-              <a:ext uri="{FF2B5EF4-FFF2-40B4-BE49-F238E27FC236}">
-                <a16:creationId xmlns:a16="http://schemas.microsoft.com/office/drawing/2014/main" id="{09DB8C61-F13D-475C-96E5-6577A550A9A6}"/>
+          <p:cNvPr id="11" name="Grafik 10">
+            <a:extLst>
+              <a:ext uri="{FF2B5EF4-FFF2-40B4-BE49-F238E27FC236}">
+                <a16:creationId xmlns:a16="http://schemas.microsoft.com/office/drawing/2014/main" id="{8EB7FFBD-9D57-4DC6-81AA-03FE91169821}"/>
               </a:ext>
             </a:extLst>
           </p:cNvPr>
@@ -21392,8 +21267,8 @@
         </p:blipFill>
         <p:spPr>
           <a:xfrm>
-            <a:off x="1895412" y="4118545"/>
-            <a:ext cx="2593986" cy="1954998"/>
+            <a:off x="1838894" y="4170888"/>
+            <a:ext cx="2746069" cy="2057550"/>
           </a:xfrm>
           <a:prstGeom prst="rect">
             <a:avLst/>
@@ -21402,10 +21277,10 @@
       </p:pic>
       <p:pic>
         <p:nvPicPr>
-          <p:cNvPr id="7" name="Grafik 6">
-            <a:extLst>
-              <a:ext uri="{FF2B5EF4-FFF2-40B4-BE49-F238E27FC236}">
-                <a16:creationId xmlns:a16="http://schemas.microsoft.com/office/drawing/2014/main" id="{E436EA69-B095-492C-A80A-91160DAB7C30}"/>
+          <p:cNvPr id="12" name="Grafik 11">
+            <a:extLst>
+              <a:ext uri="{FF2B5EF4-FFF2-40B4-BE49-F238E27FC236}">
+                <a16:creationId xmlns:a16="http://schemas.microsoft.com/office/drawing/2014/main" id="{2EFA650D-65FA-47FD-8A0A-6EC75EE88363}"/>
               </a:ext>
             </a:extLst>
           </p:cNvPr>
@@ -21422,8 +21297,8 @@
         </p:blipFill>
         <p:spPr>
           <a:xfrm>
-            <a:off x="4618133" y="4105432"/>
-            <a:ext cx="2593986" cy="1968111"/>
+            <a:off x="1838894" y="1111516"/>
+            <a:ext cx="2670378" cy="2012459"/>
           </a:xfrm>
           <a:prstGeom prst="rect">
             <a:avLst/>
@@ -21432,10 +21307,10 @@
       </p:pic>
       <p:pic>
         <p:nvPicPr>
-          <p:cNvPr id="9" name="Grafik 8">
-            <a:extLst>
-              <a:ext uri="{FF2B5EF4-FFF2-40B4-BE49-F238E27FC236}">
-                <a16:creationId xmlns:a16="http://schemas.microsoft.com/office/drawing/2014/main" id="{A184A361-F9FA-48BF-A6EE-A57B8CCC1860}"/>
+          <p:cNvPr id="13" name="Grafik 12">
+            <a:extLst>
+              <a:ext uri="{FF2B5EF4-FFF2-40B4-BE49-F238E27FC236}">
+                <a16:creationId xmlns:a16="http://schemas.microsoft.com/office/drawing/2014/main" id="{9375B9B9-36E4-4CBE-9AFC-F1941747A464}"/>
               </a:ext>
             </a:extLst>
           </p:cNvPr>
@@ -21452,56 +21327,20 @@
         </p:blipFill>
         <p:spPr>
           <a:xfrm>
-            <a:off x="7340854" y="4118546"/>
-            <a:ext cx="2589051" cy="1954998"/>
+            <a:off x="4837784" y="1111517"/>
+            <a:ext cx="2670378" cy="1993164"/>
           </a:xfrm>
           <a:prstGeom prst="rect">
             <a:avLst/>
           </a:prstGeom>
         </p:spPr>
       </p:pic>
-      <p:sp>
-        <p:nvSpPr>
-          <p:cNvPr id="6" name="Textfeld 5">
-            <a:extLst>
-              <a:ext uri="{FF2B5EF4-FFF2-40B4-BE49-F238E27FC236}">
-                <a16:creationId xmlns:a16="http://schemas.microsoft.com/office/drawing/2014/main" id="{0DA0B193-F6DB-4BCB-BC18-FE6A088F9E1C}"/>
-              </a:ext>
-            </a:extLst>
-          </p:cNvPr>
-          <p:cNvSpPr txBox="1"/>
-          <p:nvPr/>
-        </p:nvSpPr>
-        <p:spPr>
-          <a:xfrm>
-            <a:off x="1774300" y="684063"/>
-            <a:ext cx="3632726" cy="369332"/>
-          </a:xfrm>
-          <a:prstGeom prst="rect">
-            <a:avLst/>
-          </a:prstGeom>
-          <a:noFill/>
-        </p:spPr>
-        <p:txBody>
-          <a:bodyPr wrap="none" rtlCol="0">
-            <a:spAutoFit/>
-          </a:bodyPr>
-          <a:lstStyle/>
-          <a:p>
-            <a:r>
-              <a:rPr lang="de-DE" b="1"/>
-              <a:t>Display präsentiert am 03.01.22</a:t>
-            </a:r>
-            <a:endParaRPr lang="de-CH" b="1"/>
-          </a:p>
-        </p:txBody>
-      </p:sp>
       <p:pic>
         <p:nvPicPr>
-          <p:cNvPr id="8" name="Grafik 7">
-            <a:extLst>
-              <a:ext uri="{FF2B5EF4-FFF2-40B4-BE49-F238E27FC236}">
-                <a16:creationId xmlns:a16="http://schemas.microsoft.com/office/drawing/2014/main" id="{6EA6D3AB-7CC6-473B-8697-DC0B9E863022}"/>
+          <p:cNvPr id="14" name="Grafik 13">
+            <a:extLst>
+              <a:ext uri="{FF2B5EF4-FFF2-40B4-BE49-F238E27FC236}">
+                <a16:creationId xmlns:a16="http://schemas.microsoft.com/office/drawing/2014/main" id="{41E07694-FA33-4220-882A-863377B215DE}"/>
               </a:ext>
             </a:extLst>
           </p:cNvPr>
@@ -21518,38 +21357,8 @@
         </p:blipFill>
         <p:spPr>
           <a:xfrm>
-            <a:off x="1774301" y="1163224"/>
-            <a:ext cx="2715098" cy="2026543"/>
-          </a:xfrm>
-          <a:prstGeom prst="rect">
-            <a:avLst/>
-          </a:prstGeom>
-        </p:spPr>
-      </p:pic>
-      <p:pic>
-        <p:nvPicPr>
-          <p:cNvPr id="10" name="Grafik 9">
-            <a:extLst>
-              <a:ext uri="{FF2B5EF4-FFF2-40B4-BE49-F238E27FC236}">
-                <a16:creationId xmlns:a16="http://schemas.microsoft.com/office/drawing/2014/main" id="{DE6E2A85-F98E-4493-8A26-C877DEF918E9}"/>
-              </a:ext>
-            </a:extLst>
-          </p:cNvPr>
-          <p:cNvPicPr>
-            <a:picLocks noChangeAspect="1"/>
-          </p:cNvPicPr>
-          <p:nvPr/>
-        </p:nvPicPr>
-        <p:blipFill>
-          <a:blip r:embed="rId6"/>
-          <a:stretch>
-            <a:fillRect/>
-          </a:stretch>
-        </p:blipFill>
-        <p:spPr>
-          <a:xfrm>
-            <a:off x="4623125" y="1196247"/>
-            <a:ext cx="2717729" cy="1993520"/>
+            <a:off x="7836675" y="1111517"/>
+            <a:ext cx="2621398" cy="1986823"/>
           </a:xfrm>
           <a:prstGeom prst="rect">
             <a:avLst/>
@@ -21559,7 +21368,7 @@
     </p:spTree>
     <p:extLst>
       <p:ext uri="{BB962C8B-B14F-4D97-AF65-F5344CB8AC3E}">
-        <p14:creationId xmlns:p14="http://schemas.microsoft.com/office/powerpoint/2010/main" val="2950325169"/>
+        <p14:creationId xmlns:p14="http://schemas.microsoft.com/office/powerpoint/2010/main" val="1945776260"/>
       </p:ext>
     </p:extLst>
   </p:cSld>
@@ -21586,12 +21395,48 @@
           <a:chExt cx="0" cy="0"/>
         </a:xfrm>
       </p:grpSpPr>
+      <p:sp>
+        <p:nvSpPr>
+          <p:cNvPr id="2" name="Textfeld 1">
+            <a:extLst>
+              <a:ext uri="{FF2B5EF4-FFF2-40B4-BE49-F238E27FC236}">
+                <a16:creationId xmlns:a16="http://schemas.microsoft.com/office/drawing/2014/main" id="{E858C340-C064-44E9-888F-D92D9A1CB31B}"/>
+              </a:ext>
+            </a:extLst>
+          </p:cNvPr>
+          <p:cNvSpPr txBox="1"/>
+          <p:nvPr/>
+        </p:nvSpPr>
+        <p:spPr>
+          <a:xfrm>
+            <a:off x="1774300" y="3736100"/>
+            <a:ext cx="3632726" cy="369332"/>
+          </a:xfrm>
+          <a:prstGeom prst="rect">
+            <a:avLst/>
+          </a:prstGeom>
+          <a:noFill/>
+        </p:spPr>
+        <p:txBody>
+          <a:bodyPr wrap="none" rtlCol="0">
+            <a:spAutoFit/>
+          </a:bodyPr>
+          <a:lstStyle/>
+          <a:p>
+            <a:r>
+              <a:rPr lang="de-DE" b="1"/>
+              <a:t>Display präsentiert am 06.01.22</a:t>
+            </a:r>
+            <a:endParaRPr lang="de-CH" b="1"/>
+          </a:p>
+        </p:txBody>
+      </p:sp>
       <p:pic>
         <p:nvPicPr>
-          <p:cNvPr id="4" name="Grafik 3">
-            <a:extLst>
-              <a:ext uri="{FF2B5EF4-FFF2-40B4-BE49-F238E27FC236}">
-                <a16:creationId xmlns:a16="http://schemas.microsoft.com/office/drawing/2014/main" id="{2CD613DB-2611-44D5-801D-AB6ED2F4CE77}"/>
+          <p:cNvPr id="5" name="Grafik 4">
+            <a:extLst>
+              <a:ext uri="{FF2B5EF4-FFF2-40B4-BE49-F238E27FC236}">
+                <a16:creationId xmlns:a16="http://schemas.microsoft.com/office/drawing/2014/main" id="{09DB8C61-F13D-475C-96E5-6577A550A9A6}"/>
               </a:ext>
             </a:extLst>
           </p:cNvPr>
@@ -21608,8 +21453,8 @@
         </p:blipFill>
         <p:spPr>
           <a:xfrm>
-            <a:off x="243034" y="2661747"/>
-            <a:ext cx="2160000" cy="1591175"/>
+            <a:off x="1895412" y="4118545"/>
+            <a:ext cx="2593986" cy="1954998"/>
           </a:xfrm>
           <a:prstGeom prst="rect">
             <a:avLst/>
@@ -21618,10 +21463,10 @@
       </p:pic>
       <p:pic>
         <p:nvPicPr>
-          <p:cNvPr id="15" name="Grafik 14">
-            <a:extLst>
-              <a:ext uri="{FF2B5EF4-FFF2-40B4-BE49-F238E27FC236}">
-                <a16:creationId xmlns:a16="http://schemas.microsoft.com/office/drawing/2014/main" id="{534206E8-17AF-4665-BA50-0D5EE8B5603C}"/>
+          <p:cNvPr id="7" name="Grafik 6">
+            <a:extLst>
+              <a:ext uri="{FF2B5EF4-FFF2-40B4-BE49-F238E27FC236}">
+                <a16:creationId xmlns:a16="http://schemas.microsoft.com/office/drawing/2014/main" id="{E436EA69-B095-492C-A80A-91160DAB7C30}"/>
               </a:ext>
             </a:extLst>
           </p:cNvPr>
@@ -21638,8 +21483,8 @@
         </p:blipFill>
         <p:spPr>
           <a:xfrm>
-            <a:off x="1482469" y="4420254"/>
-            <a:ext cx="2160000" cy="1623885"/>
+            <a:off x="4618133" y="4105432"/>
+            <a:ext cx="2593986" cy="1968111"/>
           </a:xfrm>
           <a:prstGeom prst="rect">
             <a:avLst/>
@@ -21648,10 +21493,10 @@
       </p:pic>
       <p:pic>
         <p:nvPicPr>
-          <p:cNvPr id="17" name="Grafik 16">
-            <a:extLst>
-              <a:ext uri="{FF2B5EF4-FFF2-40B4-BE49-F238E27FC236}">
-                <a16:creationId xmlns:a16="http://schemas.microsoft.com/office/drawing/2014/main" id="{5D8234C1-D6E8-4198-837B-F3FB27499E23}"/>
+          <p:cNvPr id="9" name="Grafik 8">
+            <a:extLst>
+              <a:ext uri="{FF2B5EF4-FFF2-40B4-BE49-F238E27FC236}">
+                <a16:creationId xmlns:a16="http://schemas.microsoft.com/office/drawing/2014/main" id="{A184A361-F9FA-48BF-A6EE-A57B8CCC1860}"/>
               </a:ext>
             </a:extLst>
           </p:cNvPr>
@@ -21668,20 +21513,56 @@
         </p:blipFill>
         <p:spPr>
           <a:xfrm>
-            <a:off x="5154008" y="2644208"/>
-            <a:ext cx="2160000" cy="1600851"/>
+            <a:off x="7340854" y="4118546"/>
+            <a:ext cx="2589051" cy="1954998"/>
           </a:xfrm>
           <a:prstGeom prst="rect">
             <a:avLst/>
           </a:prstGeom>
         </p:spPr>
       </p:pic>
+      <p:sp>
+        <p:nvSpPr>
+          <p:cNvPr id="6" name="Textfeld 5">
+            <a:extLst>
+              <a:ext uri="{FF2B5EF4-FFF2-40B4-BE49-F238E27FC236}">
+                <a16:creationId xmlns:a16="http://schemas.microsoft.com/office/drawing/2014/main" id="{0DA0B193-F6DB-4BCB-BC18-FE6A088F9E1C}"/>
+              </a:ext>
+            </a:extLst>
+          </p:cNvPr>
+          <p:cNvSpPr txBox="1"/>
+          <p:nvPr/>
+        </p:nvSpPr>
+        <p:spPr>
+          <a:xfrm>
+            <a:off x="1774300" y="684063"/>
+            <a:ext cx="3632726" cy="369332"/>
+          </a:xfrm>
+          <a:prstGeom prst="rect">
+            <a:avLst/>
+          </a:prstGeom>
+          <a:noFill/>
+        </p:spPr>
+        <p:txBody>
+          <a:bodyPr wrap="none" rtlCol="0">
+            <a:spAutoFit/>
+          </a:bodyPr>
+          <a:lstStyle/>
+          <a:p>
+            <a:r>
+              <a:rPr lang="de-DE" b="1"/>
+              <a:t>Display präsentiert am 03.01.22</a:t>
+            </a:r>
+            <a:endParaRPr lang="de-CH" b="1"/>
+          </a:p>
+        </p:txBody>
+      </p:sp>
       <p:pic>
         <p:nvPicPr>
-          <p:cNvPr id="21" name="Grafik 20">
-            <a:extLst>
-              <a:ext uri="{FF2B5EF4-FFF2-40B4-BE49-F238E27FC236}">
-                <a16:creationId xmlns:a16="http://schemas.microsoft.com/office/drawing/2014/main" id="{4D80F094-8E6D-442D-B27F-9E63D402518E}"/>
+          <p:cNvPr id="8" name="Grafik 7">
+            <a:extLst>
+              <a:ext uri="{FF2B5EF4-FFF2-40B4-BE49-F238E27FC236}">
+                <a16:creationId xmlns:a16="http://schemas.microsoft.com/office/drawing/2014/main" id="{6EA6D3AB-7CC6-473B-8697-DC0B9E863022}"/>
               </a:ext>
             </a:extLst>
           </p:cNvPr>
@@ -21698,8 +21579,8 @@
         </p:blipFill>
         <p:spPr>
           <a:xfrm>
-            <a:off x="7579445" y="4442548"/>
-            <a:ext cx="2160000" cy="1601591"/>
+            <a:off x="1774301" y="1163224"/>
+            <a:ext cx="2715098" cy="2026543"/>
           </a:xfrm>
           <a:prstGeom prst="rect">
             <a:avLst/>
@@ -21708,10 +21589,10 @@
       </p:pic>
       <p:pic>
         <p:nvPicPr>
-          <p:cNvPr id="23" name="Grafik 22">
-            <a:extLst>
-              <a:ext uri="{FF2B5EF4-FFF2-40B4-BE49-F238E27FC236}">
-                <a16:creationId xmlns:a16="http://schemas.microsoft.com/office/drawing/2014/main" id="{5DB099EA-B735-465E-A43E-711D09734FC7}"/>
+          <p:cNvPr id="10" name="Grafik 9">
+            <a:extLst>
+              <a:ext uri="{FF2B5EF4-FFF2-40B4-BE49-F238E27FC236}">
+                <a16:creationId xmlns:a16="http://schemas.microsoft.com/office/drawing/2014/main" id="{DE6E2A85-F98E-4493-8A26-C877DEF918E9}"/>
               </a:ext>
             </a:extLst>
           </p:cNvPr>
@@ -21728,392 +21609,8 @@
         </p:blipFill>
         <p:spPr>
           <a:xfrm>
-            <a:off x="7579444" y="2649047"/>
-            <a:ext cx="2160001" cy="1606155"/>
-          </a:xfrm>
-          <a:prstGeom prst="rect">
-            <a:avLst/>
-          </a:prstGeom>
-        </p:spPr>
-      </p:pic>
-      <p:pic>
-        <p:nvPicPr>
-          <p:cNvPr id="25" name="Grafik 24">
-            <a:extLst>
-              <a:ext uri="{FF2B5EF4-FFF2-40B4-BE49-F238E27FC236}">
-                <a16:creationId xmlns:a16="http://schemas.microsoft.com/office/drawing/2014/main" id="{4306EF5B-9831-44AD-AA32-A897DD9EBFC2}"/>
-              </a:ext>
-            </a:extLst>
-          </p:cNvPr>
-          <p:cNvPicPr>
-            <a:picLocks noChangeAspect="1"/>
-          </p:cNvPicPr>
-          <p:nvPr/>
-        </p:nvPicPr>
-        <p:blipFill>
-          <a:blip r:embed="rId7"/>
-          <a:stretch>
-            <a:fillRect/>
-          </a:stretch>
-        </p:blipFill>
-        <p:spPr>
-          <a:xfrm>
-            <a:off x="9888809" y="2613715"/>
-            <a:ext cx="2160000" cy="1613864"/>
-          </a:xfrm>
-          <a:prstGeom prst="rect">
-            <a:avLst/>
-          </a:prstGeom>
-        </p:spPr>
-      </p:pic>
-      <p:pic>
-        <p:nvPicPr>
-          <p:cNvPr id="29" name="Grafik 28">
-            <a:extLst>
-              <a:ext uri="{FF2B5EF4-FFF2-40B4-BE49-F238E27FC236}">
-                <a16:creationId xmlns:a16="http://schemas.microsoft.com/office/drawing/2014/main" id="{04C08939-CA0F-46B0-B42B-793816FFF145}"/>
-              </a:ext>
-            </a:extLst>
-          </p:cNvPr>
-          <p:cNvPicPr>
-            <a:picLocks noChangeAspect="1"/>
-          </p:cNvPicPr>
-          <p:nvPr/>
-        </p:nvPicPr>
-        <p:blipFill>
-          <a:blip r:embed="rId8"/>
-          <a:stretch>
-            <a:fillRect/>
-          </a:stretch>
-        </p:blipFill>
-        <p:spPr>
-          <a:xfrm>
-            <a:off x="9888809" y="4407216"/>
-            <a:ext cx="2160000" cy="1636923"/>
-          </a:xfrm>
-          <a:prstGeom prst="rect">
-            <a:avLst/>
-          </a:prstGeom>
-        </p:spPr>
-      </p:pic>
-      <p:pic>
-        <p:nvPicPr>
-          <p:cNvPr id="43" name="Grafik 42">
-            <a:extLst>
-              <a:ext uri="{FF2B5EF4-FFF2-40B4-BE49-F238E27FC236}">
-                <a16:creationId xmlns:a16="http://schemas.microsoft.com/office/drawing/2014/main" id="{C02B7D3A-6610-4052-8C20-245969FF189B}"/>
-              </a:ext>
-            </a:extLst>
-          </p:cNvPr>
-          <p:cNvPicPr>
-            <a:picLocks noChangeAspect="1"/>
-          </p:cNvPicPr>
-          <p:nvPr/>
-        </p:nvPicPr>
-        <p:blipFill>
-          <a:blip r:embed="rId9"/>
-          <a:stretch>
-            <a:fillRect/>
-          </a:stretch>
-        </p:blipFill>
-        <p:spPr>
-          <a:xfrm>
-            <a:off x="5154008" y="4394025"/>
-            <a:ext cx="2160000" cy="1596774"/>
-          </a:xfrm>
-          <a:prstGeom prst="rect">
-            <a:avLst/>
-          </a:prstGeom>
-        </p:spPr>
-      </p:pic>
-      <p:sp>
-        <p:nvSpPr>
-          <p:cNvPr id="45" name="Textfeld 44">
-            <a:extLst>
-              <a:ext uri="{FF2B5EF4-FFF2-40B4-BE49-F238E27FC236}">
-                <a16:creationId xmlns:a16="http://schemas.microsoft.com/office/drawing/2014/main" id="{4B4D7329-D6DF-453D-BFF2-A62DEE77681A}"/>
-              </a:ext>
-            </a:extLst>
-          </p:cNvPr>
-          <p:cNvSpPr txBox="1"/>
-          <p:nvPr/>
-        </p:nvSpPr>
-        <p:spPr>
-          <a:xfrm>
-            <a:off x="2234057" y="401947"/>
-            <a:ext cx="447558" cy="369332"/>
-          </a:xfrm>
-          <a:prstGeom prst="rect">
-            <a:avLst/>
-          </a:prstGeom>
-          <a:noFill/>
-        </p:spPr>
-        <p:txBody>
-          <a:bodyPr wrap="none" rtlCol="0">
-            <a:spAutoFit/>
-          </a:bodyPr>
-          <a:lstStyle/>
-          <a:p>
-            <a:r>
-              <a:rPr lang="de-DE" b="1"/>
-              <a:t>V1</a:t>
-            </a:r>
-            <a:endParaRPr lang="de-CH" b="1"/>
-          </a:p>
-        </p:txBody>
-      </p:sp>
-      <p:sp>
-        <p:nvSpPr>
-          <p:cNvPr id="47" name="Textfeld 46">
-            <a:extLst>
-              <a:ext uri="{FF2B5EF4-FFF2-40B4-BE49-F238E27FC236}">
-                <a16:creationId xmlns:a16="http://schemas.microsoft.com/office/drawing/2014/main" id="{92653764-BF0B-4772-A86E-72EC8061F65D}"/>
-              </a:ext>
-            </a:extLst>
-          </p:cNvPr>
-          <p:cNvSpPr txBox="1"/>
-          <p:nvPr/>
-        </p:nvSpPr>
-        <p:spPr>
-          <a:xfrm>
-            <a:off x="6010229" y="401947"/>
-            <a:ext cx="447558" cy="369332"/>
-          </a:xfrm>
-          <a:prstGeom prst="rect">
-            <a:avLst/>
-          </a:prstGeom>
-          <a:noFill/>
-        </p:spPr>
-        <p:txBody>
-          <a:bodyPr wrap="none" rtlCol="0">
-            <a:spAutoFit/>
-          </a:bodyPr>
-          <a:lstStyle/>
-          <a:p>
-            <a:r>
-              <a:rPr lang="de-DE" b="1"/>
-              <a:t>V2</a:t>
-            </a:r>
-            <a:endParaRPr lang="de-CH" b="1"/>
-          </a:p>
-        </p:txBody>
-      </p:sp>
-      <p:sp>
-        <p:nvSpPr>
-          <p:cNvPr id="49" name="Textfeld 48">
-            <a:extLst>
-              <a:ext uri="{FF2B5EF4-FFF2-40B4-BE49-F238E27FC236}">
-                <a16:creationId xmlns:a16="http://schemas.microsoft.com/office/drawing/2014/main" id="{ACEF2478-C292-4323-BAD6-D4AA4FFC7C5F}"/>
-              </a:ext>
-            </a:extLst>
-          </p:cNvPr>
-          <p:cNvSpPr txBox="1"/>
-          <p:nvPr/>
-        </p:nvSpPr>
-        <p:spPr>
-          <a:xfrm>
-            <a:off x="8536586" y="401947"/>
-            <a:ext cx="447558" cy="369332"/>
-          </a:xfrm>
-          <a:prstGeom prst="rect">
-            <a:avLst/>
-          </a:prstGeom>
-          <a:noFill/>
-        </p:spPr>
-        <p:txBody>
-          <a:bodyPr wrap="none" rtlCol="0">
-            <a:spAutoFit/>
-          </a:bodyPr>
-          <a:lstStyle/>
-          <a:p>
-            <a:r>
-              <a:rPr lang="de-DE" b="1"/>
-              <a:t>V3</a:t>
-            </a:r>
-            <a:endParaRPr lang="de-CH" b="1"/>
-          </a:p>
-        </p:txBody>
-      </p:sp>
-      <p:sp>
-        <p:nvSpPr>
-          <p:cNvPr id="50" name="Textfeld 49">
-            <a:extLst>
-              <a:ext uri="{FF2B5EF4-FFF2-40B4-BE49-F238E27FC236}">
-                <a16:creationId xmlns:a16="http://schemas.microsoft.com/office/drawing/2014/main" id="{C1F6A5AB-D111-412A-936B-07BFFCE74ABD}"/>
-              </a:ext>
-            </a:extLst>
-          </p:cNvPr>
-          <p:cNvSpPr txBox="1"/>
-          <p:nvPr/>
-        </p:nvSpPr>
-        <p:spPr>
-          <a:xfrm>
-            <a:off x="10723091" y="401947"/>
-            <a:ext cx="447558" cy="369332"/>
-          </a:xfrm>
-          <a:prstGeom prst="rect">
-            <a:avLst/>
-          </a:prstGeom>
-          <a:noFill/>
-        </p:spPr>
-        <p:txBody>
-          <a:bodyPr wrap="none" rtlCol="0">
-            <a:spAutoFit/>
-          </a:bodyPr>
-          <a:lstStyle/>
-          <a:p>
-            <a:r>
-              <a:rPr lang="de-DE" b="1"/>
-              <a:t>V4</a:t>
-            </a:r>
-            <a:endParaRPr lang="de-CH" b="1"/>
-          </a:p>
-        </p:txBody>
-      </p:sp>
-      <p:pic>
-        <p:nvPicPr>
-          <p:cNvPr id="51" name="Grafik 50">
-            <a:extLst>
-              <a:ext uri="{FF2B5EF4-FFF2-40B4-BE49-F238E27FC236}">
-                <a16:creationId xmlns:a16="http://schemas.microsoft.com/office/drawing/2014/main" id="{7315184A-213B-4607-B853-42EFD4326E38}"/>
-              </a:ext>
-            </a:extLst>
-          </p:cNvPr>
-          <p:cNvPicPr>
-            <a:picLocks noChangeAspect="1"/>
-          </p:cNvPicPr>
-          <p:nvPr/>
-        </p:nvPicPr>
-        <p:blipFill>
-          <a:blip r:embed="rId10"/>
-          <a:stretch>
-            <a:fillRect/>
-          </a:stretch>
-        </p:blipFill>
-        <p:spPr>
-          <a:xfrm>
-            <a:off x="1458695" y="883107"/>
-            <a:ext cx="2160000" cy="1627918"/>
-          </a:xfrm>
-          <a:prstGeom prst="rect">
-            <a:avLst/>
-          </a:prstGeom>
-        </p:spPr>
-      </p:pic>
-      <p:pic>
-        <p:nvPicPr>
-          <p:cNvPr id="52" name="Grafik 51">
-            <a:extLst>
-              <a:ext uri="{FF2B5EF4-FFF2-40B4-BE49-F238E27FC236}">
-                <a16:creationId xmlns:a16="http://schemas.microsoft.com/office/drawing/2014/main" id="{4BD16C65-6414-4CF0-880F-253D9FF7B829}"/>
-              </a:ext>
-            </a:extLst>
-          </p:cNvPr>
-          <p:cNvPicPr>
-            <a:picLocks noChangeAspect="1"/>
-          </p:cNvPicPr>
-          <p:nvPr/>
-        </p:nvPicPr>
-        <p:blipFill>
-          <a:blip r:embed="rId10"/>
-          <a:stretch>
-            <a:fillRect/>
-          </a:stretch>
-        </p:blipFill>
-        <p:spPr>
-          <a:xfrm>
-            <a:off x="5154008" y="883107"/>
-            <a:ext cx="2160000" cy="1627918"/>
-          </a:xfrm>
-          <a:prstGeom prst="rect">
-            <a:avLst/>
-          </a:prstGeom>
-        </p:spPr>
-      </p:pic>
-      <p:pic>
-        <p:nvPicPr>
-          <p:cNvPr id="53" name="Grafik 52">
-            <a:extLst>
-              <a:ext uri="{FF2B5EF4-FFF2-40B4-BE49-F238E27FC236}">
-                <a16:creationId xmlns:a16="http://schemas.microsoft.com/office/drawing/2014/main" id="{C6C9B0D8-BB7E-4074-99EA-AB7301D03A7A}"/>
-              </a:ext>
-            </a:extLst>
-          </p:cNvPr>
-          <p:cNvPicPr>
-            <a:picLocks noChangeAspect="1"/>
-          </p:cNvPicPr>
-          <p:nvPr/>
-        </p:nvPicPr>
-        <p:blipFill>
-          <a:blip r:embed="rId10"/>
-          <a:stretch>
-            <a:fillRect/>
-          </a:stretch>
-        </p:blipFill>
-        <p:spPr>
-          <a:xfrm>
-            <a:off x="7579444" y="883107"/>
-            <a:ext cx="2160000" cy="1627918"/>
-          </a:xfrm>
-          <a:prstGeom prst="rect">
-            <a:avLst/>
-          </a:prstGeom>
-        </p:spPr>
-      </p:pic>
-      <p:pic>
-        <p:nvPicPr>
-          <p:cNvPr id="54" name="Grafik 53">
-            <a:extLst>
-              <a:ext uri="{FF2B5EF4-FFF2-40B4-BE49-F238E27FC236}">
-                <a16:creationId xmlns:a16="http://schemas.microsoft.com/office/drawing/2014/main" id="{86EF0144-33B5-4428-A775-E315201ECCBE}"/>
-              </a:ext>
-            </a:extLst>
-          </p:cNvPr>
-          <p:cNvPicPr>
-            <a:picLocks noChangeAspect="1"/>
-          </p:cNvPicPr>
-          <p:nvPr/>
-        </p:nvPicPr>
-        <p:blipFill>
-          <a:blip r:embed="rId10"/>
-          <a:stretch>
-            <a:fillRect/>
-          </a:stretch>
-        </p:blipFill>
-        <p:spPr>
-          <a:xfrm>
-            <a:off x="9888809" y="883107"/>
-            <a:ext cx="2160000" cy="1627918"/>
-          </a:xfrm>
-          <a:prstGeom prst="rect">
-            <a:avLst/>
-          </a:prstGeom>
-        </p:spPr>
-      </p:pic>
-      <p:pic>
-        <p:nvPicPr>
-          <p:cNvPr id="37" name="Grafik 36">
-            <a:extLst>
-              <a:ext uri="{FF2B5EF4-FFF2-40B4-BE49-F238E27FC236}">
-                <a16:creationId xmlns:a16="http://schemas.microsoft.com/office/drawing/2014/main" id="{39A63BDC-9E87-496A-BC97-D773A02F41EF}"/>
-              </a:ext>
-            </a:extLst>
-          </p:cNvPr>
-          <p:cNvPicPr>
-            <a:picLocks noChangeAspect="1"/>
-          </p:cNvPicPr>
-          <p:nvPr/>
-        </p:nvPicPr>
-        <p:blipFill>
-          <a:blip r:embed="rId11"/>
-          <a:stretch>
-            <a:fillRect/>
-          </a:stretch>
-        </p:blipFill>
-        <p:spPr>
-          <a:xfrm>
-            <a:off x="2543987" y="2651680"/>
-            <a:ext cx="2211449" cy="1627918"/>
+            <a:off x="4623125" y="1196247"/>
+            <a:ext cx="2717729" cy="1993520"/>
           </a:xfrm>
           <a:prstGeom prst="rect">
             <a:avLst/>
@@ -22123,7 +21620,7 @@
     </p:spTree>
     <p:extLst>
       <p:ext uri="{BB962C8B-B14F-4D97-AF65-F5344CB8AC3E}">
-        <p14:creationId xmlns:p14="http://schemas.microsoft.com/office/powerpoint/2010/main" val="2295199822"/>
+        <p14:creationId xmlns:p14="http://schemas.microsoft.com/office/powerpoint/2010/main" val="2950325169"/>
       </p:ext>
     </p:extLst>
   </p:cSld>
@@ -22152,6 +21649,570 @@
       </p:grpSpPr>
       <p:pic>
         <p:nvPicPr>
+          <p:cNvPr id="4" name="Grafik 3">
+            <a:extLst>
+              <a:ext uri="{FF2B5EF4-FFF2-40B4-BE49-F238E27FC236}">
+                <a16:creationId xmlns:a16="http://schemas.microsoft.com/office/drawing/2014/main" id="{2CD613DB-2611-44D5-801D-AB6ED2F4CE77}"/>
+              </a:ext>
+            </a:extLst>
+          </p:cNvPr>
+          <p:cNvPicPr>
+            <a:picLocks noChangeAspect="1"/>
+          </p:cNvPicPr>
+          <p:nvPr/>
+        </p:nvPicPr>
+        <p:blipFill>
+          <a:blip r:embed="rId2"/>
+          <a:stretch>
+            <a:fillRect/>
+          </a:stretch>
+        </p:blipFill>
+        <p:spPr>
+          <a:xfrm>
+            <a:off x="243034" y="2661747"/>
+            <a:ext cx="2160000" cy="1591175"/>
+          </a:xfrm>
+          <a:prstGeom prst="rect">
+            <a:avLst/>
+          </a:prstGeom>
+        </p:spPr>
+      </p:pic>
+      <p:pic>
+        <p:nvPicPr>
+          <p:cNvPr id="15" name="Grafik 14">
+            <a:extLst>
+              <a:ext uri="{FF2B5EF4-FFF2-40B4-BE49-F238E27FC236}">
+                <a16:creationId xmlns:a16="http://schemas.microsoft.com/office/drawing/2014/main" id="{534206E8-17AF-4665-BA50-0D5EE8B5603C}"/>
+              </a:ext>
+            </a:extLst>
+          </p:cNvPr>
+          <p:cNvPicPr>
+            <a:picLocks noChangeAspect="1"/>
+          </p:cNvPicPr>
+          <p:nvPr/>
+        </p:nvPicPr>
+        <p:blipFill>
+          <a:blip r:embed="rId3"/>
+          <a:stretch>
+            <a:fillRect/>
+          </a:stretch>
+        </p:blipFill>
+        <p:spPr>
+          <a:xfrm>
+            <a:off x="1482469" y="4420254"/>
+            <a:ext cx="2160000" cy="1623885"/>
+          </a:xfrm>
+          <a:prstGeom prst="rect">
+            <a:avLst/>
+          </a:prstGeom>
+        </p:spPr>
+      </p:pic>
+      <p:pic>
+        <p:nvPicPr>
+          <p:cNvPr id="17" name="Grafik 16">
+            <a:extLst>
+              <a:ext uri="{FF2B5EF4-FFF2-40B4-BE49-F238E27FC236}">
+                <a16:creationId xmlns:a16="http://schemas.microsoft.com/office/drawing/2014/main" id="{5D8234C1-D6E8-4198-837B-F3FB27499E23}"/>
+              </a:ext>
+            </a:extLst>
+          </p:cNvPr>
+          <p:cNvPicPr>
+            <a:picLocks noChangeAspect="1"/>
+          </p:cNvPicPr>
+          <p:nvPr/>
+        </p:nvPicPr>
+        <p:blipFill>
+          <a:blip r:embed="rId4"/>
+          <a:stretch>
+            <a:fillRect/>
+          </a:stretch>
+        </p:blipFill>
+        <p:spPr>
+          <a:xfrm>
+            <a:off x="5154008" y="2644208"/>
+            <a:ext cx="2160000" cy="1600851"/>
+          </a:xfrm>
+          <a:prstGeom prst="rect">
+            <a:avLst/>
+          </a:prstGeom>
+        </p:spPr>
+      </p:pic>
+      <p:pic>
+        <p:nvPicPr>
+          <p:cNvPr id="21" name="Grafik 20">
+            <a:extLst>
+              <a:ext uri="{FF2B5EF4-FFF2-40B4-BE49-F238E27FC236}">
+                <a16:creationId xmlns:a16="http://schemas.microsoft.com/office/drawing/2014/main" id="{4D80F094-8E6D-442D-B27F-9E63D402518E}"/>
+              </a:ext>
+            </a:extLst>
+          </p:cNvPr>
+          <p:cNvPicPr>
+            <a:picLocks noChangeAspect="1"/>
+          </p:cNvPicPr>
+          <p:nvPr/>
+        </p:nvPicPr>
+        <p:blipFill>
+          <a:blip r:embed="rId5"/>
+          <a:stretch>
+            <a:fillRect/>
+          </a:stretch>
+        </p:blipFill>
+        <p:spPr>
+          <a:xfrm>
+            <a:off x="7579445" y="4442548"/>
+            <a:ext cx="2160000" cy="1601591"/>
+          </a:xfrm>
+          <a:prstGeom prst="rect">
+            <a:avLst/>
+          </a:prstGeom>
+        </p:spPr>
+      </p:pic>
+      <p:pic>
+        <p:nvPicPr>
+          <p:cNvPr id="23" name="Grafik 22">
+            <a:extLst>
+              <a:ext uri="{FF2B5EF4-FFF2-40B4-BE49-F238E27FC236}">
+                <a16:creationId xmlns:a16="http://schemas.microsoft.com/office/drawing/2014/main" id="{5DB099EA-B735-465E-A43E-711D09734FC7}"/>
+              </a:ext>
+            </a:extLst>
+          </p:cNvPr>
+          <p:cNvPicPr>
+            <a:picLocks noChangeAspect="1"/>
+          </p:cNvPicPr>
+          <p:nvPr/>
+        </p:nvPicPr>
+        <p:blipFill>
+          <a:blip r:embed="rId6"/>
+          <a:stretch>
+            <a:fillRect/>
+          </a:stretch>
+        </p:blipFill>
+        <p:spPr>
+          <a:xfrm>
+            <a:off x="7579444" y="2649047"/>
+            <a:ext cx="2160001" cy="1606155"/>
+          </a:xfrm>
+          <a:prstGeom prst="rect">
+            <a:avLst/>
+          </a:prstGeom>
+        </p:spPr>
+      </p:pic>
+      <p:pic>
+        <p:nvPicPr>
+          <p:cNvPr id="25" name="Grafik 24">
+            <a:extLst>
+              <a:ext uri="{FF2B5EF4-FFF2-40B4-BE49-F238E27FC236}">
+                <a16:creationId xmlns:a16="http://schemas.microsoft.com/office/drawing/2014/main" id="{4306EF5B-9831-44AD-AA32-A897DD9EBFC2}"/>
+              </a:ext>
+            </a:extLst>
+          </p:cNvPr>
+          <p:cNvPicPr>
+            <a:picLocks noChangeAspect="1"/>
+          </p:cNvPicPr>
+          <p:nvPr/>
+        </p:nvPicPr>
+        <p:blipFill>
+          <a:blip r:embed="rId7"/>
+          <a:stretch>
+            <a:fillRect/>
+          </a:stretch>
+        </p:blipFill>
+        <p:spPr>
+          <a:xfrm>
+            <a:off x="9888809" y="2613715"/>
+            <a:ext cx="2160000" cy="1613864"/>
+          </a:xfrm>
+          <a:prstGeom prst="rect">
+            <a:avLst/>
+          </a:prstGeom>
+        </p:spPr>
+      </p:pic>
+      <p:pic>
+        <p:nvPicPr>
+          <p:cNvPr id="29" name="Grafik 28">
+            <a:extLst>
+              <a:ext uri="{FF2B5EF4-FFF2-40B4-BE49-F238E27FC236}">
+                <a16:creationId xmlns:a16="http://schemas.microsoft.com/office/drawing/2014/main" id="{04C08939-CA0F-46B0-B42B-793816FFF145}"/>
+              </a:ext>
+            </a:extLst>
+          </p:cNvPr>
+          <p:cNvPicPr>
+            <a:picLocks noChangeAspect="1"/>
+          </p:cNvPicPr>
+          <p:nvPr/>
+        </p:nvPicPr>
+        <p:blipFill>
+          <a:blip r:embed="rId8"/>
+          <a:stretch>
+            <a:fillRect/>
+          </a:stretch>
+        </p:blipFill>
+        <p:spPr>
+          <a:xfrm>
+            <a:off x="9888809" y="4407216"/>
+            <a:ext cx="2160000" cy="1636923"/>
+          </a:xfrm>
+          <a:prstGeom prst="rect">
+            <a:avLst/>
+          </a:prstGeom>
+        </p:spPr>
+      </p:pic>
+      <p:pic>
+        <p:nvPicPr>
+          <p:cNvPr id="43" name="Grafik 42">
+            <a:extLst>
+              <a:ext uri="{FF2B5EF4-FFF2-40B4-BE49-F238E27FC236}">
+                <a16:creationId xmlns:a16="http://schemas.microsoft.com/office/drawing/2014/main" id="{C02B7D3A-6610-4052-8C20-245969FF189B}"/>
+              </a:ext>
+            </a:extLst>
+          </p:cNvPr>
+          <p:cNvPicPr>
+            <a:picLocks noChangeAspect="1"/>
+          </p:cNvPicPr>
+          <p:nvPr/>
+        </p:nvPicPr>
+        <p:blipFill>
+          <a:blip r:embed="rId9"/>
+          <a:stretch>
+            <a:fillRect/>
+          </a:stretch>
+        </p:blipFill>
+        <p:spPr>
+          <a:xfrm>
+            <a:off x="5154008" y="4394025"/>
+            <a:ext cx="2160000" cy="1596774"/>
+          </a:xfrm>
+          <a:prstGeom prst="rect">
+            <a:avLst/>
+          </a:prstGeom>
+        </p:spPr>
+      </p:pic>
+      <p:sp>
+        <p:nvSpPr>
+          <p:cNvPr id="45" name="Textfeld 44">
+            <a:extLst>
+              <a:ext uri="{FF2B5EF4-FFF2-40B4-BE49-F238E27FC236}">
+                <a16:creationId xmlns:a16="http://schemas.microsoft.com/office/drawing/2014/main" id="{4B4D7329-D6DF-453D-BFF2-A62DEE77681A}"/>
+              </a:ext>
+            </a:extLst>
+          </p:cNvPr>
+          <p:cNvSpPr txBox="1"/>
+          <p:nvPr/>
+        </p:nvSpPr>
+        <p:spPr>
+          <a:xfrm>
+            <a:off x="2234057" y="401947"/>
+            <a:ext cx="447558" cy="369332"/>
+          </a:xfrm>
+          <a:prstGeom prst="rect">
+            <a:avLst/>
+          </a:prstGeom>
+          <a:noFill/>
+        </p:spPr>
+        <p:txBody>
+          <a:bodyPr wrap="none" rtlCol="0">
+            <a:spAutoFit/>
+          </a:bodyPr>
+          <a:lstStyle/>
+          <a:p>
+            <a:r>
+              <a:rPr lang="de-DE" b="1"/>
+              <a:t>V1</a:t>
+            </a:r>
+            <a:endParaRPr lang="de-CH" b="1"/>
+          </a:p>
+        </p:txBody>
+      </p:sp>
+      <p:sp>
+        <p:nvSpPr>
+          <p:cNvPr id="47" name="Textfeld 46">
+            <a:extLst>
+              <a:ext uri="{FF2B5EF4-FFF2-40B4-BE49-F238E27FC236}">
+                <a16:creationId xmlns:a16="http://schemas.microsoft.com/office/drawing/2014/main" id="{92653764-BF0B-4772-A86E-72EC8061F65D}"/>
+              </a:ext>
+            </a:extLst>
+          </p:cNvPr>
+          <p:cNvSpPr txBox="1"/>
+          <p:nvPr/>
+        </p:nvSpPr>
+        <p:spPr>
+          <a:xfrm>
+            <a:off x="6010229" y="401947"/>
+            <a:ext cx="447558" cy="369332"/>
+          </a:xfrm>
+          <a:prstGeom prst="rect">
+            <a:avLst/>
+          </a:prstGeom>
+          <a:noFill/>
+        </p:spPr>
+        <p:txBody>
+          <a:bodyPr wrap="none" rtlCol="0">
+            <a:spAutoFit/>
+          </a:bodyPr>
+          <a:lstStyle/>
+          <a:p>
+            <a:r>
+              <a:rPr lang="de-DE" b="1"/>
+              <a:t>V2</a:t>
+            </a:r>
+            <a:endParaRPr lang="de-CH" b="1"/>
+          </a:p>
+        </p:txBody>
+      </p:sp>
+      <p:sp>
+        <p:nvSpPr>
+          <p:cNvPr id="49" name="Textfeld 48">
+            <a:extLst>
+              <a:ext uri="{FF2B5EF4-FFF2-40B4-BE49-F238E27FC236}">
+                <a16:creationId xmlns:a16="http://schemas.microsoft.com/office/drawing/2014/main" id="{ACEF2478-C292-4323-BAD6-D4AA4FFC7C5F}"/>
+              </a:ext>
+            </a:extLst>
+          </p:cNvPr>
+          <p:cNvSpPr txBox="1"/>
+          <p:nvPr/>
+        </p:nvSpPr>
+        <p:spPr>
+          <a:xfrm>
+            <a:off x="8536586" y="401947"/>
+            <a:ext cx="447558" cy="369332"/>
+          </a:xfrm>
+          <a:prstGeom prst="rect">
+            <a:avLst/>
+          </a:prstGeom>
+          <a:noFill/>
+        </p:spPr>
+        <p:txBody>
+          <a:bodyPr wrap="none" rtlCol="0">
+            <a:spAutoFit/>
+          </a:bodyPr>
+          <a:lstStyle/>
+          <a:p>
+            <a:r>
+              <a:rPr lang="de-DE" b="1"/>
+              <a:t>V3</a:t>
+            </a:r>
+            <a:endParaRPr lang="de-CH" b="1"/>
+          </a:p>
+        </p:txBody>
+      </p:sp>
+      <p:sp>
+        <p:nvSpPr>
+          <p:cNvPr id="50" name="Textfeld 49">
+            <a:extLst>
+              <a:ext uri="{FF2B5EF4-FFF2-40B4-BE49-F238E27FC236}">
+                <a16:creationId xmlns:a16="http://schemas.microsoft.com/office/drawing/2014/main" id="{C1F6A5AB-D111-412A-936B-07BFFCE74ABD}"/>
+              </a:ext>
+            </a:extLst>
+          </p:cNvPr>
+          <p:cNvSpPr txBox="1"/>
+          <p:nvPr/>
+        </p:nvSpPr>
+        <p:spPr>
+          <a:xfrm>
+            <a:off x="10723091" y="401947"/>
+            <a:ext cx="447558" cy="369332"/>
+          </a:xfrm>
+          <a:prstGeom prst="rect">
+            <a:avLst/>
+          </a:prstGeom>
+          <a:noFill/>
+        </p:spPr>
+        <p:txBody>
+          <a:bodyPr wrap="none" rtlCol="0">
+            <a:spAutoFit/>
+          </a:bodyPr>
+          <a:lstStyle/>
+          <a:p>
+            <a:r>
+              <a:rPr lang="de-DE" b="1"/>
+              <a:t>V4</a:t>
+            </a:r>
+            <a:endParaRPr lang="de-CH" b="1"/>
+          </a:p>
+        </p:txBody>
+      </p:sp>
+      <p:pic>
+        <p:nvPicPr>
+          <p:cNvPr id="51" name="Grafik 50">
+            <a:extLst>
+              <a:ext uri="{FF2B5EF4-FFF2-40B4-BE49-F238E27FC236}">
+                <a16:creationId xmlns:a16="http://schemas.microsoft.com/office/drawing/2014/main" id="{7315184A-213B-4607-B853-42EFD4326E38}"/>
+              </a:ext>
+            </a:extLst>
+          </p:cNvPr>
+          <p:cNvPicPr>
+            <a:picLocks noChangeAspect="1"/>
+          </p:cNvPicPr>
+          <p:nvPr/>
+        </p:nvPicPr>
+        <p:blipFill>
+          <a:blip r:embed="rId10"/>
+          <a:stretch>
+            <a:fillRect/>
+          </a:stretch>
+        </p:blipFill>
+        <p:spPr>
+          <a:xfrm>
+            <a:off x="1458695" y="883107"/>
+            <a:ext cx="2160000" cy="1627918"/>
+          </a:xfrm>
+          <a:prstGeom prst="rect">
+            <a:avLst/>
+          </a:prstGeom>
+        </p:spPr>
+      </p:pic>
+      <p:pic>
+        <p:nvPicPr>
+          <p:cNvPr id="52" name="Grafik 51">
+            <a:extLst>
+              <a:ext uri="{FF2B5EF4-FFF2-40B4-BE49-F238E27FC236}">
+                <a16:creationId xmlns:a16="http://schemas.microsoft.com/office/drawing/2014/main" id="{4BD16C65-6414-4CF0-880F-253D9FF7B829}"/>
+              </a:ext>
+            </a:extLst>
+          </p:cNvPr>
+          <p:cNvPicPr>
+            <a:picLocks noChangeAspect="1"/>
+          </p:cNvPicPr>
+          <p:nvPr/>
+        </p:nvPicPr>
+        <p:blipFill>
+          <a:blip r:embed="rId10"/>
+          <a:stretch>
+            <a:fillRect/>
+          </a:stretch>
+        </p:blipFill>
+        <p:spPr>
+          <a:xfrm>
+            <a:off x="5154008" y="883107"/>
+            <a:ext cx="2160000" cy="1627918"/>
+          </a:xfrm>
+          <a:prstGeom prst="rect">
+            <a:avLst/>
+          </a:prstGeom>
+        </p:spPr>
+      </p:pic>
+      <p:pic>
+        <p:nvPicPr>
+          <p:cNvPr id="53" name="Grafik 52">
+            <a:extLst>
+              <a:ext uri="{FF2B5EF4-FFF2-40B4-BE49-F238E27FC236}">
+                <a16:creationId xmlns:a16="http://schemas.microsoft.com/office/drawing/2014/main" id="{C6C9B0D8-BB7E-4074-99EA-AB7301D03A7A}"/>
+              </a:ext>
+            </a:extLst>
+          </p:cNvPr>
+          <p:cNvPicPr>
+            <a:picLocks noChangeAspect="1"/>
+          </p:cNvPicPr>
+          <p:nvPr/>
+        </p:nvPicPr>
+        <p:blipFill>
+          <a:blip r:embed="rId10"/>
+          <a:stretch>
+            <a:fillRect/>
+          </a:stretch>
+        </p:blipFill>
+        <p:spPr>
+          <a:xfrm>
+            <a:off x="7579444" y="883107"/>
+            <a:ext cx="2160000" cy="1627918"/>
+          </a:xfrm>
+          <a:prstGeom prst="rect">
+            <a:avLst/>
+          </a:prstGeom>
+        </p:spPr>
+      </p:pic>
+      <p:pic>
+        <p:nvPicPr>
+          <p:cNvPr id="54" name="Grafik 53">
+            <a:extLst>
+              <a:ext uri="{FF2B5EF4-FFF2-40B4-BE49-F238E27FC236}">
+                <a16:creationId xmlns:a16="http://schemas.microsoft.com/office/drawing/2014/main" id="{86EF0144-33B5-4428-A775-E315201ECCBE}"/>
+              </a:ext>
+            </a:extLst>
+          </p:cNvPr>
+          <p:cNvPicPr>
+            <a:picLocks noChangeAspect="1"/>
+          </p:cNvPicPr>
+          <p:nvPr/>
+        </p:nvPicPr>
+        <p:blipFill>
+          <a:blip r:embed="rId10"/>
+          <a:stretch>
+            <a:fillRect/>
+          </a:stretch>
+        </p:blipFill>
+        <p:spPr>
+          <a:xfrm>
+            <a:off x="9888809" y="883107"/>
+            <a:ext cx="2160000" cy="1627918"/>
+          </a:xfrm>
+          <a:prstGeom prst="rect">
+            <a:avLst/>
+          </a:prstGeom>
+        </p:spPr>
+      </p:pic>
+      <p:pic>
+        <p:nvPicPr>
+          <p:cNvPr id="37" name="Grafik 36">
+            <a:extLst>
+              <a:ext uri="{FF2B5EF4-FFF2-40B4-BE49-F238E27FC236}">
+                <a16:creationId xmlns:a16="http://schemas.microsoft.com/office/drawing/2014/main" id="{39A63BDC-9E87-496A-BC97-D773A02F41EF}"/>
+              </a:ext>
+            </a:extLst>
+          </p:cNvPr>
+          <p:cNvPicPr>
+            <a:picLocks noChangeAspect="1"/>
+          </p:cNvPicPr>
+          <p:nvPr/>
+        </p:nvPicPr>
+        <p:blipFill>
+          <a:blip r:embed="rId11"/>
+          <a:stretch>
+            <a:fillRect/>
+          </a:stretch>
+        </p:blipFill>
+        <p:spPr>
+          <a:xfrm>
+            <a:off x="2543987" y="2651680"/>
+            <a:ext cx="2211449" cy="1627918"/>
+          </a:xfrm>
+          <a:prstGeom prst="rect">
+            <a:avLst/>
+          </a:prstGeom>
+        </p:spPr>
+      </p:pic>
+    </p:spTree>
+    <p:extLst>
+      <p:ext uri="{BB962C8B-B14F-4D97-AF65-F5344CB8AC3E}">
+        <p14:creationId xmlns:p14="http://schemas.microsoft.com/office/powerpoint/2010/main" val="2295199822"/>
+      </p:ext>
+    </p:extLst>
+  </p:cSld>
+  <p:clrMapOvr>
+    <a:masterClrMapping/>
+  </p:clrMapOvr>
+</p:sld>
+</file>
+
+<file path=ppt/slides/slide17.xml><?xml version="1.0" encoding="utf-8"?>
+<p:sld xmlns:a="http://schemas.openxmlformats.org/drawingml/2006/main" xmlns:r="http://schemas.openxmlformats.org/officeDocument/2006/relationships" xmlns:p="http://schemas.openxmlformats.org/presentationml/2006/main">
+  <p:cSld>
+    <p:spTree>
+      <p:nvGrpSpPr>
+        <p:cNvPr id="1" name=""/>
+        <p:cNvGrpSpPr/>
+        <p:nvPr/>
+      </p:nvGrpSpPr>
+      <p:grpSpPr>
+        <a:xfrm>
+          <a:off x="0" y="0"/>
+          <a:ext cx="0" cy="0"/>
+          <a:chOff x="0" y="0"/>
+          <a:chExt cx="0" cy="0"/>
+        </a:xfrm>
+      </p:grpSpPr>
+      <p:pic>
+        <p:nvPicPr>
           <p:cNvPr id="3" name="Grafik 2">
             <a:extLst>
               <a:ext uri="{FF2B5EF4-FFF2-40B4-BE49-F238E27FC236}">
@@ -22787,7 +22848,7 @@
 </p:sld>
 </file>
 
-<file path=ppt/slides/slide17.xml><?xml version="1.0" encoding="utf-8"?>
+<file path=ppt/slides/slide18.xml><?xml version="1.0" encoding="utf-8"?>
 <p:sld xmlns:a="http://schemas.openxmlformats.org/drawingml/2006/main" xmlns:r="http://schemas.openxmlformats.org/officeDocument/2006/relationships" xmlns:p="http://schemas.openxmlformats.org/presentationml/2006/main">
   <p:cSld>
     <p:spTree>
@@ -23416,10 +23477,10 @@
       </p:grpSpPr>
       <p:pic>
         <p:nvPicPr>
-          <p:cNvPr id="62" name="Grafik 61">
-            <a:extLst>
-              <a:ext uri="{FF2B5EF4-FFF2-40B4-BE49-F238E27FC236}">
-                <a16:creationId xmlns:a16="http://schemas.microsoft.com/office/drawing/2014/main" id="{EE3CECAD-B517-4829-B579-8CE9F9C840CF}"/>
+          <p:cNvPr id="4" name="Picture 3">
+            <a:extLst>
+              <a:ext uri="{FF2B5EF4-FFF2-40B4-BE49-F238E27FC236}">
+                <a16:creationId xmlns:a16="http://schemas.microsoft.com/office/drawing/2014/main" id="{4A445D2E-C7BE-4AB1-A326-1B8DC0AA9C6E}"/>
               </a:ext>
             </a:extLst>
           </p:cNvPr>
@@ -23436,70 +23497,20 @@
         </p:blipFill>
         <p:spPr>
           <a:xfrm>
-            <a:off x="5726370" y="4455580"/>
-            <a:ext cx="738326" cy="786233"/>
+            <a:off x="2319337" y="1694565"/>
+            <a:ext cx="6016589" cy="3573535"/>
           </a:xfrm>
           <a:prstGeom prst="rect">
             <a:avLst/>
           </a:prstGeom>
         </p:spPr>
       </p:pic>
-      <p:sp>
-        <p:nvSpPr>
-          <p:cNvPr id="65" name="Rechteck: abgerundete Ecken 64">
-            <a:extLst>
-              <a:ext uri="{FF2B5EF4-FFF2-40B4-BE49-F238E27FC236}">
-                <a16:creationId xmlns:a16="http://schemas.microsoft.com/office/drawing/2014/main" id="{FC6EF104-5021-4B60-950C-894F72DFD30A}"/>
-              </a:ext>
-            </a:extLst>
-          </p:cNvPr>
-          <p:cNvSpPr/>
-          <p:nvPr/>
-        </p:nvSpPr>
-        <p:spPr>
-          <a:xfrm>
-            <a:off x="1726755" y="634536"/>
-            <a:ext cx="2759978" cy="2315362"/>
-          </a:xfrm>
-          <a:prstGeom prst="roundRect">
-            <a:avLst>
-              <a:gd name="adj" fmla="val 3503"/>
-            </a:avLst>
-          </a:prstGeom>
-          <a:noFill/>
-          <a:ln w="98425"/>
-        </p:spPr>
-        <p:style>
-          <a:lnRef idx="2">
-            <a:schemeClr val="accent1">
-              <a:shade val="50000"/>
-            </a:schemeClr>
-          </a:lnRef>
-          <a:fillRef idx="1">
-            <a:schemeClr val="accent1"/>
-          </a:fillRef>
-          <a:effectRef idx="0">
-            <a:schemeClr val="accent1"/>
-          </a:effectRef>
-          <a:fontRef idx="minor">
-            <a:schemeClr val="lt1"/>
-          </a:fontRef>
-        </p:style>
-        <p:txBody>
-          <a:bodyPr rtlCol="0" anchor="ctr"/>
-          <a:lstStyle/>
-          <a:p>
-            <a:pPr algn="ctr"/>
-            <a:endParaRPr lang="de-CH"/>
-          </a:p>
-        </p:txBody>
-      </p:sp>
       <p:pic>
         <p:nvPicPr>
-          <p:cNvPr id="66" name="Grafik 65">
-            <a:extLst>
-              <a:ext uri="{FF2B5EF4-FFF2-40B4-BE49-F238E27FC236}">
-                <a16:creationId xmlns:a16="http://schemas.microsoft.com/office/drawing/2014/main" id="{A23A22B4-AC05-4BFC-866E-2E56D2298BF6}"/>
+          <p:cNvPr id="6" name="Picture 5">
+            <a:extLst>
+              <a:ext uri="{FF2B5EF4-FFF2-40B4-BE49-F238E27FC236}">
+                <a16:creationId xmlns:a16="http://schemas.microsoft.com/office/drawing/2014/main" id="{FC4BB152-DD8B-409F-AE2D-EC74253EA851}"/>
               </a:ext>
             </a:extLst>
           </p:cNvPr>
@@ -23516,718 +23527,8 @@
         </p:blipFill>
         <p:spPr>
           <a:xfrm>
-            <a:off x="2747634" y="1546223"/>
-            <a:ext cx="821077" cy="455882"/>
-          </a:xfrm>
-          <a:prstGeom prst="rect">
-            <a:avLst/>
-          </a:prstGeom>
-        </p:spPr>
-      </p:pic>
-      <p:sp>
-        <p:nvSpPr>
-          <p:cNvPr id="37" name="Rechteck: abgerundete Ecken 36">
-            <a:extLst>
-              <a:ext uri="{FF2B5EF4-FFF2-40B4-BE49-F238E27FC236}">
-                <a16:creationId xmlns:a16="http://schemas.microsoft.com/office/drawing/2014/main" id="{EB9ACB5B-EE04-4ECF-9817-F866BED83DF3}"/>
-              </a:ext>
-            </a:extLst>
-          </p:cNvPr>
-          <p:cNvSpPr/>
-          <p:nvPr/>
-        </p:nvSpPr>
-        <p:spPr>
-          <a:xfrm>
-            <a:off x="1726755" y="3691015"/>
-            <a:ext cx="2759978" cy="2315362"/>
-          </a:xfrm>
-          <a:prstGeom prst="roundRect">
-            <a:avLst>
-              <a:gd name="adj" fmla="val 3503"/>
-            </a:avLst>
-          </a:prstGeom>
-          <a:noFill/>
-          <a:ln w="98425"/>
-        </p:spPr>
-        <p:style>
-          <a:lnRef idx="2">
-            <a:schemeClr val="accent1">
-              <a:shade val="50000"/>
-            </a:schemeClr>
-          </a:lnRef>
-          <a:fillRef idx="1">
-            <a:schemeClr val="accent1"/>
-          </a:fillRef>
-          <a:effectRef idx="0">
-            <a:schemeClr val="accent1"/>
-          </a:effectRef>
-          <a:fontRef idx="minor">
-            <a:schemeClr val="lt1"/>
-          </a:fontRef>
-        </p:style>
-        <p:txBody>
-          <a:bodyPr rtlCol="0" anchor="ctr"/>
-          <a:lstStyle/>
-          <a:p>
-            <a:pPr algn="ctr"/>
-            <a:endParaRPr lang="de-CH"/>
-          </a:p>
-        </p:txBody>
-      </p:sp>
-      <p:sp>
-        <p:nvSpPr>
-          <p:cNvPr id="38" name="Rechteck: abgerundete Ecken 37">
-            <a:extLst>
-              <a:ext uri="{FF2B5EF4-FFF2-40B4-BE49-F238E27FC236}">
-                <a16:creationId xmlns:a16="http://schemas.microsoft.com/office/drawing/2014/main" id="{A78C28B8-C667-44CC-979F-82834B8C2118}"/>
-              </a:ext>
-            </a:extLst>
-          </p:cNvPr>
-          <p:cNvSpPr/>
-          <p:nvPr/>
-        </p:nvSpPr>
-        <p:spPr>
-          <a:xfrm>
-            <a:off x="4715544" y="3691015"/>
-            <a:ext cx="2759978" cy="2315362"/>
-          </a:xfrm>
-          <a:prstGeom prst="roundRect">
-            <a:avLst>
-              <a:gd name="adj" fmla="val 3503"/>
-            </a:avLst>
-          </a:prstGeom>
-          <a:noFill/>
-          <a:ln w="98425"/>
-        </p:spPr>
-        <p:style>
-          <a:lnRef idx="2">
-            <a:schemeClr val="accent1">
-              <a:shade val="50000"/>
-            </a:schemeClr>
-          </a:lnRef>
-          <a:fillRef idx="1">
-            <a:schemeClr val="accent1"/>
-          </a:fillRef>
-          <a:effectRef idx="0">
-            <a:schemeClr val="accent1"/>
-          </a:effectRef>
-          <a:fontRef idx="minor">
-            <a:schemeClr val="lt1"/>
-          </a:fontRef>
-        </p:style>
-        <p:txBody>
-          <a:bodyPr rtlCol="0" anchor="ctr"/>
-          <a:lstStyle/>
-          <a:p>
-            <a:pPr algn="ctr"/>
-            <a:endParaRPr lang="de-CH"/>
-          </a:p>
-        </p:txBody>
-      </p:sp>
-      <p:pic>
-        <p:nvPicPr>
-          <p:cNvPr id="44" name="Grafik 43">
-            <a:extLst>
-              <a:ext uri="{FF2B5EF4-FFF2-40B4-BE49-F238E27FC236}">
-                <a16:creationId xmlns:a16="http://schemas.microsoft.com/office/drawing/2014/main" id="{2B417E3E-BC1F-4C35-B072-475426DCCBC3}"/>
-              </a:ext>
-            </a:extLst>
-          </p:cNvPr>
-          <p:cNvPicPr>
-            <a:picLocks noChangeAspect="1"/>
-          </p:cNvPicPr>
-          <p:nvPr/>
-        </p:nvPicPr>
-        <p:blipFill>
-          <a:blip r:embed="rId4"/>
-          <a:stretch>
-            <a:fillRect/>
-          </a:stretch>
-        </p:blipFill>
-        <p:spPr>
-          <a:xfrm>
-            <a:off x="6299943" y="1500197"/>
-            <a:ext cx="607512" cy="660339"/>
-          </a:xfrm>
-          <a:prstGeom prst="rect">
-            <a:avLst/>
-          </a:prstGeom>
-        </p:spPr>
-      </p:pic>
-      <p:pic>
-        <p:nvPicPr>
-          <p:cNvPr id="45" name="Grafik 44">
-            <a:extLst>
-              <a:ext uri="{FF2B5EF4-FFF2-40B4-BE49-F238E27FC236}">
-                <a16:creationId xmlns:a16="http://schemas.microsoft.com/office/drawing/2014/main" id="{008BB325-3F1A-4545-B901-5EA0383FCBDB}"/>
-              </a:ext>
-            </a:extLst>
-          </p:cNvPr>
-          <p:cNvPicPr>
-            <a:picLocks noChangeAspect="1"/>
-          </p:cNvPicPr>
-          <p:nvPr/>
-        </p:nvPicPr>
-        <p:blipFill>
-          <a:blip r:embed="rId5"/>
-          <a:stretch>
-            <a:fillRect/>
-          </a:stretch>
-        </p:blipFill>
-        <p:spPr>
-          <a:xfrm>
-            <a:off x="6270273" y="805295"/>
-            <a:ext cx="1095319" cy="607941"/>
-          </a:xfrm>
-          <a:prstGeom prst="rect">
-            <a:avLst/>
-          </a:prstGeom>
-        </p:spPr>
-      </p:pic>
-      <p:pic>
-        <p:nvPicPr>
-          <p:cNvPr id="46" name="Grafik 45">
-            <a:extLst>
-              <a:ext uri="{FF2B5EF4-FFF2-40B4-BE49-F238E27FC236}">
-                <a16:creationId xmlns:a16="http://schemas.microsoft.com/office/drawing/2014/main" id="{F667EA32-E611-4D57-810E-4E6239E7BDD6}"/>
-              </a:ext>
-            </a:extLst>
-          </p:cNvPr>
-          <p:cNvPicPr>
-            <a:picLocks noChangeAspect="1"/>
-          </p:cNvPicPr>
-          <p:nvPr/>
-        </p:nvPicPr>
-        <p:blipFill>
-          <a:blip r:embed="rId6"/>
-          <a:stretch>
-            <a:fillRect/>
-          </a:stretch>
-        </p:blipFill>
-        <p:spPr>
-          <a:xfrm>
-            <a:off x="6288273" y="2247497"/>
-            <a:ext cx="1099061" cy="610904"/>
-          </a:xfrm>
-          <a:prstGeom prst="rect">
-            <a:avLst/>
-          </a:prstGeom>
-        </p:spPr>
-      </p:pic>
-      <p:pic>
-        <p:nvPicPr>
-          <p:cNvPr id="47" name="Grafik 46">
-            <a:extLst>
-              <a:ext uri="{FF2B5EF4-FFF2-40B4-BE49-F238E27FC236}">
-                <a16:creationId xmlns:a16="http://schemas.microsoft.com/office/drawing/2014/main" id="{F38A8764-35EE-40EE-AE78-4DECAD7116A7}"/>
-              </a:ext>
-            </a:extLst>
-          </p:cNvPr>
-          <p:cNvPicPr>
-            <a:picLocks noChangeAspect="1"/>
-          </p:cNvPicPr>
-          <p:nvPr/>
-        </p:nvPicPr>
-        <p:blipFill>
-          <a:blip r:embed="rId7"/>
-          <a:stretch>
-            <a:fillRect/>
-          </a:stretch>
-        </p:blipFill>
-        <p:spPr>
-          <a:xfrm>
-            <a:off x="4943198" y="1857241"/>
-            <a:ext cx="1267811" cy="1006269"/>
-          </a:xfrm>
-          <a:prstGeom prst="rect">
-            <a:avLst/>
-          </a:prstGeom>
-        </p:spPr>
-      </p:pic>
-      <p:sp>
-        <p:nvSpPr>
-          <p:cNvPr id="48" name="Rechteck: abgerundete Ecken 47">
-            <a:extLst>
-              <a:ext uri="{FF2B5EF4-FFF2-40B4-BE49-F238E27FC236}">
-                <a16:creationId xmlns:a16="http://schemas.microsoft.com/office/drawing/2014/main" id="{79B1AAAA-A318-4C3E-B7DA-E4A3EB0D2B11}"/>
-              </a:ext>
-            </a:extLst>
-          </p:cNvPr>
-          <p:cNvSpPr/>
-          <p:nvPr/>
-        </p:nvSpPr>
-        <p:spPr>
-          <a:xfrm>
-            <a:off x="4715544" y="655846"/>
-            <a:ext cx="2759978" cy="2315362"/>
-          </a:xfrm>
-          <a:prstGeom prst="roundRect">
-            <a:avLst>
-              <a:gd name="adj" fmla="val 3503"/>
-            </a:avLst>
-          </a:prstGeom>
-          <a:noFill/>
-          <a:ln w="98425"/>
-        </p:spPr>
-        <p:style>
-          <a:lnRef idx="2">
-            <a:schemeClr val="accent1">
-              <a:shade val="50000"/>
-            </a:schemeClr>
-          </a:lnRef>
-          <a:fillRef idx="1">
-            <a:schemeClr val="accent1"/>
-          </a:fillRef>
-          <a:effectRef idx="0">
-            <a:schemeClr val="accent1"/>
-          </a:effectRef>
-          <a:fontRef idx="minor">
-            <a:schemeClr val="lt1"/>
-          </a:fontRef>
-        </p:style>
-        <p:txBody>
-          <a:bodyPr rtlCol="0" anchor="ctr"/>
-          <a:lstStyle/>
-          <a:p>
-            <a:pPr algn="ctr"/>
-            <a:endParaRPr lang="de-CH"/>
-          </a:p>
-        </p:txBody>
-      </p:sp>
-      <p:pic>
-        <p:nvPicPr>
-          <p:cNvPr id="49" name="Grafik 48">
-            <a:extLst>
-              <a:ext uri="{FF2B5EF4-FFF2-40B4-BE49-F238E27FC236}">
-                <a16:creationId xmlns:a16="http://schemas.microsoft.com/office/drawing/2014/main" id="{938639EB-0C2A-4877-BE71-0B5650D9B6B2}"/>
-              </a:ext>
-            </a:extLst>
-          </p:cNvPr>
-          <p:cNvPicPr>
-            <a:picLocks noChangeAspect="1"/>
-          </p:cNvPicPr>
-          <p:nvPr/>
-        </p:nvPicPr>
-        <p:blipFill>
-          <a:blip r:embed="rId8"/>
-          <a:stretch>
-            <a:fillRect/>
-          </a:stretch>
-        </p:blipFill>
-        <p:spPr>
-          <a:xfrm>
-            <a:off x="4924661" y="796000"/>
-            <a:ext cx="1262522" cy="1000681"/>
-          </a:xfrm>
-          <a:prstGeom prst="rect">
-            <a:avLst/>
-          </a:prstGeom>
-        </p:spPr>
-      </p:pic>
-      <p:pic>
-        <p:nvPicPr>
-          <p:cNvPr id="50" name="Grafik 49">
-            <a:extLst>
-              <a:ext uri="{FF2B5EF4-FFF2-40B4-BE49-F238E27FC236}">
-                <a16:creationId xmlns:a16="http://schemas.microsoft.com/office/drawing/2014/main" id="{22518688-4BF6-499D-ADE1-CF0A2BD26B46}"/>
-              </a:ext>
-            </a:extLst>
-          </p:cNvPr>
-          <p:cNvPicPr>
-            <a:picLocks noChangeAspect="1"/>
-          </p:cNvPicPr>
-          <p:nvPr/>
-        </p:nvPicPr>
-        <p:blipFill>
-          <a:blip r:embed="rId9"/>
-          <a:stretch>
-            <a:fillRect/>
-          </a:stretch>
-        </p:blipFill>
-        <p:spPr>
-          <a:xfrm>
-            <a:off x="7815935" y="1859110"/>
-            <a:ext cx="2400300" cy="292220"/>
-          </a:xfrm>
-          <a:prstGeom prst="rect">
-            <a:avLst/>
-          </a:prstGeom>
-        </p:spPr>
-      </p:pic>
-      <p:sp>
-        <p:nvSpPr>
-          <p:cNvPr id="55" name="Rechteck: abgerundete Ecken 54">
-            <a:extLst>
-              <a:ext uri="{FF2B5EF4-FFF2-40B4-BE49-F238E27FC236}">
-                <a16:creationId xmlns:a16="http://schemas.microsoft.com/office/drawing/2014/main" id="{0D9A10B1-F235-4CF6-B90B-8BE36C6E61D1}"/>
-              </a:ext>
-            </a:extLst>
-          </p:cNvPr>
-          <p:cNvSpPr/>
-          <p:nvPr/>
-        </p:nvSpPr>
-        <p:spPr>
-          <a:xfrm>
-            <a:off x="7703175" y="638999"/>
-            <a:ext cx="2759978" cy="2315362"/>
-          </a:xfrm>
-          <a:prstGeom prst="roundRect">
-            <a:avLst>
-              <a:gd name="adj" fmla="val 3503"/>
-            </a:avLst>
-          </a:prstGeom>
-          <a:noFill/>
-          <a:ln w="98425"/>
-        </p:spPr>
-        <p:style>
-          <a:lnRef idx="2">
-            <a:schemeClr val="accent1">
-              <a:shade val="50000"/>
-            </a:schemeClr>
-          </a:lnRef>
-          <a:fillRef idx="1">
-            <a:schemeClr val="accent1"/>
-          </a:fillRef>
-          <a:effectRef idx="0">
-            <a:schemeClr val="accent1"/>
-          </a:effectRef>
-          <a:fontRef idx="minor">
-            <a:schemeClr val="lt1"/>
-          </a:fontRef>
-        </p:style>
-        <p:txBody>
-          <a:bodyPr rtlCol="0" anchor="ctr"/>
-          <a:lstStyle/>
-          <a:p>
-            <a:pPr algn="ctr"/>
-            <a:endParaRPr lang="de-CH"/>
-          </a:p>
-        </p:txBody>
-      </p:sp>
-      <p:pic>
-        <p:nvPicPr>
-          <p:cNvPr id="64" name="Grafik 63">
-            <a:extLst>
-              <a:ext uri="{FF2B5EF4-FFF2-40B4-BE49-F238E27FC236}">
-                <a16:creationId xmlns:a16="http://schemas.microsoft.com/office/drawing/2014/main" id="{EDF443C3-9AB3-40E3-9CD1-0274B1BB341D}"/>
-              </a:ext>
-            </a:extLst>
-          </p:cNvPr>
-          <p:cNvPicPr>
-            <a:picLocks noChangeAspect="1"/>
-          </p:cNvPicPr>
-          <p:nvPr/>
-        </p:nvPicPr>
-        <p:blipFill>
-          <a:blip r:embed="rId8"/>
-          <a:stretch>
-            <a:fillRect/>
-          </a:stretch>
-        </p:blipFill>
-        <p:spPr>
-          <a:xfrm>
-            <a:off x="7912292" y="779153"/>
-            <a:ext cx="1262522" cy="1000681"/>
-          </a:xfrm>
-          <a:prstGeom prst="rect">
-            <a:avLst/>
-          </a:prstGeom>
-        </p:spPr>
-      </p:pic>
-      <p:pic>
-        <p:nvPicPr>
-          <p:cNvPr id="18" name="Grafik 17">
-            <a:extLst>
-              <a:ext uri="{FF2B5EF4-FFF2-40B4-BE49-F238E27FC236}">
-                <a16:creationId xmlns:a16="http://schemas.microsoft.com/office/drawing/2014/main" id="{563795D1-8F98-4CCE-BDB6-E66091465299}"/>
-              </a:ext>
-            </a:extLst>
-          </p:cNvPr>
-          <p:cNvPicPr>
-            <a:picLocks noChangeAspect="1"/>
-          </p:cNvPicPr>
-          <p:nvPr/>
-        </p:nvPicPr>
-        <p:blipFill>
-          <a:blip r:embed="rId10"/>
-          <a:stretch>
-            <a:fillRect/>
-          </a:stretch>
-        </p:blipFill>
-        <p:spPr>
-          <a:xfrm>
-            <a:off x="7912292" y="2187839"/>
-            <a:ext cx="610712" cy="670562"/>
-          </a:xfrm>
-          <a:prstGeom prst="rect">
-            <a:avLst/>
-          </a:prstGeom>
-        </p:spPr>
-      </p:pic>
-      <p:pic>
-        <p:nvPicPr>
-          <p:cNvPr id="20" name="Grafik 19">
-            <a:extLst>
-              <a:ext uri="{FF2B5EF4-FFF2-40B4-BE49-F238E27FC236}">
-                <a16:creationId xmlns:a16="http://schemas.microsoft.com/office/drawing/2014/main" id="{39D68A84-6587-475B-92DB-790DFD6DBC95}"/>
-              </a:ext>
-            </a:extLst>
-          </p:cNvPr>
-          <p:cNvPicPr>
-            <a:picLocks noChangeAspect="1"/>
-          </p:cNvPicPr>
-          <p:nvPr/>
-        </p:nvPicPr>
-        <p:blipFill>
-          <a:blip r:embed="rId11"/>
-          <a:stretch>
-            <a:fillRect/>
-          </a:stretch>
-        </p:blipFill>
-        <p:spPr>
-          <a:xfrm>
-            <a:off x="9671944" y="2187933"/>
-            <a:ext cx="610712" cy="670562"/>
-          </a:xfrm>
-          <a:prstGeom prst="rect">
-            <a:avLst/>
-          </a:prstGeom>
-        </p:spPr>
-      </p:pic>
-      <p:sp>
-        <p:nvSpPr>
-          <p:cNvPr id="2" name="Textfeld 1">
-            <a:extLst>
-              <a:ext uri="{FF2B5EF4-FFF2-40B4-BE49-F238E27FC236}">
-                <a16:creationId xmlns:a16="http://schemas.microsoft.com/office/drawing/2014/main" id="{F06769B9-F942-4872-B912-B6CE762DA075}"/>
-              </a:ext>
-            </a:extLst>
-          </p:cNvPr>
-          <p:cNvSpPr txBox="1"/>
-          <p:nvPr/>
-        </p:nvSpPr>
-        <p:spPr>
-          <a:xfrm>
-            <a:off x="2474613" y="269674"/>
-            <a:ext cx="774571" cy="307777"/>
-          </a:xfrm>
-          <a:prstGeom prst="rect">
-            <a:avLst/>
-          </a:prstGeom>
-          <a:noFill/>
-        </p:spPr>
-        <p:txBody>
-          <a:bodyPr wrap="none" rtlCol="0">
-            <a:spAutoFit/>
-          </a:bodyPr>
-          <a:lstStyle/>
-          <a:p>
-            <a:r>
-              <a:rPr lang="de-DE" sz="1400" b="1"/>
-              <a:t>pg_idle</a:t>
-            </a:r>
-            <a:endParaRPr lang="de-CH" sz="1400" b="1"/>
-          </a:p>
-        </p:txBody>
-      </p:sp>
-      <p:sp>
-        <p:nvSpPr>
-          <p:cNvPr id="25" name="Textfeld 24">
-            <a:extLst>
-              <a:ext uri="{FF2B5EF4-FFF2-40B4-BE49-F238E27FC236}">
-                <a16:creationId xmlns:a16="http://schemas.microsoft.com/office/drawing/2014/main" id="{CD32E432-2F93-4642-BABD-B586251FEA2C}"/>
-              </a:ext>
-            </a:extLst>
-          </p:cNvPr>
-          <p:cNvSpPr txBox="1"/>
-          <p:nvPr/>
-        </p:nvSpPr>
-        <p:spPr>
-          <a:xfrm>
-            <a:off x="5233177" y="236285"/>
-            <a:ext cx="1218603" cy="307777"/>
-          </a:xfrm>
-          <a:prstGeom prst="rect">
-            <a:avLst/>
-          </a:prstGeom>
-          <a:noFill/>
-        </p:spPr>
-        <p:txBody>
-          <a:bodyPr wrap="none" rtlCol="0">
-            <a:spAutoFit/>
-          </a:bodyPr>
-          <a:lstStyle/>
-          <a:p>
-            <a:r>
-              <a:rPr lang="de-DE" sz="1400" b="1"/>
-              <a:t>pg_overview</a:t>
-            </a:r>
-            <a:endParaRPr lang="de-CH" sz="1400" b="1"/>
-          </a:p>
-        </p:txBody>
-      </p:sp>
-      <p:sp>
-        <p:nvSpPr>
-          <p:cNvPr id="26" name="Textfeld 25">
-            <a:extLst>
-              <a:ext uri="{FF2B5EF4-FFF2-40B4-BE49-F238E27FC236}">
-                <a16:creationId xmlns:a16="http://schemas.microsoft.com/office/drawing/2014/main" id="{B385F429-64F0-4716-8CD3-D0528E7365E6}"/>
-              </a:ext>
-            </a:extLst>
-          </p:cNvPr>
-          <p:cNvSpPr txBox="1"/>
-          <p:nvPr/>
-        </p:nvSpPr>
-        <p:spPr>
-          <a:xfrm>
-            <a:off x="7937937" y="225024"/>
-            <a:ext cx="1191352" cy="307777"/>
-          </a:xfrm>
-          <a:prstGeom prst="rect">
-            <a:avLst/>
-          </a:prstGeom>
-          <a:noFill/>
-        </p:spPr>
-        <p:txBody>
-          <a:bodyPr wrap="none" rtlCol="0">
-            <a:spAutoFit/>
-          </a:bodyPr>
-          <a:lstStyle/>
-          <a:p>
-            <a:r>
-              <a:rPr lang="de-DE" sz="1400" b="1"/>
-              <a:t>pg_par_tens</a:t>
-            </a:r>
-            <a:endParaRPr lang="de-CH" sz="1400" b="1"/>
-          </a:p>
-        </p:txBody>
-      </p:sp>
-      <p:sp>
-        <p:nvSpPr>
-          <p:cNvPr id="30" name="Textfeld 29">
-            <a:extLst>
-              <a:ext uri="{FF2B5EF4-FFF2-40B4-BE49-F238E27FC236}">
-                <a16:creationId xmlns:a16="http://schemas.microsoft.com/office/drawing/2014/main" id="{98521751-3AEC-437A-80D9-4BB43D054BF2}"/>
-              </a:ext>
-            </a:extLst>
-          </p:cNvPr>
-          <p:cNvSpPr txBox="1"/>
-          <p:nvPr/>
-        </p:nvSpPr>
-        <p:spPr>
-          <a:xfrm>
-            <a:off x="2329100" y="3300291"/>
-            <a:ext cx="829073" cy="307777"/>
-          </a:xfrm>
-          <a:prstGeom prst="rect">
-            <a:avLst/>
-          </a:prstGeom>
-          <a:noFill/>
-        </p:spPr>
-        <p:txBody>
-          <a:bodyPr wrap="none" rtlCol="0">
-            <a:spAutoFit/>
-          </a:bodyPr>
-          <a:lstStyle/>
-          <a:p>
-            <a:r>
-              <a:rPr lang="de-DE" sz="1400" b="1"/>
-              <a:t>pg_tens</a:t>
-            </a:r>
-            <a:endParaRPr lang="de-CH" sz="1400" b="1"/>
-          </a:p>
-        </p:txBody>
-      </p:sp>
-      <p:sp>
-        <p:nvSpPr>
-          <p:cNvPr id="31" name="Textfeld 30">
-            <a:extLst>
-              <a:ext uri="{FF2B5EF4-FFF2-40B4-BE49-F238E27FC236}">
-                <a16:creationId xmlns:a16="http://schemas.microsoft.com/office/drawing/2014/main" id="{5BD8C9DD-9209-4D29-AC70-9A6C39EEE17D}"/>
-              </a:ext>
-            </a:extLst>
-          </p:cNvPr>
-          <p:cNvSpPr txBox="1"/>
-          <p:nvPr/>
-        </p:nvSpPr>
-        <p:spPr>
-          <a:xfrm>
-            <a:off x="5610871" y="3300291"/>
-            <a:ext cx="809837" cy="307777"/>
-          </a:xfrm>
-          <a:prstGeom prst="rect">
-            <a:avLst/>
-          </a:prstGeom>
-          <a:noFill/>
-        </p:spPr>
-        <p:txBody>
-          <a:bodyPr wrap="none" rtlCol="0">
-            <a:spAutoFit/>
-          </a:bodyPr>
-          <a:lstStyle/>
-          <a:p>
-            <a:r>
-              <a:rPr lang="de-DE" sz="1400" b="1"/>
-              <a:t>pg_lock</a:t>
-            </a:r>
-            <a:endParaRPr lang="de-CH" sz="1400" b="1"/>
-          </a:p>
-        </p:txBody>
-      </p:sp>
-      <p:pic>
-        <p:nvPicPr>
-          <p:cNvPr id="24" name="Grafik 23">
-            <a:extLst>
-              <a:ext uri="{FF2B5EF4-FFF2-40B4-BE49-F238E27FC236}">
-                <a16:creationId xmlns:a16="http://schemas.microsoft.com/office/drawing/2014/main" id="{5A1D7160-8FA1-4A7F-A374-5E72A7230863}"/>
-              </a:ext>
-            </a:extLst>
-          </p:cNvPr>
-          <p:cNvPicPr>
-            <a:picLocks noChangeAspect="1"/>
-          </p:cNvPicPr>
-          <p:nvPr/>
-        </p:nvPicPr>
-        <p:blipFill>
-          <a:blip r:embed="rId2"/>
-          <a:stretch>
-            <a:fillRect/>
-          </a:stretch>
-        </p:blipFill>
-        <p:spPr>
-          <a:xfrm>
-            <a:off x="3794258" y="2242289"/>
-            <a:ext cx="512637" cy="545900"/>
-          </a:xfrm>
-          <a:prstGeom prst="rect">
-            <a:avLst/>
-          </a:prstGeom>
-        </p:spPr>
-      </p:pic>
-      <p:pic>
-        <p:nvPicPr>
-          <p:cNvPr id="29" name="Grafik 28">
-            <a:extLst>
-              <a:ext uri="{FF2B5EF4-FFF2-40B4-BE49-F238E27FC236}">
-                <a16:creationId xmlns:a16="http://schemas.microsoft.com/office/drawing/2014/main" id="{A181D5DE-47B5-4404-A5BB-BD0BD7AE0365}"/>
-              </a:ext>
-            </a:extLst>
-          </p:cNvPr>
-          <p:cNvPicPr>
-            <a:picLocks noChangeAspect="1"/>
-          </p:cNvPicPr>
-          <p:nvPr/>
-        </p:nvPicPr>
-        <p:blipFill>
-          <a:blip r:embed="rId9"/>
-          <a:stretch>
-            <a:fillRect/>
-          </a:stretch>
-        </p:blipFill>
-        <p:spPr>
-          <a:xfrm>
-            <a:off x="1860840" y="5241812"/>
-            <a:ext cx="7963275" cy="1253442"/>
+            <a:off x="2985130" y="3364301"/>
+            <a:ext cx="1884582" cy="1138921"/>
           </a:xfrm>
           <a:prstGeom prst="rect">
             <a:avLst/>
@@ -24264,48 +23565,12 @@
           <a:chExt cx="0" cy="0"/>
         </a:xfrm>
       </p:grpSpPr>
-      <p:sp>
-        <p:nvSpPr>
-          <p:cNvPr id="2" name="Textfeld 1">
-            <a:extLst>
-              <a:ext uri="{FF2B5EF4-FFF2-40B4-BE49-F238E27FC236}">
-                <a16:creationId xmlns:a16="http://schemas.microsoft.com/office/drawing/2014/main" id="{425E2D21-DE2F-4D04-A946-CEE9987BD190}"/>
-              </a:ext>
-            </a:extLst>
-          </p:cNvPr>
-          <p:cNvSpPr txBox="1"/>
-          <p:nvPr/>
-        </p:nvSpPr>
-        <p:spPr>
-          <a:xfrm>
-            <a:off x="6120604" y="4350782"/>
-            <a:ext cx="2307042" cy="369332"/>
-          </a:xfrm>
-          <a:prstGeom prst="rect">
-            <a:avLst/>
-          </a:prstGeom>
-          <a:noFill/>
-        </p:spPr>
-        <p:txBody>
-          <a:bodyPr wrap="none" rtlCol="0">
-            <a:spAutoFit/>
-          </a:bodyPr>
-          <a:lstStyle/>
-          <a:p>
-            <a:r>
-              <a:rPr lang="de-DE"/>
-              <a:t>45x45px (8px Linie) </a:t>
-            </a:r>
-            <a:endParaRPr lang="de-CH"/>
-          </a:p>
-        </p:txBody>
-      </p:sp>
       <p:pic>
         <p:nvPicPr>
-          <p:cNvPr id="7" name="Grafik 6">
-            <a:extLst>
-              <a:ext uri="{FF2B5EF4-FFF2-40B4-BE49-F238E27FC236}">
-                <a16:creationId xmlns:a16="http://schemas.microsoft.com/office/drawing/2014/main" id="{F6A3BCF8-AC1B-4E20-85AC-FA120BC40148}"/>
+          <p:cNvPr id="62" name="Grafik 61">
+            <a:extLst>
+              <a:ext uri="{FF2B5EF4-FFF2-40B4-BE49-F238E27FC236}">
+                <a16:creationId xmlns:a16="http://schemas.microsoft.com/office/drawing/2014/main" id="{EE3CECAD-B517-4829-B579-8CE9F9C840CF}"/>
               </a:ext>
             </a:extLst>
           </p:cNvPr>
@@ -24322,50 +23587,20 @@
         </p:blipFill>
         <p:spPr>
           <a:xfrm>
-            <a:off x="2242049" y="1703181"/>
-            <a:ext cx="1163282" cy="1522969"/>
+            <a:off x="5726370" y="4455580"/>
+            <a:ext cx="738326" cy="786233"/>
           </a:xfrm>
           <a:prstGeom prst="rect">
             <a:avLst/>
           </a:prstGeom>
         </p:spPr>
       </p:pic>
-      <p:pic>
-        <p:nvPicPr>
-          <p:cNvPr id="6" name="Grafik 5">
-            <a:extLst>
-              <a:ext uri="{FF2B5EF4-FFF2-40B4-BE49-F238E27FC236}">
-                <a16:creationId xmlns:a16="http://schemas.microsoft.com/office/drawing/2014/main" id="{A0D46467-0396-4441-87D8-CAD73E6A705A}"/>
-              </a:ext>
-            </a:extLst>
-          </p:cNvPr>
-          <p:cNvPicPr>
-            <a:picLocks noChangeAspect="1"/>
-          </p:cNvPicPr>
-          <p:nvPr/>
-        </p:nvPicPr>
-        <p:blipFill>
-          <a:blip r:embed="rId3"/>
-          <a:stretch>
-            <a:fillRect/>
-          </a:stretch>
-        </p:blipFill>
-        <p:spPr>
-          <a:xfrm>
-            <a:off x="4500605" y="1761193"/>
-            <a:ext cx="1145805" cy="1480791"/>
-          </a:xfrm>
-          <a:prstGeom prst="rect">
-            <a:avLst/>
-          </a:prstGeom>
-        </p:spPr>
-      </p:pic>
-      <p:sp>
-        <p:nvSpPr>
-          <p:cNvPr id="14" name="Ellipse 13">
-            <a:extLst>
-              <a:ext uri="{FF2B5EF4-FFF2-40B4-BE49-F238E27FC236}">
-                <a16:creationId xmlns:a16="http://schemas.microsoft.com/office/drawing/2014/main" id="{CE6D46CE-B849-4F46-837B-F30A8DD28501}"/>
+      <p:sp>
+        <p:nvSpPr>
+          <p:cNvPr id="65" name="Rechteck: abgerundete Ecken 64">
+            <a:extLst>
+              <a:ext uri="{FF2B5EF4-FFF2-40B4-BE49-F238E27FC236}">
+                <a16:creationId xmlns:a16="http://schemas.microsoft.com/office/drawing/2014/main" id="{FC6EF104-5021-4B60-950C-894F72DFD30A}"/>
               </a:ext>
             </a:extLst>
           </p:cNvPr>
@@ -24374,18 +23609,16 @@
         </p:nvSpPr>
         <p:spPr>
           <a:xfrm>
-            <a:off x="1923690" y="3770841"/>
-            <a:ext cx="1620000" cy="1620000"/>
-          </a:xfrm>
-          <a:prstGeom prst="ellipse">
-            <a:avLst/>
+            <a:off x="1726755" y="634536"/>
+            <a:ext cx="2759978" cy="2315362"/>
+          </a:xfrm>
+          <a:prstGeom prst="roundRect">
+            <a:avLst>
+              <a:gd name="adj" fmla="val 3503"/>
+            </a:avLst>
           </a:prstGeom>
           <a:noFill/>
-          <a:ln w="101600">
-            <a:solidFill>
-              <a:schemeClr val="tx1"/>
-            </a:solidFill>
-          </a:ln>
+          <a:ln w="98425"/>
         </p:spPr>
         <p:style>
           <a:lnRef idx="2">
@@ -24408,62 +23641,16 @@
           <a:lstStyle/>
           <a:p>
             <a:pPr algn="ctr"/>
-            <a:r>
-              <a:rPr lang="de-DE"/>
-              <a:t>!</a:t>
-            </a:r>
             <a:endParaRPr lang="de-CH"/>
-          </a:p>
-        </p:txBody>
-      </p:sp>
-      <p:sp>
-        <p:nvSpPr>
-          <p:cNvPr id="16" name="Textfeld 15">
-            <a:extLst>
-              <a:ext uri="{FF2B5EF4-FFF2-40B4-BE49-F238E27FC236}">
-                <a16:creationId xmlns:a16="http://schemas.microsoft.com/office/drawing/2014/main" id="{597BBB03-E2CA-4333-A588-4633D51049CF}"/>
-              </a:ext>
-            </a:extLst>
-          </p:cNvPr>
-          <p:cNvSpPr txBox="1"/>
-          <p:nvPr/>
-        </p:nvSpPr>
-        <p:spPr>
-          <a:xfrm>
-            <a:off x="2313277" y="3429000"/>
-            <a:ext cx="1031094" cy="2308324"/>
-          </a:xfrm>
-          <a:prstGeom prst="rect">
-            <a:avLst/>
-          </a:prstGeom>
-          <a:noFill/>
-        </p:spPr>
-        <p:txBody>
-          <a:bodyPr wrap="square" rtlCol="0">
-            <a:spAutoFit/>
-          </a:bodyPr>
-          <a:lstStyle/>
-          <a:p>
-            <a:r>
-              <a:rPr lang="de-DE" sz="14000" b="1">
-                <a:latin typeface="Calibri" panose="020F0502020204030204" pitchFamily="34" charset="0"/>
-                <a:cs typeface="Calibri" panose="020F0502020204030204" pitchFamily="34" charset="0"/>
-              </a:rPr>
-              <a:t>!</a:t>
-            </a:r>
-            <a:endParaRPr lang="de-CH" sz="14000" b="1">
-              <a:latin typeface="Calibri" panose="020F0502020204030204" pitchFamily="34" charset="0"/>
-              <a:cs typeface="Calibri" panose="020F0502020204030204" pitchFamily="34" charset="0"/>
-            </a:endParaRPr>
           </a:p>
         </p:txBody>
       </p:sp>
       <p:pic>
         <p:nvPicPr>
-          <p:cNvPr id="20" name="Grafik 19">
-            <a:extLst>
-              <a:ext uri="{FF2B5EF4-FFF2-40B4-BE49-F238E27FC236}">
-                <a16:creationId xmlns:a16="http://schemas.microsoft.com/office/drawing/2014/main" id="{3F1EA482-361B-45F6-A760-9ABC2CB8F7A2}"/>
+          <p:cNvPr id="66" name="Grafik 65">
+            <a:extLst>
+              <a:ext uri="{FF2B5EF4-FFF2-40B4-BE49-F238E27FC236}">
+                <a16:creationId xmlns:a16="http://schemas.microsoft.com/office/drawing/2014/main" id="{A23A22B4-AC05-4BFC-866E-2E56D2298BF6}"/>
               </a:ext>
             </a:extLst>
           </p:cNvPr>
@@ -24473,15 +23660,15 @@
           <p:nvPr/>
         </p:nvPicPr>
         <p:blipFill>
-          <a:blip r:embed="rId4"/>
+          <a:blip r:embed="rId3"/>
           <a:stretch>
             <a:fillRect/>
           </a:stretch>
         </p:blipFill>
         <p:spPr>
           <a:xfrm>
-            <a:off x="6498438" y="1761193"/>
-            <a:ext cx="1457723" cy="1464957"/>
+            <a:off x="2747634" y="1546223"/>
+            <a:ext cx="821077" cy="455882"/>
           </a:xfrm>
           <a:prstGeom prst="rect">
             <a:avLst/>
@@ -24490,10 +23677,10 @@
       </p:pic>
       <p:sp>
         <p:nvSpPr>
-          <p:cNvPr id="21" name="Ellipse 20">
-            <a:extLst>
-              <a:ext uri="{FF2B5EF4-FFF2-40B4-BE49-F238E27FC236}">
-                <a16:creationId xmlns:a16="http://schemas.microsoft.com/office/drawing/2014/main" id="{4C1CF928-6386-4C4E-981B-7E22EBDC134C}"/>
+          <p:cNvPr id="37" name="Rechteck: abgerundete Ecken 36">
+            <a:extLst>
+              <a:ext uri="{FF2B5EF4-FFF2-40B4-BE49-F238E27FC236}">
+                <a16:creationId xmlns:a16="http://schemas.microsoft.com/office/drawing/2014/main" id="{EB9ACB5B-EE04-4ECF-9817-F866BED83DF3}"/>
               </a:ext>
             </a:extLst>
           </p:cNvPr>
@@ -24502,18 +23689,16 @@
         </p:nvSpPr>
         <p:spPr>
           <a:xfrm>
-            <a:off x="4167029" y="3770841"/>
-            <a:ext cx="1620000" cy="1620000"/>
-          </a:xfrm>
-          <a:prstGeom prst="ellipse">
-            <a:avLst/>
+            <a:off x="1726755" y="3691015"/>
+            <a:ext cx="2759978" cy="2315362"/>
+          </a:xfrm>
+          <a:prstGeom prst="roundRect">
+            <a:avLst>
+              <a:gd name="adj" fmla="val 3503"/>
+            </a:avLst>
           </a:prstGeom>
           <a:noFill/>
-          <a:ln w="101600">
-            <a:solidFill>
-              <a:schemeClr val="tx1"/>
-            </a:solidFill>
-          </a:ln>
+          <a:ln w="98425"/>
         </p:spPr>
         <p:style>
           <a:lnRef idx="2">
@@ -24536,85 +23721,34 @@
           <a:lstStyle/>
           <a:p>
             <a:pPr algn="ctr"/>
-            <a:r>
-              <a:rPr lang="de-DE"/>
-              <a:t>!</a:t>
-            </a:r>
             <a:endParaRPr lang="de-CH"/>
           </a:p>
         </p:txBody>
       </p:sp>
-      <p:pic>
-        <p:nvPicPr>
-          <p:cNvPr id="1026" name="Picture 2" descr="Informationssymbol: Bilder, Stockfotos und Vektorgrafiken | Shutterstock">
-            <a:extLst>
-              <a:ext uri="{FF2B5EF4-FFF2-40B4-BE49-F238E27FC236}">
-                <a16:creationId xmlns:a16="http://schemas.microsoft.com/office/drawing/2014/main" id="{2D7E4030-48CB-4877-B28B-C3EC1845F736}"/>
-              </a:ext>
-            </a:extLst>
-          </p:cNvPr>
-          <p:cNvPicPr>
-            <a:picLocks noChangeAspect="1" noChangeArrowheads="1"/>
-          </p:cNvPicPr>
+      <p:sp>
+        <p:nvSpPr>
+          <p:cNvPr id="38" name="Rechteck: abgerundete Ecken 37">
+            <a:extLst>
+              <a:ext uri="{FF2B5EF4-FFF2-40B4-BE49-F238E27FC236}">
+                <a16:creationId xmlns:a16="http://schemas.microsoft.com/office/drawing/2014/main" id="{A78C28B8-C667-44CC-979F-82834B8C2118}"/>
+              </a:ext>
+            </a:extLst>
+          </p:cNvPr>
+          <p:cNvSpPr/>
           <p:nvPr/>
-        </p:nvPicPr>
-        <p:blipFill rotWithShape="1">
-          <a:blip r:embed="rId5">
-            <a:extLst>
-              <a:ext uri="{28A0092B-C50C-407E-A947-70E740481C1C}">
-                <a14:useLocalDpi xmlns:a14="http://schemas.microsoft.com/office/drawing/2010/main" val="0"/>
-              </a:ext>
-            </a:extLst>
-          </a:blip>
-          <a:srcRect l="26924" t="21080" r="28153" b="27777"/>
-          <a:stretch/>
-        </p:blipFill>
-        <p:spPr bwMode="auto">
-          <a:xfrm>
-            <a:off x="4454884" y="3936999"/>
-            <a:ext cx="1055369" cy="1293911"/>
-          </a:xfrm>
-          <a:prstGeom prst="ellipse">
-            <a:avLst/>
+        </p:nvSpPr>
+        <p:spPr>
+          <a:xfrm>
+            <a:off x="4715544" y="3691015"/>
+            <a:ext cx="2759978" cy="2315362"/>
+          </a:xfrm>
+          <a:prstGeom prst="roundRect">
+            <a:avLst>
+              <a:gd name="adj" fmla="val 3503"/>
+            </a:avLst>
           </a:prstGeom>
           <a:noFill/>
-          <a:extLst>
-            <a:ext uri="{909E8E84-426E-40DD-AFC4-6F175D3DCCD1}">
-              <a14:hiddenFill xmlns:a14="http://schemas.microsoft.com/office/drawing/2010/main">
-                <a:solidFill>
-                  <a:srgbClr val="FFFFFF"/>
-                </a:solidFill>
-              </a14:hiddenFill>
-            </a:ext>
-          </a:extLst>
-        </p:spPr>
-      </p:pic>
-      <p:sp>
-        <p:nvSpPr>
-          <p:cNvPr id="5" name="Rechteck 4">
-            <a:extLst>
-              <a:ext uri="{FF2B5EF4-FFF2-40B4-BE49-F238E27FC236}">
-                <a16:creationId xmlns:a16="http://schemas.microsoft.com/office/drawing/2014/main" id="{AD0A3D87-5A03-4DD8-B326-83F7C40F70F7}"/>
-              </a:ext>
-            </a:extLst>
-          </p:cNvPr>
-          <p:cNvSpPr/>
-          <p:nvPr/>
-        </p:nvSpPr>
-        <p:spPr>
-          <a:xfrm>
-            <a:off x="1923690" y="1592564"/>
-            <a:ext cx="1800000" cy="1800000"/>
-          </a:xfrm>
-          <a:prstGeom prst="rect">
-            <a:avLst/>
-          </a:prstGeom>
-          <a:noFill/>
-          <a:ln w="19050">
-            <a:solidFill>
-              <a:schemeClr val="tx1"/>
-            </a:solidFill>
-          </a:ln>
+          <a:ln w="98425"/>
         </p:spPr>
         <p:style>
           <a:lnRef idx="2">
@@ -24641,32 +23775,150 @@
           </a:p>
         </p:txBody>
       </p:sp>
-      <p:sp>
-        <p:nvSpPr>
-          <p:cNvPr id="13" name="Rechteck 12">
-            <a:extLst>
-              <a:ext uri="{FF2B5EF4-FFF2-40B4-BE49-F238E27FC236}">
-                <a16:creationId xmlns:a16="http://schemas.microsoft.com/office/drawing/2014/main" id="{D3E28E34-3AD2-498A-839A-7F8412A6A8A6}"/>
-              </a:ext>
-            </a:extLst>
-          </p:cNvPr>
-          <p:cNvSpPr/>
+      <p:pic>
+        <p:nvPicPr>
+          <p:cNvPr id="44" name="Grafik 43">
+            <a:extLst>
+              <a:ext uri="{FF2B5EF4-FFF2-40B4-BE49-F238E27FC236}">
+                <a16:creationId xmlns:a16="http://schemas.microsoft.com/office/drawing/2014/main" id="{2B417E3E-BC1F-4C35-B072-475426DCCBC3}"/>
+              </a:ext>
+            </a:extLst>
+          </p:cNvPr>
+          <p:cNvPicPr>
+            <a:picLocks noChangeAspect="1"/>
+          </p:cNvPicPr>
           <p:nvPr/>
-        </p:nvSpPr>
-        <p:spPr>
-          <a:xfrm>
-            <a:off x="6323475" y="1592564"/>
-            <a:ext cx="1800000" cy="1800000"/>
+        </p:nvPicPr>
+        <p:blipFill>
+          <a:blip r:embed="rId4"/>
+          <a:stretch>
+            <a:fillRect/>
+          </a:stretch>
+        </p:blipFill>
+        <p:spPr>
+          <a:xfrm>
+            <a:off x="6299943" y="1500197"/>
+            <a:ext cx="607512" cy="660339"/>
           </a:xfrm>
           <a:prstGeom prst="rect">
             <a:avLst/>
           </a:prstGeom>
+        </p:spPr>
+      </p:pic>
+      <p:pic>
+        <p:nvPicPr>
+          <p:cNvPr id="45" name="Grafik 44">
+            <a:extLst>
+              <a:ext uri="{FF2B5EF4-FFF2-40B4-BE49-F238E27FC236}">
+                <a16:creationId xmlns:a16="http://schemas.microsoft.com/office/drawing/2014/main" id="{008BB325-3F1A-4545-B901-5EA0383FCBDB}"/>
+              </a:ext>
+            </a:extLst>
+          </p:cNvPr>
+          <p:cNvPicPr>
+            <a:picLocks noChangeAspect="1"/>
+          </p:cNvPicPr>
+          <p:nvPr/>
+        </p:nvPicPr>
+        <p:blipFill>
+          <a:blip r:embed="rId5"/>
+          <a:stretch>
+            <a:fillRect/>
+          </a:stretch>
+        </p:blipFill>
+        <p:spPr>
+          <a:xfrm>
+            <a:off x="6270273" y="805295"/>
+            <a:ext cx="1095319" cy="607941"/>
+          </a:xfrm>
+          <a:prstGeom prst="rect">
+            <a:avLst/>
+          </a:prstGeom>
+        </p:spPr>
+      </p:pic>
+      <p:pic>
+        <p:nvPicPr>
+          <p:cNvPr id="46" name="Grafik 45">
+            <a:extLst>
+              <a:ext uri="{FF2B5EF4-FFF2-40B4-BE49-F238E27FC236}">
+                <a16:creationId xmlns:a16="http://schemas.microsoft.com/office/drawing/2014/main" id="{F667EA32-E611-4D57-810E-4E6239E7BDD6}"/>
+              </a:ext>
+            </a:extLst>
+          </p:cNvPr>
+          <p:cNvPicPr>
+            <a:picLocks noChangeAspect="1"/>
+          </p:cNvPicPr>
+          <p:nvPr/>
+        </p:nvPicPr>
+        <p:blipFill>
+          <a:blip r:embed="rId6"/>
+          <a:stretch>
+            <a:fillRect/>
+          </a:stretch>
+        </p:blipFill>
+        <p:spPr>
+          <a:xfrm>
+            <a:off x="6288273" y="2247497"/>
+            <a:ext cx="1099061" cy="610904"/>
+          </a:xfrm>
+          <a:prstGeom prst="rect">
+            <a:avLst/>
+          </a:prstGeom>
+        </p:spPr>
+      </p:pic>
+      <p:pic>
+        <p:nvPicPr>
+          <p:cNvPr id="47" name="Grafik 46">
+            <a:extLst>
+              <a:ext uri="{FF2B5EF4-FFF2-40B4-BE49-F238E27FC236}">
+                <a16:creationId xmlns:a16="http://schemas.microsoft.com/office/drawing/2014/main" id="{F38A8764-35EE-40EE-AE78-4DECAD7116A7}"/>
+              </a:ext>
+            </a:extLst>
+          </p:cNvPr>
+          <p:cNvPicPr>
+            <a:picLocks noChangeAspect="1"/>
+          </p:cNvPicPr>
+          <p:nvPr/>
+        </p:nvPicPr>
+        <p:blipFill>
+          <a:blip r:embed="rId7"/>
+          <a:stretch>
+            <a:fillRect/>
+          </a:stretch>
+        </p:blipFill>
+        <p:spPr>
+          <a:xfrm>
+            <a:off x="4943198" y="1857241"/>
+            <a:ext cx="1267811" cy="1006269"/>
+          </a:xfrm>
+          <a:prstGeom prst="rect">
+            <a:avLst/>
+          </a:prstGeom>
+        </p:spPr>
+      </p:pic>
+      <p:sp>
+        <p:nvSpPr>
+          <p:cNvPr id="48" name="Rechteck: abgerundete Ecken 47">
+            <a:extLst>
+              <a:ext uri="{FF2B5EF4-FFF2-40B4-BE49-F238E27FC236}">
+                <a16:creationId xmlns:a16="http://schemas.microsoft.com/office/drawing/2014/main" id="{79B1AAAA-A318-4C3E-B7DA-E4A3EB0D2B11}"/>
+              </a:ext>
+            </a:extLst>
+          </p:cNvPr>
+          <p:cNvSpPr/>
+          <p:nvPr/>
+        </p:nvSpPr>
+        <p:spPr>
+          <a:xfrm>
+            <a:off x="4715544" y="655846"/>
+            <a:ext cx="2759978" cy="2315362"/>
+          </a:xfrm>
+          <a:prstGeom prst="roundRect">
+            <a:avLst>
+              <a:gd name="adj" fmla="val 3503"/>
+            </a:avLst>
+          </a:prstGeom>
           <a:noFill/>
-          <a:ln w="19050">
-            <a:solidFill>
-              <a:schemeClr val="tx1"/>
-            </a:solidFill>
-          </a:ln>
+          <a:ln w="98425"/>
         </p:spPr>
         <p:style>
           <a:lnRef idx="2">
@@ -24693,32 +23945,90 @@
           </a:p>
         </p:txBody>
       </p:sp>
-      <p:sp>
-        <p:nvSpPr>
-          <p:cNvPr id="15" name="Rechteck 14">
-            <a:extLst>
-              <a:ext uri="{FF2B5EF4-FFF2-40B4-BE49-F238E27FC236}">
-                <a16:creationId xmlns:a16="http://schemas.microsoft.com/office/drawing/2014/main" id="{684195E3-9D99-49C2-B2E5-9ACAF663C387}"/>
-              </a:ext>
-            </a:extLst>
-          </p:cNvPr>
-          <p:cNvSpPr/>
+      <p:pic>
+        <p:nvPicPr>
+          <p:cNvPr id="49" name="Grafik 48">
+            <a:extLst>
+              <a:ext uri="{FF2B5EF4-FFF2-40B4-BE49-F238E27FC236}">
+                <a16:creationId xmlns:a16="http://schemas.microsoft.com/office/drawing/2014/main" id="{938639EB-0C2A-4877-BE71-0B5650D9B6B2}"/>
+              </a:ext>
+            </a:extLst>
+          </p:cNvPr>
+          <p:cNvPicPr>
+            <a:picLocks noChangeAspect="1"/>
+          </p:cNvPicPr>
           <p:nvPr/>
-        </p:nvSpPr>
-        <p:spPr>
-          <a:xfrm>
-            <a:off x="4156864" y="1592564"/>
-            <a:ext cx="1800000" cy="1800000"/>
+        </p:nvPicPr>
+        <p:blipFill>
+          <a:blip r:embed="rId8"/>
+          <a:stretch>
+            <a:fillRect/>
+          </a:stretch>
+        </p:blipFill>
+        <p:spPr>
+          <a:xfrm>
+            <a:off x="4924661" y="796000"/>
+            <a:ext cx="1262522" cy="1000681"/>
           </a:xfrm>
           <a:prstGeom prst="rect">
             <a:avLst/>
           </a:prstGeom>
+        </p:spPr>
+      </p:pic>
+      <p:pic>
+        <p:nvPicPr>
+          <p:cNvPr id="50" name="Grafik 49">
+            <a:extLst>
+              <a:ext uri="{FF2B5EF4-FFF2-40B4-BE49-F238E27FC236}">
+                <a16:creationId xmlns:a16="http://schemas.microsoft.com/office/drawing/2014/main" id="{22518688-4BF6-499D-ADE1-CF0A2BD26B46}"/>
+              </a:ext>
+            </a:extLst>
+          </p:cNvPr>
+          <p:cNvPicPr>
+            <a:picLocks noChangeAspect="1"/>
+          </p:cNvPicPr>
+          <p:nvPr/>
+        </p:nvPicPr>
+        <p:blipFill>
+          <a:blip r:embed="rId9"/>
+          <a:stretch>
+            <a:fillRect/>
+          </a:stretch>
+        </p:blipFill>
+        <p:spPr>
+          <a:xfrm>
+            <a:off x="7815935" y="1859110"/>
+            <a:ext cx="2400300" cy="292220"/>
+          </a:xfrm>
+          <a:prstGeom prst="rect">
+            <a:avLst/>
+          </a:prstGeom>
+        </p:spPr>
+      </p:pic>
+      <p:sp>
+        <p:nvSpPr>
+          <p:cNvPr id="55" name="Rechteck: abgerundete Ecken 54">
+            <a:extLst>
+              <a:ext uri="{FF2B5EF4-FFF2-40B4-BE49-F238E27FC236}">
+                <a16:creationId xmlns:a16="http://schemas.microsoft.com/office/drawing/2014/main" id="{0D9A10B1-F235-4CF6-B90B-8BE36C6E61D1}"/>
+              </a:ext>
+            </a:extLst>
+          </p:cNvPr>
+          <p:cNvSpPr/>
+          <p:nvPr/>
+        </p:nvSpPr>
+        <p:spPr>
+          <a:xfrm>
+            <a:off x="7703175" y="638999"/>
+            <a:ext cx="2759978" cy="2315362"/>
+          </a:xfrm>
+          <a:prstGeom prst="roundRect">
+            <a:avLst>
+              <a:gd name="adj" fmla="val 3503"/>
+            </a:avLst>
+          </a:prstGeom>
           <a:noFill/>
-          <a:ln w="19050">
-            <a:solidFill>
-              <a:schemeClr val="tx1"/>
-            </a:solidFill>
-          </a:ln>
+          <a:ln w="98425"/>
         </p:spPr>
         <p:style>
           <a:lnRef idx="2">
@@ -24747,10 +24057,10 @@
       </p:sp>
       <p:pic>
         <p:nvPicPr>
-          <p:cNvPr id="17" name="Grafik 16">
-            <a:extLst>
-              <a:ext uri="{FF2B5EF4-FFF2-40B4-BE49-F238E27FC236}">
-                <a16:creationId xmlns:a16="http://schemas.microsoft.com/office/drawing/2014/main" id="{BCEB351E-CB8E-4104-B62F-2ADA11C9BECF}"/>
+          <p:cNvPr id="64" name="Grafik 63">
+            <a:extLst>
+              <a:ext uri="{FF2B5EF4-FFF2-40B4-BE49-F238E27FC236}">
+                <a16:creationId xmlns:a16="http://schemas.microsoft.com/office/drawing/2014/main" id="{EDF443C3-9AB3-40E3-9CD1-0274B1BB341D}"/>
               </a:ext>
             </a:extLst>
           </p:cNvPr>
@@ -24759,77 +24069,326 @@
           </p:cNvPicPr>
           <p:nvPr/>
         </p:nvPicPr>
-        <p:blipFill rotWithShape="1">
-          <a:blip r:embed="rId6"/>
-          <a:srcRect l="2953" t="5082"/>
-          <a:stretch/>
+        <p:blipFill>
+          <a:blip r:embed="rId8"/>
+          <a:stretch>
+            <a:fillRect/>
+          </a:stretch>
         </p:blipFill>
         <p:spPr>
           <a:xfrm>
-            <a:off x="8615395" y="1724847"/>
-            <a:ext cx="1549382" cy="1515382"/>
-          </a:xfrm>
-          <a:prstGeom prst="flowChartAlternateProcess">
+            <a:off x="7912292" y="779153"/>
+            <a:ext cx="1262522" cy="1000681"/>
+          </a:xfrm>
+          <a:prstGeom prst="rect">
             <a:avLst/>
           </a:prstGeom>
         </p:spPr>
       </p:pic>
-      <p:sp>
-        <p:nvSpPr>
-          <p:cNvPr id="18" name="Rechteck 17">
-            <a:extLst>
-              <a:ext uri="{FF2B5EF4-FFF2-40B4-BE49-F238E27FC236}">
-                <a16:creationId xmlns:a16="http://schemas.microsoft.com/office/drawing/2014/main" id="{3300744A-CD69-4413-BDFB-688A8112125E}"/>
-              </a:ext>
-            </a:extLst>
-          </p:cNvPr>
-          <p:cNvSpPr/>
+      <p:pic>
+        <p:nvPicPr>
+          <p:cNvPr id="18" name="Grafik 17">
+            <a:extLst>
+              <a:ext uri="{FF2B5EF4-FFF2-40B4-BE49-F238E27FC236}">
+                <a16:creationId xmlns:a16="http://schemas.microsoft.com/office/drawing/2014/main" id="{563795D1-8F98-4CCE-BDB6-E66091465299}"/>
+              </a:ext>
+            </a:extLst>
+          </p:cNvPr>
+          <p:cNvPicPr>
+            <a:picLocks noChangeAspect="1"/>
+          </p:cNvPicPr>
           <p:nvPr/>
-        </p:nvSpPr>
-        <p:spPr>
-          <a:xfrm>
-            <a:off x="8490086" y="1592564"/>
-            <a:ext cx="1800000" cy="1800000"/>
+        </p:nvPicPr>
+        <p:blipFill>
+          <a:blip r:embed="rId10"/>
+          <a:stretch>
+            <a:fillRect/>
+          </a:stretch>
+        </p:blipFill>
+        <p:spPr>
+          <a:xfrm>
+            <a:off x="7912292" y="2187839"/>
+            <a:ext cx="610712" cy="670562"/>
+          </a:xfrm>
+          <a:prstGeom prst="rect">
+            <a:avLst/>
+          </a:prstGeom>
+        </p:spPr>
+      </p:pic>
+      <p:pic>
+        <p:nvPicPr>
+          <p:cNvPr id="20" name="Grafik 19">
+            <a:extLst>
+              <a:ext uri="{FF2B5EF4-FFF2-40B4-BE49-F238E27FC236}">
+                <a16:creationId xmlns:a16="http://schemas.microsoft.com/office/drawing/2014/main" id="{39D68A84-6587-475B-92DB-790DFD6DBC95}"/>
+              </a:ext>
+            </a:extLst>
+          </p:cNvPr>
+          <p:cNvPicPr>
+            <a:picLocks noChangeAspect="1"/>
+          </p:cNvPicPr>
+          <p:nvPr/>
+        </p:nvPicPr>
+        <p:blipFill>
+          <a:blip r:embed="rId11"/>
+          <a:stretch>
+            <a:fillRect/>
+          </a:stretch>
+        </p:blipFill>
+        <p:spPr>
+          <a:xfrm>
+            <a:off x="9671944" y="2187933"/>
+            <a:ext cx="610712" cy="670562"/>
+          </a:xfrm>
+          <a:prstGeom prst="rect">
+            <a:avLst/>
+          </a:prstGeom>
+        </p:spPr>
+      </p:pic>
+      <p:sp>
+        <p:nvSpPr>
+          <p:cNvPr id="2" name="Textfeld 1">
+            <a:extLst>
+              <a:ext uri="{FF2B5EF4-FFF2-40B4-BE49-F238E27FC236}">
+                <a16:creationId xmlns:a16="http://schemas.microsoft.com/office/drawing/2014/main" id="{F06769B9-F942-4872-B912-B6CE762DA075}"/>
+              </a:ext>
+            </a:extLst>
+          </p:cNvPr>
+          <p:cNvSpPr txBox="1"/>
+          <p:nvPr/>
+        </p:nvSpPr>
+        <p:spPr>
+          <a:xfrm>
+            <a:off x="2474613" y="269674"/>
+            <a:ext cx="774571" cy="307777"/>
           </a:xfrm>
           <a:prstGeom prst="rect">
             <a:avLst/>
           </a:prstGeom>
           <a:noFill/>
-          <a:ln w="19050">
-            <a:solidFill>
-              <a:schemeClr val="tx1"/>
-            </a:solidFill>
-          </a:ln>
-        </p:spPr>
-        <p:style>
-          <a:lnRef idx="2">
-            <a:schemeClr val="accent1">
-              <a:shade val="50000"/>
-            </a:schemeClr>
-          </a:lnRef>
-          <a:fillRef idx="1">
-            <a:schemeClr val="accent1"/>
-          </a:fillRef>
-          <a:effectRef idx="0">
-            <a:schemeClr val="accent1"/>
-          </a:effectRef>
-          <a:fontRef idx="minor">
-            <a:schemeClr val="lt1"/>
-          </a:fontRef>
-        </p:style>
-        <p:txBody>
-          <a:bodyPr rtlCol="0" anchor="ctr"/>
+        </p:spPr>
+        <p:txBody>
+          <a:bodyPr wrap="none" rtlCol="0">
+            <a:spAutoFit/>
+          </a:bodyPr>
           <a:lstStyle/>
           <a:p>
-            <a:pPr algn="ctr"/>
-            <a:endParaRPr lang="de-CH"/>
-          </a:p>
-        </p:txBody>
-      </p:sp>
+            <a:r>
+              <a:rPr lang="de-DE" sz="1400" b="1"/>
+              <a:t>pg_idle</a:t>
+            </a:r>
+            <a:endParaRPr lang="de-CH" sz="1400" b="1"/>
+          </a:p>
+        </p:txBody>
+      </p:sp>
+      <p:sp>
+        <p:nvSpPr>
+          <p:cNvPr id="25" name="Textfeld 24">
+            <a:extLst>
+              <a:ext uri="{FF2B5EF4-FFF2-40B4-BE49-F238E27FC236}">
+                <a16:creationId xmlns:a16="http://schemas.microsoft.com/office/drawing/2014/main" id="{CD32E432-2F93-4642-BABD-B586251FEA2C}"/>
+              </a:ext>
+            </a:extLst>
+          </p:cNvPr>
+          <p:cNvSpPr txBox="1"/>
+          <p:nvPr/>
+        </p:nvSpPr>
+        <p:spPr>
+          <a:xfrm>
+            <a:off x="5233177" y="236285"/>
+            <a:ext cx="1218603" cy="307777"/>
+          </a:xfrm>
+          <a:prstGeom prst="rect">
+            <a:avLst/>
+          </a:prstGeom>
+          <a:noFill/>
+        </p:spPr>
+        <p:txBody>
+          <a:bodyPr wrap="none" rtlCol="0">
+            <a:spAutoFit/>
+          </a:bodyPr>
+          <a:lstStyle/>
+          <a:p>
+            <a:r>
+              <a:rPr lang="de-DE" sz="1400" b="1"/>
+              <a:t>pg_overview</a:t>
+            </a:r>
+            <a:endParaRPr lang="de-CH" sz="1400" b="1"/>
+          </a:p>
+        </p:txBody>
+      </p:sp>
+      <p:sp>
+        <p:nvSpPr>
+          <p:cNvPr id="26" name="Textfeld 25">
+            <a:extLst>
+              <a:ext uri="{FF2B5EF4-FFF2-40B4-BE49-F238E27FC236}">
+                <a16:creationId xmlns:a16="http://schemas.microsoft.com/office/drawing/2014/main" id="{B385F429-64F0-4716-8CD3-D0528E7365E6}"/>
+              </a:ext>
+            </a:extLst>
+          </p:cNvPr>
+          <p:cNvSpPr txBox="1"/>
+          <p:nvPr/>
+        </p:nvSpPr>
+        <p:spPr>
+          <a:xfrm>
+            <a:off x="7937937" y="225024"/>
+            <a:ext cx="1191352" cy="307777"/>
+          </a:xfrm>
+          <a:prstGeom prst="rect">
+            <a:avLst/>
+          </a:prstGeom>
+          <a:noFill/>
+        </p:spPr>
+        <p:txBody>
+          <a:bodyPr wrap="none" rtlCol="0">
+            <a:spAutoFit/>
+          </a:bodyPr>
+          <a:lstStyle/>
+          <a:p>
+            <a:r>
+              <a:rPr lang="de-DE" sz="1400" b="1"/>
+              <a:t>pg_par_tens</a:t>
+            </a:r>
+            <a:endParaRPr lang="de-CH" sz="1400" b="1"/>
+          </a:p>
+        </p:txBody>
+      </p:sp>
+      <p:sp>
+        <p:nvSpPr>
+          <p:cNvPr id="30" name="Textfeld 29">
+            <a:extLst>
+              <a:ext uri="{FF2B5EF4-FFF2-40B4-BE49-F238E27FC236}">
+                <a16:creationId xmlns:a16="http://schemas.microsoft.com/office/drawing/2014/main" id="{98521751-3AEC-437A-80D9-4BB43D054BF2}"/>
+              </a:ext>
+            </a:extLst>
+          </p:cNvPr>
+          <p:cNvSpPr txBox="1"/>
+          <p:nvPr/>
+        </p:nvSpPr>
+        <p:spPr>
+          <a:xfrm>
+            <a:off x="2329100" y="3300291"/>
+            <a:ext cx="829073" cy="307777"/>
+          </a:xfrm>
+          <a:prstGeom prst="rect">
+            <a:avLst/>
+          </a:prstGeom>
+          <a:noFill/>
+        </p:spPr>
+        <p:txBody>
+          <a:bodyPr wrap="none" rtlCol="0">
+            <a:spAutoFit/>
+          </a:bodyPr>
+          <a:lstStyle/>
+          <a:p>
+            <a:r>
+              <a:rPr lang="de-DE" sz="1400" b="1"/>
+              <a:t>pg_tens</a:t>
+            </a:r>
+            <a:endParaRPr lang="de-CH" sz="1400" b="1"/>
+          </a:p>
+        </p:txBody>
+      </p:sp>
+      <p:sp>
+        <p:nvSpPr>
+          <p:cNvPr id="31" name="Textfeld 30">
+            <a:extLst>
+              <a:ext uri="{FF2B5EF4-FFF2-40B4-BE49-F238E27FC236}">
+                <a16:creationId xmlns:a16="http://schemas.microsoft.com/office/drawing/2014/main" id="{5BD8C9DD-9209-4D29-AC70-9A6C39EEE17D}"/>
+              </a:ext>
+            </a:extLst>
+          </p:cNvPr>
+          <p:cNvSpPr txBox="1"/>
+          <p:nvPr/>
+        </p:nvSpPr>
+        <p:spPr>
+          <a:xfrm>
+            <a:off x="5610871" y="3300291"/>
+            <a:ext cx="809837" cy="307777"/>
+          </a:xfrm>
+          <a:prstGeom prst="rect">
+            <a:avLst/>
+          </a:prstGeom>
+          <a:noFill/>
+        </p:spPr>
+        <p:txBody>
+          <a:bodyPr wrap="none" rtlCol="0">
+            <a:spAutoFit/>
+          </a:bodyPr>
+          <a:lstStyle/>
+          <a:p>
+            <a:r>
+              <a:rPr lang="de-DE" sz="1400" b="1"/>
+              <a:t>pg_lock</a:t>
+            </a:r>
+            <a:endParaRPr lang="de-CH" sz="1400" b="1"/>
+          </a:p>
+        </p:txBody>
+      </p:sp>
+      <p:pic>
+        <p:nvPicPr>
+          <p:cNvPr id="24" name="Grafik 23">
+            <a:extLst>
+              <a:ext uri="{FF2B5EF4-FFF2-40B4-BE49-F238E27FC236}">
+                <a16:creationId xmlns:a16="http://schemas.microsoft.com/office/drawing/2014/main" id="{5A1D7160-8FA1-4A7F-A374-5E72A7230863}"/>
+              </a:ext>
+            </a:extLst>
+          </p:cNvPr>
+          <p:cNvPicPr>
+            <a:picLocks noChangeAspect="1"/>
+          </p:cNvPicPr>
+          <p:nvPr/>
+        </p:nvPicPr>
+        <p:blipFill>
+          <a:blip r:embed="rId2"/>
+          <a:stretch>
+            <a:fillRect/>
+          </a:stretch>
+        </p:blipFill>
+        <p:spPr>
+          <a:xfrm>
+            <a:off x="3794258" y="2242289"/>
+            <a:ext cx="512637" cy="545900"/>
+          </a:xfrm>
+          <a:prstGeom prst="rect">
+            <a:avLst/>
+          </a:prstGeom>
+        </p:spPr>
+      </p:pic>
+      <p:pic>
+        <p:nvPicPr>
+          <p:cNvPr id="29" name="Grafik 28">
+            <a:extLst>
+              <a:ext uri="{FF2B5EF4-FFF2-40B4-BE49-F238E27FC236}">
+                <a16:creationId xmlns:a16="http://schemas.microsoft.com/office/drawing/2014/main" id="{A181D5DE-47B5-4404-A5BB-BD0BD7AE0365}"/>
+              </a:ext>
+            </a:extLst>
+          </p:cNvPr>
+          <p:cNvPicPr>
+            <a:picLocks noChangeAspect="1"/>
+          </p:cNvPicPr>
+          <p:nvPr/>
+        </p:nvPicPr>
+        <p:blipFill>
+          <a:blip r:embed="rId9"/>
+          <a:stretch>
+            <a:fillRect/>
+          </a:stretch>
+        </p:blipFill>
+        <p:spPr>
+          <a:xfrm>
+            <a:off x="1860840" y="5241812"/>
+            <a:ext cx="7963275" cy="1253442"/>
+          </a:xfrm>
+          <a:prstGeom prst="rect">
+            <a:avLst/>
+          </a:prstGeom>
+        </p:spPr>
+      </p:pic>
     </p:spTree>
     <p:extLst>
       <p:ext uri="{BB962C8B-B14F-4D97-AF65-F5344CB8AC3E}">
-        <p14:creationId xmlns:p14="http://schemas.microsoft.com/office/powerpoint/2010/main" val="1152148689"/>
+        <p14:creationId xmlns:p14="http://schemas.microsoft.com/office/powerpoint/2010/main" val="794223187"/>
       </p:ext>
     </p:extLst>
   </p:cSld>
@@ -24856,12 +24415,48 @@
           <a:chExt cx="0" cy="0"/>
         </a:xfrm>
       </p:grpSpPr>
+      <p:sp>
+        <p:nvSpPr>
+          <p:cNvPr id="2" name="Textfeld 1">
+            <a:extLst>
+              <a:ext uri="{FF2B5EF4-FFF2-40B4-BE49-F238E27FC236}">
+                <a16:creationId xmlns:a16="http://schemas.microsoft.com/office/drawing/2014/main" id="{425E2D21-DE2F-4D04-A946-CEE9987BD190}"/>
+              </a:ext>
+            </a:extLst>
+          </p:cNvPr>
+          <p:cNvSpPr txBox="1"/>
+          <p:nvPr/>
+        </p:nvSpPr>
+        <p:spPr>
+          <a:xfrm>
+            <a:off x="6120604" y="4350782"/>
+            <a:ext cx="2307042" cy="369332"/>
+          </a:xfrm>
+          <a:prstGeom prst="rect">
+            <a:avLst/>
+          </a:prstGeom>
+          <a:noFill/>
+        </p:spPr>
+        <p:txBody>
+          <a:bodyPr wrap="none" rtlCol="0">
+            <a:spAutoFit/>
+          </a:bodyPr>
+          <a:lstStyle/>
+          <a:p>
+            <a:r>
+              <a:rPr lang="de-DE"/>
+              <a:t>45x45px (8px Linie) </a:t>
+            </a:r>
+            <a:endParaRPr lang="de-CH"/>
+          </a:p>
+        </p:txBody>
+      </p:sp>
       <p:pic>
         <p:nvPicPr>
-          <p:cNvPr id="17" name="Grafik 16">
-            <a:extLst>
-              <a:ext uri="{FF2B5EF4-FFF2-40B4-BE49-F238E27FC236}">
-                <a16:creationId xmlns:a16="http://schemas.microsoft.com/office/drawing/2014/main" id="{DF3CD915-F78A-40AC-8442-68A4184F836E}"/>
+          <p:cNvPr id="7" name="Grafik 6">
+            <a:extLst>
+              <a:ext uri="{FF2B5EF4-FFF2-40B4-BE49-F238E27FC236}">
+                <a16:creationId xmlns:a16="http://schemas.microsoft.com/office/drawing/2014/main" id="{F6A3BCF8-AC1B-4E20-85AC-FA120BC40148}"/>
               </a:ext>
             </a:extLst>
           </p:cNvPr>
@@ -24878,20 +24473,50 @@
         </p:blipFill>
         <p:spPr>
           <a:xfrm>
-            <a:off x="1052223" y="3429000"/>
-            <a:ext cx="1722469" cy="1612858"/>
+            <a:off x="2242049" y="1703181"/>
+            <a:ext cx="1163282" cy="1522969"/>
           </a:xfrm>
           <a:prstGeom prst="rect">
             <a:avLst/>
           </a:prstGeom>
         </p:spPr>
       </p:pic>
-      <p:sp>
-        <p:nvSpPr>
-          <p:cNvPr id="19" name="Rechteck: abgerundete Ecken 18">
-            <a:extLst>
-              <a:ext uri="{FF2B5EF4-FFF2-40B4-BE49-F238E27FC236}">
-                <a16:creationId xmlns:a16="http://schemas.microsoft.com/office/drawing/2014/main" id="{D6BD5A4C-038D-4E6E-ACE7-D232EE1A82EA}"/>
+      <p:pic>
+        <p:nvPicPr>
+          <p:cNvPr id="6" name="Grafik 5">
+            <a:extLst>
+              <a:ext uri="{FF2B5EF4-FFF2-40B4-BE49-F238E27FC236}">
+                <a16:creationId xmlns:a16="http://schemas.microsoft.com/office/drawing/2014/main" id="{A0D46467-0396-4441-87D8-CAD73E6A705A}"/>
+              </a:ext>
+            </a:extLst>
+          </p:cNvPr>
+          <p:cNvPicPr>
+            <a:picLocks noChangeAspect="1"/>
+          </p:cNvPicPr>
+          <p:nvPr/>
+        </p:nvPicPr>
+        <p:blipFill>
+          <a:blip r:embed="rId3"/>
+          <a:stretch>
+            <a:fillRect/>
+          </a:stretch>
+        </p:blipFill>
+        <p:spPr>
+          <a:xfrm>
+            <a:off x="4500605" y="1761193"/>
+            <a:ext cx="1145805" cy="1480791"/>
+          </a:xfrm>
+          <a:prstGeom prst="rect">
+            <a:avLst/>
+          </a:prstGeom>
+        </p:spPr>
+      </p:pic>
+      <p:sp>
+        <p:nvSpPr>
+          <p:cNvPr id="14" name="Ellipse 13">
+            <a:extLst>
+              <a:ext uri="{FF2B5EF4-FFF2-40B4-BE49-F238E27FC236}">
+                <a16:creationId xmlns:a16="http://schemas.microsoft.com/office/drawing/2014/main" id="{CE6D46CE-B849-4F46-837B-F30A8DD28501}"/>
               </a:ext>
             </a:extLst>
           </p:cNvPr>
@@ -24900,14 +24525,14 @@
         </p:nvSpPr>
         <p:spPr>
           <a:xfrm>
-            <a:off x="8675258" y="3104317"/>
-            <a:ext cx="2340000" cy="2340000"/>
-          </a:xfrm>
-          <a:prstGeom prst="roundRect">
+            <a:off x="1923690" y="3770841"/>
+            <a:ext cx="1620000" cy="1620000"/>
+          </a:xfrm>
+          <a:prstGeom prst="ellipse">
             <a:avLst/>
           </a:prstGeom>
           <a:noFill/>
-          <a:ln w="88900">
+          <a:ln w="101600">
             <a:solidFill>
               <a:schemeClr val="tx1"/>
             </a:solidFill>
@@ -24934,16 +24559,92 @@
           <a:lstStyle/>
           <a:p>
             <a:pPr algn="ctr"/>
+            <a:r>
+              <a:rPr lang="de-DE"/>
+              <a:t>!</a:t>
+            </a:r>
             <a:endParaRPr lang="de-CH"/>
           </a:p>
         </p:txBody>
       </p:sp>
       <p:sp>
         <p:nvSpPr>
-          <p:cNvPr id="20" name="Pfeil: nach rechts 19">
-            <a:extLst>
-              <a:ext uri="{FF2B5EF4-FFF2-40B4-BE49-F238E27FC236}">
-                <a16:creationId xmlns:a16="http://schemas.microsoft.com/office/drawing/2014/main" id="{E71B20C8-7BBF-4D5B-B98D-4C53383237E0}"/>
+          <p:cNvPr id="16" name="Textfeld 15">
+            <a:extLst>
+              <a:ext uri="{FF2B5EF4-FFF2-40B4-BE49-F238E27FC236}">
+                <a16:creationId xmlns:a16="http://schemas.microsoft.com/office/drawing/2014/main" id="{597BBB03-E2CA-4333-A588-4633D51049CF}"/>
+              </a:ext>
+            </a:extLst>
+          </p:cNvPr>
+          <p:cNvSpPr txBox="1"/>
+          <p:nvPr/>
+        </p:nvSpPr>
+        <p:spPr>
+          <a:xfrm>
+            <a:off x="2313277" y="3429000"/>
+            <a:ext cx="1031094" cy="2308324"/>
+          </a:xfrm>
+          <a:prstGeom prst="rect">
+            <a:avLst/>
+          </a:prstGeom>
+          <a:noFill/>
+        </p:spPr>
+        <p:txBody>
+          <a:bodyPr wrap="square" rtlCol="0">
+            <a:spAutoFit/>
+          </a:bodyPr>
+          <a:lstStyle/>
+          <a:p>
+            <a:r>
+              <a:rPr lang="de-DE" sz="14000" b="1">
+                <a:latin typeface="Calibri" panose="020F0502020204030204" pitchFamily="34" charset="0"/>
+                <a:cs typeface="Calibri" panose="020F0502020204030204" pitchFamily="34" charset="0"/>
+              </a:rPr>
+              <a:t>!</a:t>
+            </a:r>
+            <a:endParaRPr lang="de-CH" sz="14000" b="1">
+              <a:latin typeface="Calibri" panose="020F0502020204030204" pitchFamily="34" charset="0"/>
+              <a:cs typeface="Calibri" panose="020F0502020204030204" pitchFamily="34" charset="0"/>
+            </a:endParaRPr>
+          </a:p>
+        </p:txBody>
+      </p:sp>
+      <p:pic>
+        <p:nvPicPr>
+          <p:cNvPr id="20" name="Grafik 19">
+            <a:extLst>
+              <a:ext uri="{FF2B5EF4-FFF2-40B4-BE49-F238E27FC236}">
+                <a16:creationId xmlns:a16="http://schemas.microsoft.com/office/drawing/2014/main" id="{3F1EA482-361B-45F6-A760-9ABC2CB8F7A2}"/>
+              </a:ext>
+            </a:extLst>
+          </p:cNvPr>
+          <p:cNvPicPr>
+            <a:picLocks noChangeAspect="1"/>
+          </p:cNvPicPr>
+          <p:nvPr/>
+        </p:nvPicPr>
+        <p:blipFill>
+          <a:blip r:embed="rId4"/>
+          <a:stretch>
+            <a:fillRect/>
+          </a:stretch>
+        </p:blipFill>
+        <p:spPr>
+          <a:xfrm>
+            <a:off x="6498438" y="1761193"/>
+            <a:ext cx="1457723" cy="1464957"/>
+          </a:xfrm>
+          <a:prstGeom prst="rect">
+            <a:avLst/>
+          </a:prstGeom>
+        </p:spPr>
+      </p:pic>
+      <p:sp>
+        <p:nvSpPr>
+          <p:cNvPr id="21" name="Ellipse 20">
+            <a:extLst>
+              <a:ext uri="{FF2B5EF4-FFF2-40B4-BE49-F238E27FC236}">
+                <a16:creationId xmlns:a16="http://schemas.microsoft.com/office/drawing/2014/main" id="{4C1CF928-6386-4C4E-981B-7E22EBDC134C}"/>
               </a:ext>
             </a:extLst>
           </p:cNvPr>
@@ -24952,16 +24653,14 @@
         </p:nvSpPr>
         <p:spPr>
           <a:xfrm>
-            <a:off x="9179308" y="3803291"/>
-            <a:ext cx="1331900" cy="942052"/>
-          </a:xfrm>
-          <a:prstGeom prst="rightArrow">
+            <a:off x="4167029" y="3770841"/>
+            <a:ext cx="1620000" cy="1620000"/>
+          </a:xfrm>
+          <a:prstGeom prst="ellipse">
             <a:avLst/>
           </a:prstGeom>
-          <a:solidFill>
-            <a:schemeClr val="tx1"/>
-          </a:solidFill>
-          <a:ln>
+          <a:noFill/>
+          <a:ln w="101600">
             <a:solidFill>
               <a:schemeClr val="tx1"/>
             </a:solidFill>
@@ -24988,32 +24687,81 @@
           <a:lstStyle/>
           <a:p>
             <a:pPr algn="ctr"/>
+            <a:r>
+              <a:rPr lang="de-DE"/>
+              <a:t>!</a:t>
+            </a:r>
             <a:endParaRPr lang="de-CH"/>
           </a:p>
         </p:txBody>
       </p:sp>
-      <p:sp>
-        <p:nvSpPr>
-          <p:cNvPr id="21" name="Rechteck: abgerundete Ecken 20">
-            <a:extLst>
-              <a:ext uri="{FF2B5EF4-FFF2-40B4-BE49-F238E27FC236}">
-                <a16:creationId xmlns:a16="http://schemas.microsoft.com/office/drawing/2014/main" id="{14613917-701C-42DC-8B15-420D754F2473}"/>
-              </a:ext>
-            </a:extLst>
-          </p:cNvPr>
-          <p:cNvSpPr/>
+      <p:pic>
+        <p:nvPicPr>
+          <p:cNvPr id="1026" name="Picture 2" descr="Informationssymbol: Bilder, Stockfotos und Vektorgrafiken | Shutterstock">
+            <a:extLst>
+              <a:ext uri="{FF2B5EF4-FFF2-40B4-BE49-F238E27FC236}">
+                <a16:creationId xmlns:a16="http://schemas.microsoft.com/office/drawing/2014/main" id="{2D7E4030-48CB-4877-B28B-C3EC1845F736}"/>
+              </a:ext>
+            </a:extLst>
+          </p:cNvPr>
+          <p:cNvPicPr>
+            <a:picLocks noChangeAspect="1" noChangeArrowheads="1"/>
+          </p:cNvPicPr>
           <p:nvPr/>
-        </p:nvSpPr>
-        <p:spPr>
-          <a:xfrm>
-            <a:off x="754722" y="3104317"/>
-            <a:ext cx="2340000" cy="2340000"/>
-          </a:xfrm>
-          <a:prstGeom prst="roundRect">
+        </p:nvPicPr>
+        <p:blipFill rotWithShape="1">
+          <a:blip r:embed="rId5">
+            <a:extLst>
+              <a:ext uri="{28A0092B-C50C-407E-A947-70E740481C1C}">
+                <a14:useLocalDpi xmlns:a14="http://schemas.microsoft.com/office/drawing/2010/main" val="0"/>
+              </a:ext>
+            </a:extLst>
+          </a:blip>
+          <a:srcRect l="26924" t="21080" r="28153" b="27777"/>
+          <a:stretch/>
+        </p:blipFill>
+        <p:spPr bwMode="auto">
+          <a:xfrm>
+            <a:off x="4454884" y="3936999"/>
+            <a:ext cx="1055369" cy="1293911"/>
+          </a:xfrm>
+          <a:prstGeom prst="ellipse">
             <a:avLst/>
           </a:prstGeom>
           <a:noFill/>
-          <a:ln w="88900">
+          <a:extLst>
+            <a:ext uri="{909E8E84-426E-40DD-AFC4-6F175D3DCCD1}">
+              <a14:hiddenFill xmlns:a14="http://schemas.microsoft.com/office/drawing/2010/main">
+                <a:solidFill>
+                  <a:srgbClr val="FFFFFF"/>
+                </a:solidFill>
+              </a14:hiddenFill>
+            </a:ext>
+          </a:extLst>
+        </p:spPr>
+      </p:pic>
+      <p:sp>
+        <p:nvSpPr>
+          <p:cNvPr id="5" name="Rechteck 4">
+            <a:extLst>
+              <a:ext uri="{FF2B5EF4-FFF2-40B4-BE49-F238E27FC236}">
+                <a16:creationId xmlns:a16="http://schemas.microsoft.com/office/drawing/2014/main" id="{AD0A3D87-5A03-4DD8-B326-83F7C40F70F7}"/>
+              </a:ext>
+            </a:extLst>
+          </p:cNvPr>
+          <p:cNvSpPr/>
+          <p:nvPr/>
+        </p:nvSpPr>
+        <p:spPr>
+          <a:xfrm>
+            <a:off x="1923690" y="1592564"/>
+            <a:ext cx="1800000" cy="1800000"/>
+          </a:xfrm>
+          <a:prstGeom prst="rect">
+            <a:avLst/>
+          </a:prstGeom>
+          <a:noFill/>
+          <a:ln w="19050">
             <a:solidFill>
               <a:schemeClr val="tx1"/>
             </a:solidFill>
@@ -25046,62 +24794,26 @@
       </p:sp>
       <p:sp>
         <p:nvSpPr>
-          <p:cNvPr id="15" name="Textfeld 14">
-            <a:extLst>
-              <a:ext uri="{FF2B5EF4-FFF2-40B4-BE49-F238E27FC236}">
-                <a16:creationId xmlns:a16="http://schemas.microsoft.com/office/drawing/2014/main" id="{F9AC6B72-DAC9-4002-A021-CE7068F91C01}"/>
-              </a:ext>
-            </a:extLst>
-          </p:cNvPr>
-          <p:cNvSpPr txBox="1"/>
+          <p:cNvPr id="13" name="Rechteck 12">
+            <a:extLst>
+              <a:ext uri="{FF2B5EF4-FFF2-40B4-BE49-F238E27FC236}">
+                <a16:creationId xmlns:a16="http://schemas.microsoft.com/office/drawing/2014/main" id="{D3E28E34-3AD2-498A-839A-7F8412A6A8A6}"/>
+              </a:ext>
+            </a:extLst>
+          </p:cNvPr>
+          <p:cNvSpPr/>
           <p:nvPr/>
         </p:nvSpPr>
         <p:spPr>
           <a:xfrm>
-            <a:off x="4780576" y="5937490"/>
-            <a:ext cx="2630848" cy="369332"/>
+            <a:off x="6323475" y="1592564"/>
+            <a:ext cx="1800000" cy="1800000"/>
           </a:xfrm>
           <a:prstGeom prst="rect">
             <a:avLst/>
           </a:prstGeom>
           <a:noFill/>
-        </p:spPr>
-        <p:txBody>
-          <a:bodyPr wrap="none" rtlCol="0">
-            <a:spAutoFit/>
-          </a:bodyPr>
-          <a:lstStyle/>
-          <a:p>
-            <a:r>
-              <a:rPr lang="de-DE"/>
-              <a:t>W64xH64px (7px Linie)</a:t>
-            </a:r>
-            <a:endParaRPr lang="de-CH"/>
-          </a:p>
-        </p:txBody>
-      </p:sp>
-      <p:sp>
-        <p:nvSpPr>
-          <p:cNvPr id="16" name="Rechteck: abgerundete Ecken 15">
-            <a:extLst>
-              <a:ext uri="{FF2B5EF4-FFF2-40B4-BE49-F238E27FC236}">
-                <a16:creationId xmlns:a16="http://schemas.microsoft.com/office/drawing/2014/main" id="{F52D2F7B-A4B4-41C9-AB37-B8D3E737EB0D}"/>
-              </a:ext>
-            </a:extLst>
-          </p:cNvPr>
-          <p:cNvSpPr/>
-          <p:nvPr/>
-        </p:nvSpPr>
-        <p:spPr>
-          <a:xfrm>
-            <a:off x="3361759" y="3107173"/>
-            <a:ext cx="2340000" cy="2340000"/>
-          </a:xfrm>
-          <a:prstGeom prst="roundRect">
-            <a:avLst/>
-          </a:prstGeom>
-          <a:noFill/>
-          <a:ln w="88900">
+          <a:ln w="19050">
             <a:solidFill>
               <a:schemeClr val="tx1"/>
             </a:solidFill>
@@ -25134,10 +24846,10 @@
       </p:sp>
       <p:sp>
         <p:nvSpPr>
-          <p:cNvPr id="22" name="Rechteck: abgerundete Ecken 21">
-            <a:extLst>
-              <a:ext uri="{FF2B5EF4-FFF2-40B4-BE49-F238E27FC236}">
-                <a16:creationId xmlns:a16="http://schemas.microsoft.com/office/drawing/2014/main" id="{0B572E4B-D72F-4CFB-9910-3626ABEFC5A5}"/>
+          <p:cNvPr id="15" name="Rechteck 14">
+            <a:extLst>
+              <a:ext uri="{FF2B5EF4-FFF2-40B4-BE49-F238E27FC236}">
+                <a16:creationId xmlns:a16="http://schemas.microsoft.com/office/drawing/2014/main" id="{684195E3-9D99-49C2-B2E5-9ACAF663C387}"/>
               </a:ext>
             </a:extLst>
           </p:cNvPr>
@@ -25146,14 +24858,14 @@
         </p:nvSpPr>
         <p:spPr>
           <a:xfrm>
-            <a:off x="5965515" y="3107173"/>
-            <a:ext cx="2340000" cy="2340000"/>
-          </a:xfrm>
-          <a:prstGeom prst="roundRect">
+            <a:off x="4156864" y="1592564"/>
+            <a:ext cx="1800000" cy="1800000"/>
+          </a:xfrm>
+          <a:prstGeom prst="rect">
             <a:avLst/>
           </a:prstGeom>
           <a:noFill/>
-          <a:ln w="88900">
+          <a:ln w="19050">
             <a:solidFill>
               <a:schemeClr val="tx1"/>
             </a:solidFill>
@@ -25186,10 +24898,10 @@
       </p:sp>
       <p:pic>
         <p:nvPicPr>
-          <p:cNvPr id="23" name="Grafik 22">
-            <a:extLst>
-              <a:ext uri="{FF2B5EF4-FFF2-40B4-BE49-F238E27FC236}">
-                <a16:creationId xmlns:a16="http://schemas.microsoft.com/office/drawing/2014/main" id="{D47DFBF0-99EF-4D56-801D-6217CABB55FB}"/>
+          <p:cNvPr id="17" name="Grafik 16">
+            <a:extLst>
+              <a:ext uri="{FF2B5EF4-FFF2-40B4-BE49-F238E27FC236}">
+                <a16:creationId xmlns:a16="http://schemas.microsoft.com/office/drawing/2014/main" id="{BCEB351E-CB8E-4104-B62F-2ADA11C9BECF}"/>
               </a:ext>
             </a:extLst>
           </p:cNvPr>
@@ -25198,74 +24910,43 @@
           </p:cNvPicPr>
           <p:nvPr/>
         </p:nvPicPr>
-        <p:blipFill>
-          <a:blip r:embed="rId3"/>
-          <a:stretch>
-            <a:fillRect/>
-          </a:stretch>
+        <p:blipFill rotWithShape="1">
+          <a:blip r:embed="rId6"/>
+          <a:srcRect l="2953" t="5082"/>
+          <a:stretch/>
         </p:blipFill>
         <p:spPr>
           <a:xfrm>
-            <a:off x="3898063" y="4126200"/>
-            <a:ext cx="1248870" cy="341952"/>
+            <a:off x="8615395" y="1724847"/>
+            <a:ext cx="1549382" cy="1515382"/>
+          </a:xfrm>
+          <a:prstGeom prst="flowChartAlternateProcess">
+            <a:avLst/>
+          </a:prstGeom>
+        </p:spPr>
+      </p:pic>
+      <p:sp>
+        <p:nvSpPr>
+          <p:cNvPr id="18" name="Rechteck 17">
+            <a:extLst>
+              <a:ext uri="{FF2B5EF4-FFF2-40B4-BE49-F238E27FC236}">
+                <a16:creationId xmlns:a16="http://schemas.microsoft.com/office/drawing/2014/main" id="{3300744A-CD69-4413-BDFB-688A8112125E}"/>
+              </a:ext>
+            </a:extLst>
+          </p:cNvPr>
+          <p:cNvSpPr/>
+          <p:nvPr/>
+        </p:nvSpPr>
+        <p:spPr>
+          <a:xfrm>
+            <a:off x="8490086" y="1592564"/>
+            <a:ext cx="1800000" cy="1800000"/>
           </a:xfrm>
           <a:prstGeom prst="rect">
             <a:avLst/>
           </a:prstGeom>
-        </p:spPr>
-      </p:pic>
-      <p:pic>
-        <p:nvPicPr>
-          <p:cNvPr id="24" name="Grafik 23">
-            <a:extLst>
-              <a:ext uri="{FF2B5EF4-FFF2-40B4-BE49-F238E27FC236}">
-                <a16:creationId xmlns:a16="http://schemas.microsoft.com/office/drawing/2014/main" id="{5B09D6C2-F2CC-46A9-BE41-5D606DE27C1F}"/>
-              </a:ext>
-            </a:extLst>
-          </p:cNvPr>
-          <p:cNvPicPr>
-            <a:picLocks noChangeAspect="1"/>
-          </p:cNvPicPr>
-          <p:nvPr/>
-        </p:nvPicPr>
-        <p:blipFill>
-          <a:blip r:embed="rId4"/>
-          <a:stretch>
-            <a:fillRect/>
-          </a:stretch>
-        </p:blipFill>
-        <p:spPr>
-          <a:xfrm>
-            <a:off x="6499590" y="3649647"/>
-            <a:ext cx="1271849" cy="1255051"/>
-          </a:xfrm>
-          <a:prstGeom prst="rect">
-            <a:avLst/>
-          </a:prstGeom>
-        </p:spPr>
-      </p:pic>
-      <p:sp>
-        <p:nvSpPr>
-          <p:cNvPr id="13" name="Rechteck: abgerundete Ecken 12">
-            <a:extLst>
-              <a:ext uri="{FF2B5EF4-FFF2-40B4-BE49-F238E27FC236}">
-                <a16:creationId xmlns:a16="http://schemas.microsoft.com/office/drawing/2014/main" id="{DD5A1561-25B7-458D-9C54-CE29C35BCEB4}"/>
-              </a:ext>
-            </a:extLst>
-          </p:cNvPr>
-          <p:cNvSpPr/>
-          <p:nvPr/>
-        </p:nvSpPr>
-        <p:spPr>
-          <a:xfrm>
-            <a:off x="3471642" y="999796"/>
-            <a:ext cx="4680000" cy="1620000"/>
-          </a:xfrm>
-          <a:prstGeom prst="roundRect">
-            <a:avLst/>
-          </a:prstGeom>
           <a:noFill/>
-          <a:ln w="88900">
+          <a:ln w="19050">
             <a:solidFill>
               <a:schemeClr val="tx1"/>
             </a:solidFill>
@@ -25296,50 +24977,10 @@
           </a:p>
         </p:txBody>
       </p:sp>
-      <p:sp>
-        <p:nvSpPr>
-          <p:cNvPr id="14" name="Textfeld 13">
-            <a:extLst>
-              <a:ext uri="{FF2B5EF4-FFF2-40B4-BE49-F238E27FC236}">
-                <a16:creationId xmlns:a16="http://schemas.microsoft.com/office/drawing/2014/main" id="{2F37E7FB-3702-492B-A5C4-D18CD9B41AEF}"/>
-              </a:ext>
-            </a:extLst>
-          </p:cNvPr>
-          <p:cNvSpPr txBox="1"/>
-          <p:nvPr/>
-        </p:nvSpPr>
-        <p:spPr>
-          <a:xfrm>
-            <a:off x="4014500" y="457321"/>
-            <a:ext cx="3902030" cy="369332"/>
-          </a:xfrm>
-          <a:prstGeom prst="rect">
-            <a:avLst/>
-          </a:prstGeom>
-          <a:noFill/>
-        </p:spPr>
-        <p:txBody>
-          <a:bodyPr wrap="none" rtlCol="0">
-            <a:spAutoFit/>
-          </a:bodyPr>
-          <a:lstStyle/>
-          <a:p>
-            <a:r>
-              <a:rPr lang="de-DE" u="sng"/>
-              <a:t>130</a:t>
-            </a:r>
-            <a:r>
-              <a:rPr lang="de-DE"/>
-              <a:t>x45px fine button 7px off black</a:t>
-            </a:r>
-            <a:endParaRPr lang="de-CH"/>
-          </a:p>
-        </p:txBody>
-      </p:sp>
     </p:spTree>
     <p:extLst>
       <p:ext uri="{BB962C8B-B14F-4D97-AF65-F5344CB8AC3E}">
-        <p14:creationId xmlns:p14="http://schemas.microsoft.com/office/powerpoint/2010/main" val="2068950949"/>
+        <p14:creationId xmlns:p14="http://schemas.microsoft.com/office/powerpoint/2010/main" val="1152148689"/>
       </p:ext>
     </p:extLst>
   </p:cSld>
@@ -25366,12 +25007,42 @@
           <a:chExt cx="0" cy="0"/>
         </a:xfrm>
       </p:grpSpPr>
-      <p:sp>
-        <p:nvSpPr>
-          <p:cNvPr id="11" name="Rechteck: abgerundete Ecken 10">
-            <a:extLst>
-              <a:ext uri="{FF2B5EF4-FFF2-40B4-BE49-F238E27FC236}">
-                <a16:creationId xmlns:a16="http://schemas.microsoft.com/office/drawing/2014/main" id="{75F84AD9-725D-4908-8DA0-5DF268E636C8}"/>
+      <p:pic>
+        <p:nvPicPr>
+          <p:cNvPr id="17" name="Grafik 16">
+            <a:extLst>
+              <a:ext uri="{FF2B5EF4-FFF2-40B4-BE49-F238E27FC236}">
+                <a16:creationId xmlns:a16="http://schemas.microsoft.com/office/drawing/2014/main" id="{DF3CD915-F78A-40AC-8442-68A4184F836E}"/>
+              </a:ext>
+            </a:extLst>
+          </p:cNvPr>
+          <p:cNvPicPr>
+            <a:picLocks noChangeAspect="1"/>
+          </p:cNvPicPr>
+          <p:nvPr/>
+        </p:nvPicPr>
+        <p:blipFill>
+          <a:blip r:embed="rId2"/>
+          <a:stretch>
+            <a:fillRect/>
+          </a:stretch>
+        </p:blipFill>
+        <p:spPr>
+          <a:xfrm>
+            <a:off x="1052223" y="3429000"/>
+            <a:ext cx="1722469" cy="1612858"/>
+          </a:xfrm>
+          <a:prstGeom prst="rect">
+            <a:avLst/>
+          </a:prstGeom>
+        </p:spPr>
+      </p:pic>
+      <p:sp>
+        <p:nvSpPr>
+          <p:cNvPr id="19" name="Rechteck: abgerundete Ecken 18">
+            <a:extLst>
+              <a:ext uri="{FF2B5EF4-FFF2-40B4-BE49-F238E27FC236}">
+                <a16:creationId xmlns:a16="http://schemas.microsoft.com/office/drawing/2014/main" id="{D6BD5A4C-038D-4E6E-ACE7-D232EE1A82EA}"/>
               </a:ext>
             </a:extLst>
           </p:cNvPr>
@@ -25380,14 +25051,14 @@
         </p:nvSpPr>
         <p:spPr>
           <a:xfrm>
-            <a:off x="6146800" y="3807949"/>
-            <a:ext cx="3240000" cy="1620000"/>
+            <a:off x="8675258" y="3104317"/>
+            <a:ext cx="2340000" cy="2340000"/>
           </a:xfrm>
           <a:prstGeom prst="roundRect">
             <a:avLst/>
           </a:prstGeom>
           <a:noFill/>
-          <a:ln w="76200">
+          <a:ln w="88900">
             <a:solidFill>
               <a:schemeClr val="tx1"/>
             </a:solidFill>
@@ -25418,58 +25089,30 @@
           </a:p>
         </p:txBody>
       </p:sp>
-      <p:pic>
-        <p:nvPicPr>
-          <p:cNvPr id="12" name="Grafik 11">
-            <a:extLst>
-              <a:ext uri="{FF2B5EF4-FFF2-40B4-BE49-F238E27FC236}">
-                <a16:creationId xmlns:a16="http://schemas.microsoft.com/office/drawing/2014/main" id="{C3619D09-EAFD-4C74-BF9C-8C30E92C0D8B}"/>
-              </a:ext>
-            </a:extLst>
-          </p:cNvPr>
-          <p:cNvPicPr>
-            <a:picLocks noChangeAspect="1"/>
-          </p:cNvPicPr>
+      <p:sp>
+        <p:nvSpPr>
+          <p:cNvPr id="20" name="Pfeil: nach rechts 19">
+            <a:extLst>
+              <a:ext uri="{FF2B5EF4-FFF2-40B4-BE49-F238E27FC236}">
+                <a16:creationId xmlns:a16="http://schemas.microsoft.com/office/drawing/2014/main" id="{E71B20C8-7BBF-4D5B-B98D-4C53383237E0}"/>
+              </a:ext>
+            </a:extLst>
+          </p:cNvPr>
+          <p:cNvSpPr/>
           <p:nvPr/>
-        </p:nvPicPr>
-        <p:blipFill>
-          <a:blip r:embed="rId2"/>
-          <a:stretch>
-            <a:fillRect/>
-          </a:stretch>
-        </p:blipFill>
-        <p:spPr>
-          <a:xfrm>
-            <a:off x="6368050" y="4095582"/>
-            <a:ext cx="2704609" cy="987515"/>
-          </a:xfrm>
-          <a:prstGeom prst="rect">
+        </p:nvSpPr>
+        <p:spPr>
+          <a:xfrm>
+            <a:off x="9179308" y="3803291"/>
+            <a:ext cx="1331900" cy="942052"/>
+          </a:xfrm>
+          <a:prstGeom prst="rightArrow">
             <a:avLst/>
           </a:prstGeom>
-        </p:spPr>
-      </p:pic>
-      <p:sp>
-        <p:nvSpPr>
-          <p:cNvPr id="13" name="Rechteck: abgerundete Ecken 12">
-            <a:extLst>
-              <a:ext uri="{FF2B5EF4-FFF2-40B4-BE49-F238E27FC236}">
-                <a16:creationId xmlns:a16="http://schemas.microsoft.com/office/drawing/2014/main" id="{7F58B9B9-B055-4DAF-A382-9CB818AB1E60}"/>
-              </a:ext>
-            </a:extLst>
-          </p:cNvPr>
-          <p:cNvSpPr/>
-          <p:nvPr/>
-        </p:nvSpPr>
-        <p:spPr>
-          <a:xfrm>
-            <a:off x="6943636" y="1327019"/>
-            <a:ext cx="3240000" cy="1620000"/>
-          </a:xfrm>
-          <a:prstGeom prst="roundRect">
-            <a:avLst/>
-          </a:prstGeom>
-          <a:noFill/>
-          <a:ln w="76200">
+          <a:solidFill>
+            <a:schemeClr val="tx1"/>
+          </a:solidFill>
+          <a:ln>
             <a:solidFill>
               <a:schemeClr val="tx1"/>
             </a:solidFill>
@@ -25500,12 +25143,204 @@
           </a:p>
         </p:txBody>
       </p:sp>
+      <p:sp>
+        <p:nvSpPr>
+          <p:cNvPr id="21" name="Rechteck: abgerundete Ecken 20">
+            <a:extLst>
+              <a:ext uri="{FF2B5EF4-FFF2-40B4-BE49-F238E27FC236}">
+                <a16:creationId xmlns:a16="http://schemas.microsoft.com/office/drawing/2014/main" id="{14613917-701C-42DC-8B15-420D754F2473}"/>
+              </a:ext>
+            </a:extLst>
+          </p:cNvPr>
+          <p:cNvSpPr/>
+          <p:nvPr/>
+        </p:nvSpPr>
+        <p:spPr>
+          <a:xfrm>
+            <a:off x="754722" y="3104317"/>
+            <a:ext cx="2340000" cy="2340000"/>
+          </a:xfrm>
+          <a:prstGeom prst="roundRect">
+            <a:avLst/>
+          </a:prstGeom>
+          <a:noFill/>
+          <a:ln w="88900">
+            <a:solidFill>
+              <a:schemeClr val="tx1"/>
+            </a:solidFill>
+          </a:ln>
+        </p:spPr>
+        <p:style>
+          <a:lnRef idx="2">
+            <a:schemeClr val="accent1">
+              <a:shade val="50000"/>
+            </a:schemeClr>
+          </a:lnRef>
+          <a:fillRef idx="1">
+            <a:schemeClr val="accent1"/>
+          </a:fillRef>
+          <a:effectRef idx="0">
+            <a:schemeClr val="accent1"/>
+          </a:effectRef>
+          <a:fontRef idx="minor">
+            <a:schemeClr val="lt1"/>
+          </a:fontRef>
+        </p:style>
+        <p:txBody>
+          <a:bodyPr rtlCol="0" anchor="ctr"/>
+          <a:lstStyle/>
+          <a:p>
+            <a:pPr algn="ctr"/>
+            <a:endParaRPr lang="de-CH"/>
+          </a:p>
+        </p:txBody>
+      </p:sp>
+      <p:sp>
+        <p:nvSpPr>
+          <p:cNvPr id="15" name="Textfeld 14">
+            <a:extLst>
+              <a:ext uri="{FF2B5EF4-FFF2-40B4-BE49-F238E27FC236}">
+                <a16:creationId xmlns:a16="http://schemas.microsoft.com/office/drawing/2014/main" id="{F9AC6B72-DAC9-4002-A021-CE7068F91C01}"/>
+              </a:ext>
+            </a:extLst>
+          </p:cNvPr>
+          <p:cNvSpPr txBox="1"/>
+          <p:nvPr/>
+        </p:nvSpPr>
+        <p:spPr>
+          <a:xfrm>
+            <a:off x="4780576" y="5937490"/>
+            <a:ext cx="2630848" cy="369332"/>
+          </a:xfrm>
+          <a:prstGeom prst="rect">
+            <a:avLst/>
+          </a:prstGeom>
+          <a:noFill/>
+        </p:spPr>
+        <p:txBody>
+          <a:bodyPr wrap="none" rtlCol="0">
+            <a:spAutoFit/>
+          </a:bodyPr>
+          <a:lstStyle/>
+          <a:p>
+            <a:r>
+              <a:rPr lang="de-DE"/>
+              <a:t>W64xH64px (7px Linie)</a:t>
+            </a:r>
+            <a:endParaRPr lang="de-CH"/>
+          </a:p>
+        </p:txBody>
+      </p:sp>
+      <p:sp>
+        <p:nvSpPr>
+          <p:cNvPr id="16" name="Rechteck: abgerundete Ecken 15">
+            <a:extLst>
+              <a:ext uri="{FF2B5EF4-FFF2-40B4-BE49-F238E27FC236}">
+                <a16:creationId xmlns:a16="http://schemas.microsoft.com/office/drawing/2014/main" id="{F52D2F7B-A4B4-41C9-AB37-B8D3E737EB0D}"/>
+              </a:ext>
+            </a:extLst>
+          </p:cNvPr>
+          <p:cNvSpPr/>
+          <p:nvPr/>
+        </p:nvSpPr>
+        <p:spPr>
+          <a:xfrm>
+            <a:off x="3361759" y="3107173"/>
+            <a:ext cx="2340000" cy="2340000"/>
+          </a:xfrm>
+          <a:prstGeom prst="roundRect">
+            <a:avLst/>
+          </a:prstGeom>
+          <a:noFill/>
+          <a:ln w="88900">
+            <a:solidFill>
+              <a:schemeClr val="tx1"/>
+            </a:solidFill>
+          </a:ln>
+        </p:spPr>
+        <p:style>
+          <a:lnRef idx="2">
+            <a:schemeClr val="accent1">
+              <a:shade val="50000"/>
+            </a:schemeClr>
+          </a:lnRef>
+          <a:fillRef idx="1">
+            <a:schemeClr val="accent1"/>
+          </a:fillRef>
+          <a:effectRef idx="0">
+            <a:schemeClr val="accent1"/>
+          </a:effectRef>
+          <a:fontRef idx="minor">
+            <a:schemeClr val="lt1"/>
+          </a:fontRef>
+        </p:style>
+        <p:txBody>
+          <a:bodyPr rtlCol="0" anchor="ctr"/>
+          <a:lstStyle/>
+          <a:p>
+            <a:pPr algn="ctr"/>
+            <a:endParaRPr lang="de-CH"/>
+          </a:p>
+        </p:txBody>
+      </p:sp>
+      <p:sp>
+        <p:nvSpPr>
+          <p:cNvPr id="22" name="Rechteck: abgerundete Ecken 21">
+            <a:extLst>
+              <a:ext uri="{FF2B5EF4-FFF2-40B4-BE49-F238E27FC236}">
+                <a16:creationId xmlns:a16="http://schemas.microsoft.com/office/drawing/2014/main" id="{0B572E4B-D72F-4CFB-9910-3626ABEFC5A5}"/>
+              </a:ext>
+            </a:extLst>
+          </p:cNvPr>
+          <p:cNvSpPr/>
+          <p:nvPr/>
+        </p:nvSpPr>
+        <p:spPr>
+          <a:xfrm>
+            <a:off x="5965515" y="3107173"/>
+            <a:ext cx="2340000" cy="2340000"/>
+          </a:xfrm>
+          <a:prstGeom prst="roundRect">
+            <a:avLst/>
+          </a:prstGeom>
+          <a:noFill/>
+          <a:ln w="88900">
+            <a:solidFill>
+              <a:schemeClr val="tx1"/>
+            </a:solidFill>
+          </a:ln>
+        </p:spPr>
+        <p:style>
+          <a:lnRef idx="2">
+            <a:schemeClr val="accent1">
+              <a:shade val="50000"/>
+            </a:schemeClr>
+          </a:lnRef>
+          <a:fillRef idx="1">
+            <a:schemeClr val="accent1"/>
+          </a:fillRef>
+          <a:effectRef idx="0">
+            <a:schemeClr val="accent1"/>
+          </a:effectRef>
+          <a:fontRef idx="minor">
+            <a:schemeClr val="lt1"/>
+          </a:fontRef>
+        </p:style>
+        <p:txBody>
+          <a:bodyPr rtlCol="0" anchor="ctr"/>
+          <a:lstStyle/>
+          <a:p>
+            <a:pPr algn="ctr"/>
+            <a:endParaRPr lang="de-CH"/>
+          </a:p>
+        </p:txBody>
+      </p:sp>
       <p:pic>
         <p:nvPicPr>
-          <p:cNvPr id="14" name="Grafik 13">
-            <a:extLst>
-              <a:ext uri="{FF2B5EF4-FFF2-40B4-BE49-F238E27FC236}">
-                <a16:creationId xmlns:a16="http://schemas.microsoft.com/office/drawing/2014/main" id="{95E8C225-6E60-4C32-ACF1-34D401FFE629}"/>
+          <p:cNvPr id="23" name="Grafik 22">
+            <a:extLst>
+              <a:ext uri="{FF2B5EF4-FFF2-40B4-BE49-F238E27FC236}">
+                <a16:creationId xmlns:a16="http://schemas.microsoft.com/office/drawing/2014/main" id="{D47DFBF0-99EF-4D56-801D-6217CABB55FB}"/>
               </a:ext>
             </a:extLst>
           </p:cNvPr>
@@ -25522,18 +25357,140 @@
         </p:blipFill>
         <p:spPr>
           <a:xfrm>
-            <a:off x="7647489" y="1446379"/>
-            <a:ext cx="1830384" cy="1401599"/>
+            <a:off x="3898063" y="4126200"/>
+            <a:ext cx="1248870" cy="341952"/>
           </a:xfrm>
           <a:prstGeom prst="rect">
             <a:avLst/>
           </a:prstGeom>
         </p:spPr>
       </p:pic>
+      <p:pic>
+        <p:nvPicPr>
+          <p:cNvPr id="24" name="Grafik 23">
+            <a:extLst>
+              <a:ext uri="{FF2B5EF4-FFF2-40B4-BE49-F238E27FC236}">
+                <a16:creationId xmlns:a16="http://schemas.microsoft.com/office/drawing/2014/main" id="{5B09D6C2-F2CC-46A9-BE41-5D606DE27C1F}"/>
+              </a:ext>
+            </a:extLst>
+          </p:cNvPr>
+          <p:cNvPicPr>
+            <a:picLocks noChangeAspect="1"/>
+          </p:cNvPicPr>
+          <p:nvPr/>
+        </p:nvPicPr>
+        <p:blipFill>
+          <a:blip r:embed="rId4"/>
+          <a:stretch>
+            <a:fillRect/>
+          </a:stretch>
+        </p:blipFill>
+        <p:spPr>
+          <a:xfrm>
+            <a:off x="6499590" y="3649647"/>
+            <a:ext cx="1271849" cy="1255051"/>
+          </a:xfrm>
+          <a:prstGeom prst="rect">
+            <a:avLst/>
+          </a:prstGeom>
+        </p:spPr>
+      </p:pic>
+      <p:sp>
+        <p:nvSpPr>
+          <p:cNvPr id="13" name="Rechteck: abgerundete Ecken 12">
+            <a:extLst>
+              <a:ext uri="{FF2B5EF4-FFF2-40B4-BE49-F238E27FC236}">
+                <a16:creationId xmlns:a16="http://schemas.microsoft.com/office/drawing/2014/main" id="{DD5A1561-25B7-458D-9C54-CE29C35BCEB4}"/>
+              </a:ext>
+            </a:extLst>
+          </p:cNvPr>
+          <p:cNvSpPr/>
+          <p:nvPr/>
+        </p:nvSpPr>
+        <p:spPr>
+          <a:xfrm>
+            <a:off x="3471642" y="999796"/>
+            <a:ext cx="4680000" cy="1620000"/>
+          </a:xfrm>
+          <a:prstGeom prst="roundRect">
+            <a:avLst/>
+          </a:prstGeom>
+          <a:noFill/>
+          <a:ln w="88900">
+            <a:solidFill>
+              <a:schemeClr val="tx1"/>
+            </a:solidFill>
+          </a:ln>
+        </p:spPr>
+        <p:style>
+          <a:lnRef idx="2">
+            <a:schemeClr val="accent1">
+              <a:shade val="50000"/>
+            </a:schemeClr>
+          </a:lnRef>
+          <a:fillRef idx="1">
+            <a:schemeClr val="accent1"/>
+          </a:fillRef>
+          <a:effectRef idx="0">
+            <a:schemeClr val="accent1"/>
+          </a:effectRef>
+          <a:fontRef idx="minor">
+            <a:schemeClr val="lt1"/>
+          </a:fontRef>
+        </p:style>
+        <p:txBody>
+          <a:bodyPr rtlCol="0" anchor="ctr"/>
+          <a:lstStyle/>
+          <a:p>
+            <a:pPr algn="ctr"/>
+            <a:endParaRPr lang="de-CH"/>
+          </a:p>
+        </p:txBody>
+      </p:sp>
+      <p:sp>
+        <p:nvSpPr>
+          <p:cNvPr id="14" name="Textfeld 13">
+            <a:extLst>
+              <a:ext uri="{FF2B5EF4-FFF2-40B4-BE49-F238E27FC236}">
+                <a16:creationId xmlns:a16="http://schemas.microsoft.com/office/drawing/2014/main" id="{2F37E7FB-3702-492B-A5C4-D18CD9B41AEF}"/>
+              </a:ext>
+            </a:extLst>
+          </p:cNvPr>
+          <p:cNvSpPr txBox="1"/>
+          <p:nvPr/>
+        </p:nvSpPr>
+        <p:spPr>
+          <a:xfrm>
+            <a:off x="4014500" y="457321"/>
+            <a:ext cx="3902030" cy="369332"/>
+          </a:xfrm>
+          <a:prstGeom prst="rect">
+            <a:avLst/>
+          </a:prstGeom>
+          <a:noFill/>
+        </p:spPr>
+        <p:txBody>
+          <a:bodyPr wrap="none" rtlCol="0">
+            <a:spAutoFit/>
+          </a:bodyPr>
+          <a:lstStyle/>
+          <a:p>
+            <a:r>
+              <a:rPr lang="de-DE" u="sng"/>
+              <a:t>130</a:t>
+            </a:r>
+            <a:r>
+              <a:rPr lang="de-DE"/>
+              <a:t>x45px fine button 7px off black</a:t>
+            </a:r>
+            <a:endParaRPr lang="de-CH"/>
+          </a:p>
+        </p:txBody>
+      </p:sp>
     </p:spTree>
     <p:extLst>
       <p:ext uri="{BB962C8B-B14F-4D97-AF65-F5344CB8AC3E}">
-        <p14:creationId xmlns:p14="http://schemas.microsoft.com/office/powerpoint/2010/main" val="3229423990"/>
+        <p14:creationId xmlns:p14="http://schemas.microsoft.com/office/powerpoint/2010/main" val="2068950949"/>
       </p:ext>
     </p:extLst>
   </p:cSld>
@@ -25562,10 +25519,10 @@
       </p:grpSpPr>
       <p:sp>
         <p:nvSpPr>
-          <p:cNvPr id="9" name="Rechteck: abgerundete Ecken 8">
-            <a:extLst>
-              <a:ext uri="{FF2B5EF4-FFF2-40B4-BE49-F238E27FC236}">
-                <a16:creationId xmlns:a16="http://schemas.microsoft.com/office/drawing/2014/main" id="{427474A6-2D78-4DB5-AA5F-309C9F825028}"/>
+          <p:cNvPr id="11" name="Rechteck: abgerundete Ecken 10">
+            <a:extLst>
+              <a:ext uri="{FF2B5EF4-FFF2-40B4-BE49-F238E27FC236}">
+                <a16:creationId xmlns:a16="http://schemas.microsoft.com/office/drawing/2014/main" id="{75F84AD9-725D-4908-8DA0-5DF268E636C8}"/>
               </a:ext>
             </a:extLst>
           </p:cNvPr>
@@ -25574,16 +25531,16 @@
         </p:nvSpPr>
         <p:spPr>
           <a:xfrm>
-            <a:off x="9407509" y="1445422"/>
-            <a:ext cx="1800000" cy="1800000"/>
+            <a:off x="6146800" y="3807949"/>
+            <a:ext cx="3240000" cy="1620000"/>
           </a:xfrm>
           <a:prstGeom prst="roundRect">
             <a:avLst/>
           </a:prstGeom>
           <a:noFill/>
-          <a:ln w="63500">
+          <a:ln w="76200">
             <a:solidFill>
-              <a:srgbClr val="282828"/>
+              <a:schemeClr val="tx1"/>
             </a:solidFill>
           </a:ln>
         </p:spPr>
@@ -25612,48 +25569,42 @@
           </a:p>
         </p:txBody>
       </p:sp>
-      <p:sp>
-        <p:nvSpPr>
-          <p:cNvPr id="10" name="Textfeld 9">
-            <a:extLst>
-              <a:ext uri="{FF2B5EF4-FFF2-40B4-BE49-F238E27FC236}">
-                <a16:creationId xmlns:a16="http://schemas.microsoft.com/office/drawing/2014/main" id="{4D1B96D4-4F2E-45B3-B354-45152B6725B7}"/>
-              </a:ext>
-            </a:extLst>
-          </p:cNvPr>
-          <p:cNvSpPr txBox="1"/>
+      <p:pic>
+        <p:nvPicPr>
+          <p:cNvPr id="12" name="Grafik 11">
+            <a:extLst>
+              <a:ext uri="{FF2B5EF4-FFF2-40B4-BE49-F238E27FC236}">
+                <a16:creationId xmlns:a16="http://schemas.microsoft.com/office/drawing/2014/main" id="{C3619D09-EAFD-4C74-BF9C-8C30E92C0D8B}"/>
+              </a:ext>
+            </a:extLst>
+          </p:cNvPr>
+          <p:cNvPicPr>
+            <a:picLocks noChangeAspect="1"/>
+          </p:cNvPicPr>
           <p:nvPr/>
-        </p:nvSpPr>
-        <p:spPr>
-          <a:xfrm>
-            <a:off x="9553722" y="354196"/>
-            <a:ext cx="1939997" cy="923330"/>
+        </p:nvPicPr>
+        <p:blipFill>
+          <a:blip r:embed="rId2"/>
+          <a:stretch>
+            <a:fillRect/>
+          </a:stretch>
+        </p:blipFill>
+        <p:spPr>
+          <a:xfrm>
+            <a:off x="6368050" y="4095582"/>
+            <a:ext cx="2704609" cy="987515"/>
           </a:xfrm>
           <a:prstGeom prst="rect">
             <a:avLst/>
           </a:prstGeom>
-          <a:noFill/>
-        </p:spPr>
-        <p:txBody>
-          <a:bodyPr wrap="square" rtlCol="0">
-            <a:spAutoFit/>
-          </a:bodyPr>
-          <a:lstStyle/>
-          <a:p>
-            <a:r>
-              <a:rPr lang="de-DE"/>
-              <a:t>50x50px fine button 5px off black</a:t>
-            </a:r>
-            <a:endParaRPr lang="de-CH"/>
-          </a:p>
-        </p:txBody>
-      </p:sp>
-      <p:sp>
-        <p:nvSpPr>
-          <p:cNvPr id="11" name="Pfeil: nach rechts 10">
-            <a:extLst>
-              <a:ext uri="{FF2B5EF4-FFF2-40B4-BE49-F238E27FC236}">
-                <a16:creationId xmlns:a16="http://schemas.microsoft.com/office/drawing/2014/main" id="{995E6D45-8911-4082-955D-48F68C8D53CE}"/>
+        </p:spPr>
+      </p:pic>
+      <p:sp>
+        <p:nvSpPr>
+          <p:cNvPr id="13" name="Rechteck: abgerundete Ecken 12">
+            <a:extLst>
+              <a:ext uri="{FF2B5EF4-FFF2-40B4-BE49-F238E27FC236}">
+                <a16:creationId xmlns:a16="http://schemas.microsoft.com/office/drawing/2014/main" id="{7F58B9B9-B055-4DAF-A382-9CB818AB1E60}"/>
               </a:ext>
             </a:extLst>
           </p:cNvPr>
@@ -25662,18 +25613,16 @@
         </p:nvSpPr>
         <p:spPr>
           <a:xfrm>
-            <a:off x="9714868" y="1914228"/>
-            <a:ext cx="1247554" cy="882265"/>
-          </a:xfrm>
-          <a:prstGeom prst="rightArrow">
+            <a:off x="6943636" y="1327019"/>
+            <a:ext cx="3240000" cy="1620000"/>
+          </a:xfrm>
+          <a:prstGeom prst="roundRect">
             <a:avLst/>
           </a:prstGeom>
-          <a:solidFill>
-            <a:srgbClr val="282828"/>
-          </a:solidFill>
-          <a:ln>
+          <a:noFill/>
+          <a:ln w="76200">
             <a:solidFill>
-              <a:srgbClr val="282828"/>
+              <a:schemeClr val="tx1"/>
             </a:solidFill>
           </a:ln>
         </p:spPr>
@@ -25702,181 +25651,12 @@
           </a:p>
         </p:txBody>
       </p:sp>
-      <p:sp>
-        <p:nvSpPr>
-          <p:cNvPr id="12" name="Rechteck: abgerundete Ecken 11">
-            <a:extLst>
-              <a:ext uri="{FF2B5EF4-FFF2-40B4-BE49-F238E27FC236}">
-                <a16:creationId xmlns:a16="http://schemas.microsoft.com/office/drawing/2014/main" id="{0F2D2EA2-2077-4AB7-8E69-57255A7ACDD8}"/>
-              </a:ext>
-            </a:extLst>
-          </p:cNvPr>
-          <p:cNvSpPr/>
-          <p:nvPr/>
-        </p:nvSpPr>
-        <p:spPr>
-          <a:xfrm>
-            <a:off x="1106557" y="3624312"/>
-            <a:ext cx="1800000" cy="1800000"/>
-          </a:xfrm>
-          <a:prstGeom prst="roundRect">
-            <a:avLst/>
-          </a:prstGeom>
-          <a:noFill/>
-          <a:ln w="50800">
-            <a:solidFill>
-              <a:srgbClr val="282828"/>
-            </a:solidFill>
-          </a:ln>
-        </p:spPr>
-        <p:style>
-          <a:lnRef idx="2">
-            <a:schemeClr val="accent1">
-              <a:shade val="50000"/>
-            </a:schemeClr>
-          </a:lnRef>
-          <a:fillRef idx="1">
-            <a:schemeClr val="accent1"/>
-          </a:fillRef>
-          <a:effectRef idx="0">
-            <a:schemeClr val="accent1"/>
-          </a:effectRef>
-          <a:fontRef idx="minor">
-            <a:schemeClr val="lt1"/>
-          </a:fontRef>
-        </p:style>
-        <p:txBody>
-          <a:bodyPr rtlCol="0" anchor="ctr"/>
-          <a:lstStyle/>
-          <a:p>
-            <a:pPr algn="ctr"/>
-            <a:endParaRPr lang="de-CH"/>
-          </a:p>
-        </p:txBody>
-      </p:sp>
       <p:pic>
         <p:nvPicPr>
           <p:cNvPr id="14" name="Grafik 13">
             <a:extLst>
               <a:ext uri="{FF2B5EF4-FFF2-40B4-BE49-F238E27FC236}">
-                <a16:creationId xmlns:a16="http://schemas.microsoft.com/office/drawing/2014/main" id="{8B2FF7BD-245C-4556-B4B9-84E0282A722E}"/>
-              </a:ext>
-            </a:extLst>
-          </p:cNvPr>
-          <p:cNvPicPr>
-            <a:picLocks noChangeAspect="1"/>
-          </p:cNvPicPr>
-          <p:nvPr/>
-        </p:nvPicPr>
-        <p:blipFill rotWithShape="1">
-          <a:blip r:embed="rId2"/>
-          <a:srcRect l="2953" t="5082"/>
-          <a:stretch/>
-        </p:blipFill>
-        <p:spPr>
-          <a:xfrm>
-            <a:off x="1282880" y="3811809"/>
-            <a:ext cx="1462531" cy="1430437"/>
-          </a:xfrm>
-          <a:prstGeom prst="flowChartAlternateProcess">
-            <a:avLst/>
-          </a:prstGeom>
-        </p:spPr>
-      </p:pic>
-      <p:sp>
-        <p:nvSpPr>
-          <p:cNvPr id="15" name="Textfeld 14">
-            <a:extLst>
-              <a:ext uri="{FF2B5EF4-FFF2-40B4-BE49-F238E27FC236}">
-                <a16:creationId xmlns:a16="http://schemas.microsoft.com/office/drawing/2014/main" id="{137F0AB8-0C98-4384-AF2A-982A40858FE0}"/>
-              </a:ext>
-            </a:extLst>
-          </p:cNvPr>
-          <p:cNvSpPr txBox="1"/>
-          <p:nvPr/>
-        </p:nvSpPr>
-        <p:spPr>
-          <a:xfrm>
-            <a:off x="1400322" y="354196"/>
-            <a:ext cx="1939997" cy="923330"/>
-          </a:xfrm>
-          <a:prstGeom prst="rect">
-            <a:avLst/>
-          </a:prstGeom>
-          <a:noFill/>
-        </p:spPr>
-        <p:txBody>
-          <a:bodyPr wrap="square" rtlCol="0">
-            <a:spAutoFit/>
-          </a:bodyPr>
-          <a:lstStyle/>
-          <a:p>
-            <a:r>
-              <a:rPr lang="de-DE"/>
-              <a:t>50x50px fine button 5px off black</a:t>
-            </a:r>
-            <a:endParaRPr lang="de-CH"/>
-          </a:p>
-        </p:txBody>
-      </p:sp>
-      <p:sp>
-        <p:nvSpPr>
-          <p:cNvPr id="17" name="Rechteck: abgerundete Ecken 16">
-            <a:extLst>
-              <a:ext uri="{FF2B5EF4-FFF2-40B4-BE49-F238E27FC236}">
-                <a16:creationId xmlns:a16="http://schemas.microsoft.com/office/drawing/2014/main" id="{9FE07C07-B241-497D-8157-7E564DFFF95F}"/>
-              </a:ext>
-            </a:extLst>
-          </p:cNvPr>
-          <p:cNvSpPr/>
-          <p:nvPr/>
-        </p:nvSpPr>
-        <p:spPr>
-          <a:xfrm>
-            <a:off x="3237896" y="3624312"/>
-            <a:ext cx="1800000" cy="1800000"/>
-          </a:xfrm>
-          <a:prstGeom prst="roundRect">
-            <a:avLst/>
-          </a:prstGeom>
-          <a:noFill/>
-          <a:ln w="50800">
-            <a:solidFill>
-              <a:srgbClr val="282828"/>
-            </a:solidFill>
-          </a:ln>
-        </p:spPr>
-        <p:style>
-          <a:lnRef idx="2">
-            <a:schemeClr val="accent1">
-              <a:shade val="50000"/>
-            </a:schemeClr>
-          </a:lnRef>
-          <a:fillRef idx="1">
-            <a:schemeClr val="accent1"/>
-          </a:fillRef>
-          <a:effectRef idx="0">
-            <a:schemeClr val="accent1"/>
-          </a:effectRef>
-          <a:fontRef idx="minor">
-            <a:schemeClr val="lt1"/>
-          </a:fontRef>
-        </p:style>
-        <p:txBody>
-          <a:bodyPr rtlCol="0" anchor="ctr"/>
-          <a:lstStyle/>
-          <a:p>
-            <a:pPr algn="ctr"/>
-            <a:endParaRPr lang="de-CH"/>
-          </a:p>
-        </p:txBody>
-      </p:sp>
-      <p:pic>
-        <p:nvPicPr>
-          <p:cNvPr id="18" name="Grafik 17">
-            <a:extLst>
-              <a:ext uri="{FF2B5EF4-FFF2-40B4-BE49-F238E27FC236}">
-                <a16:creationId xmlns:a16="http://schemas.microsoft.com/office/drawing/2014/main" id="{290DA949-AAFD-4F09-835B-1EC533FFED1B}"/>
+                <a16:creationId xmlns:a16="http://schemas.microsoft.com/office/drawing/2014/main" id="{95E8C225-6E60-4C32-ACF1-34D401FFE629}"/>
               </a:ext>
             </a:extLst>
           </p:cNvPr>
@@ -25893,172 +25673,8 @@
         </p:blipFill>
         <p:spPr>
           <a:xfrm>
-            <a:off x="3424984" y="3811809"/>
-            <a:ext cx="1435794" cy="1442919"/>
-          </a:xfrm>
-          <a:prstGeom prst="rect">
-            <a:avLst/>
-          </a:prstGeom>
-        </p:spPr>
-      </p:pic>
-      <p:sp>
-        <p:nvSpPr>
-          <p:cNvPr id="13" name="Rechteck: abgerundete Ecken 12">
-            <a:extLst>
-              <a:ext uri="{FF2B5EF4-FFF2-40B4-BE49-F238E27FC236}">
-                <a16:creationId xmlns:a16="http://schemas.microsoft.com/office/drawing/2014/main" id="{CA98B636-AE33-4181-8D1E-98B5E88D7085}"/>
-              </a:ext>
-            </a:extLst>
-          </p:cNvPr>
-          <p:cNvSpPr/>
-          <p:nvPr/>
-        </p:nvSpPr>
-        <p:spPr>
-          <a:xfrm>
-            <a:off x="9450706" y="3413318"/>
-            <a:ext cx="1800000" cy="1800000"/>
-          </a:xfrm>
-          <a:prstGeom prst="roundRect">
-            <a:avLst/>
-          </a:prstGeom>
-          <a:noFill/>
-          <a:ln w="63500">
-            <a:solidFill>
-              <a:srgbClr val="282828"/>
-            </a:solidFill>
-          </a:ln>
-        </p:spPr>
-        <p:style>
-          <a:lnRef idx="2">
-            <a:schemeClr val="accent1">
-              <a:shade val="50000"/>
-            </a:schemeClr>
-          </a:lnRef>
-          <a:fillRef idx="1">
-            <a:schemeClr val="accent1"/>
-          </a:fillRef>
-          <a:effectRef idx="0">
-            <a:schemeClr val="accent1"/>
-          </a:effectRef>
-          <a:fontRef idx="minor">
-            <a:schemeClr val="lt1"/>
-          </a:fontRef>
-        </p:style>
-        <p:txBody>
-          <a:bodyPr rtlCol="0" anchor="ctr"/>
-          <a:lstStyle/>
-          <a:p>
-            <a:pPr algn="ctr"/>
-            <a:endParaRPr lang="de-CH"/>
-          </a:p>
-        </p:txBody>
-      </p:sp>
-      <p:pic>
-        <p:nvPicPr>
-          <p:cNvPr id="3" name="Grafik 2">
-            <a:extLst>
-              <a:ext uri="{FF2B5EF4-FFF2-40B4-BE49-F238E27FC236}">
-                <a16:creationId xmlns:a16="http://schemas.microsoft.com/office/drawing/2014/main" id="{DBC084FE-4F14-402B-A167-40C335AFE33E}"/>
-              </a:ext>
-            </a:extLst>
-          </p:cNvPr>
-          <p:cNvPicPr>
-            <a:picLocks noChangeAspect="1"/>
-          </p:cNvPicPr>
-          <p:nvPr/>
-        </p:nvPicPr>
-        <p:blipFill>
-          <a:blip r:embed="rId4"/>
-          <a:stretch>
-            <a:fillRect/>
-          </a:stretch>
-        </p:blipFill>
-        <p:spPr>
-          <a:xfrm>
-            <a:off x="9642062" y="3617906"/>
-            <a:ext cx="1417288" cy="1390824"/>
-          </a:xfrm>
-          <a:prstGeom prst="rect">
-            <a:avLst/>
-          </a:prstGeom>
-        </p:spPr>
-      </p:pic>
-      <p:sp>
-        <p:nvSpPr>
-          <p:cNvPr id="16" name="Rechteck: abgerundete Ecken 15">
-            <a:extLst>
-              <a:ext uri="{FF2B5EF4-FFF2-40B4-BE49-F238E27FC236}">
-                <a16:creationId xmlns:a16="http://schemas.microsoft.com/office/drawing/2014/main" id="{ABB819D0-FC2D-458C-AF75-EE97B6EF4F33}"/>
-              </a:ext>
-            </a:extLst>
-          </p:cNvPr>
-          <p:cNvSpPr/>
-          <p:nvPr/>
-        </p:nvSpPr>
-        <p:spPr>
-          <a:xfrm>
-            <a:off x="7046621" y="3413318"/>
-            <a:ext cx="1800000" cy="1800000"/>
-          </a:xfrm>
-          <a:prstGeom prst="roundRect">
-            <a:avLst/>
-          </a:prstGeom>
-          <a:noFill/>
-          <a:ln w="63500">
-            <a:solidFill>
-              <a:srgbClr val="282828"/>
-            </a:solidFill>
-          </a:ln>
-        </p:spPr>
-        <p:style>
-          <a:lnRef idx="2">
-            <a:schemeClr val="accent1">
-              <a:shade val="50000"/>
-            </a:schemeClr>
-          </a:lnRef>
-          <a:fillRef idx="1">
-            <a:schemeClr val="accent1"/>
-          </a:fillRef>
-          <a:effectRef idx="0">
-            <a:schemeClr val="accent1"/>
-          </a:effectRef>
-          <a:fontRef idx="minor">
-            <a:schemeClr val="lt1"/>
-          </a:fontRef>
-        </p:style>
-        <p:txBody>
-          <a:bodyPr rtlCol="0" anchor="ctr"/>
-          <a:lstStyle/>
-          <a:p>
-            <a:pPr algn="ctr"/>
-            <a:endParaRPr lang="de-CH"/>
-          </a:p>
-        </p:txBody>
-      </p:sp>
-      <p:pic>
-        <p:nvPicPr>
-          <p:cNvPr id="5" name="Grafik 4">
-            <a:extLst>
-              <a:ext uri="{FF2B5EF4-FFF2-40B4-BE49-F238E27FC236}">
-                <a16:creationId xmlns:a16="http://schemas.microsoft.com/office/drawing/2014/main" id="{CD30028D-A696-49DB-B892-D59957F35295}"/>
-              </a:ext>
-            </a:extLst>
-          </p:cNvPr>
-          <p:cNvPicPr>
-            <a:picLocks noChangeAspect="1"/>
-          </p:cNvPicPr>
-          <p:nvPr/>
-        </p:nvPicPr>
-        <p:blipFill>
-          <a:blip r:embed="rId5"/>
-          <a:stretch>
-            <a:fillRect/>
-          </a:stretch>
-        </p:blipFill>
-        <p:spPr>
-          <a:xfrm>
-            <a:off x="7252022" y="3629946"/>
-            <a:ext cx="1431745" cy="1405011"/>
+            <a:off x="7647489" y="1446379"/>
+            <a:ext cx="1830384" cy="1401599"/>
           </a:xfrm>
           <a:prstGeom prst="rect">
             <a:avLst/>
@@ -26068,7 +25684,7 @@
     </p:spTree>
     <p:extLst>
       <p:ext uri="{BB962C8B-B14F-4D97-AF65-F5344CB8AC3E}">
-        <p14:creationId xmlns:p14="http://schemas.microsoft.com/office/powerpoint/2010/main" val="2707967264"/>
+        <p14:creationId xmlns:p14="http://schemas.microsoft.com/office/powerpoint/2010/main" val="3229423990"/>
       </p:ext>
     </p:extLst>
   </p:cSld>
@@ -26095,12 +25711,323 @@
           <a:chExt cx="0" cy="0"/>
         </a:xfrm>
       </p:grpSpPr>
+      <p:sp>
+        <p:nvSpPr>
+          <p:cNvPr id="9" name="Rechteck: abgerundete Ecken 8">
+            <a:extLst>
+              <a:ext uri="{FF2B5EF4-FFF2-40B4-BE49-F238E27FC236}">
+                <a16:creationId xmlns:a16="http://schemas.microsoft.com/office/drawing/2014/main" id="{427474A6-2D78-4DB5-AA5F-309C9F825028}"/>
+              </a:ext>
+            </a:extLst>
+          </p:cNvPr>
+          <p:cNvSpPr/>
+          <p:nvPr/>
+        </p:nvSpPr>
+        <p:spPr>
+          <a:xfrm>
+            <a:off x="9407509" y="1445422"/>
+            <a:ext cx="1800000" cy="1800000"/>
+          </a:xfrm>
+          <a:prstGeom prst="roundRect">
+            <a:avLst/>
+          </a:prstGeom>
+          <a:noFill/>
+          <a:ln w="63500">
+            <a:solidFill>
+              <a:srgbClr val="282828"/>
+            </a:solidFill>
+          </a:ln>
+        </p:spPr>
+        <p:style>
+          <a:lnRef idx="2">
+            <a:schemeClr val="accent1">
+              <a:shade val="50000"/>
+            </a:schemeClr>
+          </a:lnRef>
+          <a:fillRef idx="1">
+            <a:schemeClr val="accent1"/>
+          </a:fillRef>
+          <a:effectRef idx="0">
+            <a:schemeClr val="accent1"/>
+          </a:effectRef>
+          <a:fontRef idx="minor">
+            <a:schemeClr val="lt1"/>
+          </a:fontRef>
+        </p:style>
+        <p:txBody>
+          <a:bodyPr rtlCol="0" anchor="ctr"/>
+          <a:lstStyle/>
+          <a:p>
+            <a:pPr algn="ctr"/>
+            <a:endParaRPr lang="de-CH"/>
+          </a:p>
+        </p:txBody>
+      </p:sp>
+      <p:sp>
+        <p:nvSpPr>
+          <p:cNvPr id="10" name="Textfeld 9">
+            <a:extLst>
+              <a:ext uri="{FF2B5EF4-FFF2-40B4-BE49-F238E27FC236}">
+                <a16:creationId xmlns:a16="http://schemas.microsoft.com/office/drawing/2014/main" id="{4D1B96D4-4F2E-45B3-B354-45152B6725B7}"/>
+              </a:ext>
+            </a:extLst>
+          </p:cNvPr>
+          <p:cNvSpPr txBox="1"/>
+          <p:nvPr/>
+        </p:nvSpPr>
+        <p:spPr>
+          <a:xfrm>
+            <a:off x="9553722" y="354196"/>
+            <a:ext cx="1939997" cy="923330"/>
+          </a:xfrm>
+          <a:prstGeom prst="rect">
+            <a:avLst/>
+          </a:prstGeom>
+          <a:noFill/>
+        </p:spPr>
+        <p:txBody>
+          <a:bodyPr wrap="square" rtlCol="0">
+            <a:spAutoFit/>
+          </a:bodyPr>
+          <a:lstStyle/>
+          <a:p>
+            <a:r>
+              <a:rPr lang="de-DE"/>
+              <a:t>50x50px fine button 5px off black</a:t>
+            </a:r>
+            <a:endParaRPr lang="de-CH"/>
+          </a:p>
+        </p:txBody>
+      </p:sp>
+      <p:sp>
+        <p:nvSpPr>
+          <p:cNvPr id="11" name="Pfeil: nach rechts 10">
+            <a:extLst>
+              <a:ext uri="{FF2B5EF4-FFF2-40B4-BE49-F238E27FC236}">
+                <a16:creationId xmlns:a16="http://schemas.microsoft.com/office/drawing/2014/main" id="{995E6D45-8911-4082-955D-48F68C8D53CE}"/>
+              </a:ext>
+            </a:extLst>
+          </p:cNvPr>
+          <p:cNvSpPr/>
+          <p:nvPr/>
+        </p:nvSpPr>
+        <p:spPr>
+          <a:xfrm>
+            <a:off x="9714868" y="1914228"/>
+            <a:ext cx="1247554" cy="882265"/>
+          </a:xfrm>
+          <a:prstGeom prst="rightArrow">
+            <a:avLst/>
+          </a:prstGeom>
+          <a:solidFill>
+            <a:srgbClr val="282828"/>
+          </a:solidFill>
+          <a:ln>
+            <a:solidFill>
+              <a:srgbClr val="282828"/>
+            </a:solidFill>
+          </a:ln>
+        </p:spPr>
+        <p:style>
+          <a:lnRef idx="2">
+            <a:schemeClr val="accent1">
+              <a:shade val="50000"/>
+            </a:schemeClr>
+          </a:lnRef>
+          <a:fillRef idx="1">
+            <a:schemeClr val="accent1"/>
+          </a:fillRef>
+          <a:effectRef idx="0">
+            <a:schemeClr val="accent1"/>
+          </a:effectRef>
+          <a:fontRef idx="minor">
+            <a:schemeClr val="lt1"/>
+          </a:fontRef>
+        </p:style>
+        <p:txBody>
+          <a:bodyPr rtlCol="0" anchor="ctr"/>
+          <a:lstStyle/>
+          <a:p>
+            <a:pPr algn="ctr"/>
+            <a:endParaRPr lang="de-CH"/>
+          </a:p>
+        </p:txBody>
+      </p:sp>
+      <p:sp>
+        <p:nvSpPr>
+          <p:cNvPr id="12" name="Rechteck: abgerundete Ecken 11">
+            <a:extLst>
+              <a:ext uri="{FF2B5EF4-FFF2-40B4-BE49-F238E27FC236}">
+                <a16:creationId xmlns:a16="http://schemas.microsoft.com/office/drawing/2014/main" id="{0F2D2EA2-2077-4AB7-8E69-57255A7ACDD8}"/>
+              </a:ext>
+            </a:extLst>
+          </p:cNvPr>
+          <p:cNvSpPr/>
+          <p:nvPr/>
+        </p:nvSpPr>
+        <p:spPr>
+          <a:xfrm>
+            <a:off x="1106557" y="3624312"/>
+            <a:ext cx="1800000" cy="1800000"/>
+          </a:xfrm>
+          <a:prstGeom prst="roundRect">
+            <a:avLst/>
+          </a:prstGeom>
+          <a:noFill/>
+          <a:ln w="50800">
+            <a:solidFill>
+              <a:srgbClr val="282828"/>
+            </a:solidFill>
+          </a:ln>
+        </p:spPr>
+        <p:style>
+          <a:lnRef idx="2">
+            <a:schemeClr val="accent1">
+              <a:shade val="50000"/>
+            </a:schemeClr>
+          </a:lnRef>
+          <a:fillRef idx="1">
+            <a:schemeClr val="accent1"/>
+          </a:fillRef>
+          <a:effectRef idx="0">
+            <a:schemeClr val="accent1"/>
+          </a:effectRef>
+          <a:fontRef idx="minor">
+            <a:schemeClr val="lt1"/>
+          </a:fontRef>
+        </p:style>
+        <p:txBody>
+          <a:bodyPr rtlCol="0" anchor="ctr"/>
+          <a:lstStyle/>
+          <a:p>
+            <a:pPr algn="ctr"/>
+            <a:endParaRPr lang="de-CH"/>
+          </a:p>
+        </p:txBody>
+      </p:sp>
       <p:pic>
         <p:nvPicPr>
-          <p:cNvPr id="10" name="Grafik 9">
-            <a:extLst>
-              <a:ext uri="{FF2B5EF4-FFF2-40B4-BE49-F238E27FC236}">
-                <a16:creationId xmlns:a16="http://schemas.microsoft.com/office/drawing/2014/main" id="{C1F689F8-CDC5-422D-ADDA-D8A135823384}"/>
+          <p:cNvPr id="14" name="Grafik 13">
+            <a:extLst>
+              <a:ext uri="{FF2B5EF4-FFF2-40B4-BE49-F238E27FC236}">
+                <a16:creationId xmlns:a16="http://schemas.microsoft.com/office/drawing/2014/main" id="{8B2FF7BD-245C-4556-B4B9-84E0282A722E}"/>
+              </a:ext>
+            </a:extLst>
+          </p:cNvPr>
+          <p:cNvPicPr>
+            <a:picLocks noChangeAspect="1"/>
+          </p:cNvPicPr>
+          <p:nvPr/>
+        </p:nvPicPr>
+        <p:blipFill rotWithShape="1">
+          <a:blip r:embed="rId2"/>
+          <a:srcRect l="2953" t="5082"/>
+          <a:stretch/>
+        </p:blipFill>
+        <p:spPr>
+          <a:xfrm>
+            <a:off x="1282880" y="3811809"/>
+            <a:ext cx="1462531" cy="1430437"/>
+          </a:xfrm>
+          <a:prstGeom prst="flowChartAlternateProcess">
+            <a:avLst/>
+          </a:prstGeom>
+        </p:spPr>
+      </p:pic>
+      <p:sp>
+        <p:nvSpPr>
+          <p:cNvPr id="15" name="Textfeld 14">
+            <a:extLst>
+              <a:ext uri="{FF2B5EF4-FFF2-40B4-BE49-F238E27FC236}">
+                <a16:creationId xmlns:a16="http://schemas.microsoft.com/office/drawing/2014/main" id="{137F0AB8-0C98-4384-AF2A-982A40858FE0}"/>
+              </a:ext>
+            </a:extLst>
+          </p:cNvPr>
+          <p:cNvSpPr txBox="1"/>
+          <p:nvPr/>
+        </p:nvSpPr>
+        <p:spPr>
+          <a:xfrm>
+            <a:off x="1400322" y="354196"/>
+            <a:ext cx="1939997" cy="923330"/>
+          </a:xfrm>
+          <a:prstGeom prst="rect">
+            <a:avLst/>
+          </a:prstGeom>
+          <a:noFill/>
+        </p:spPr>
+        <p:txBody>
+          <a:bodyPr wrap="square" rtlCol="0">
+            <a:spAutoFit/>
+          </a:bodyPr>
+          <a:lstStyle/>
+          <a:p>
+            <a:r>
+              <a:rPr lang="de-DE"/>
+              <a:t>50x50px fine button 5px off black</a:t>
+            </a:r>
+            <a:endParaRPr lang="de-CH"/>
+          </a:p>
+        </p:txBody>
+      </p:sp>
+      <p:sp>
+        <p:nvSpPr>
+          <p:cNvPr id="17" name="Rechteck: abgerundete Ecken 16">
+            <a:extLst>
+              <a:ext uri="{FF2B5EF4-FFF2-40B4-BE49-F238E27FC236}">
+                <a16:creationId xmlns:a16="http://schemas.microsoft.com/office/drawing/2014/main" id="{9FE07C07-B241-497D-8157-7E564DFFF95F}"/>
+              </a:ext>
+            </a:extLst>
+          </p:cNvPr>
+          <p:cNvSpPr/>
+          <p:nvPr/>
+        </p:nvSpPr>
+        <p:spPr>
+          <a:xfrm>
+            <a:off x="3237896" y="3624312"/>
+            <a:ext cx="1800000" cy="1800000"/>
+          </a:xfrm>
+          <a:prstGeom prst="roundRect">
+            <a:avLst/>
+          </a:prstGeom>
+          <a:noFill/>
+          <a:ln w="50800">
+            <a:solidFill>
+              <a:srgbClr val="282828"/>
+            </a:solidFill>
+          </a:ln>
+        </p:spPr>
+        <p:style>
+          <a:lnRef idx="2">
+            <a:schemeClr val="accent1">
+              <a:shade val="50000"/>
+            </a:schemeClr>
+          </a:lnRef>
+          <a:fillRef idx="1">
+            <a:schemeClr val="accent1"/>
+          </a:fillRef>
+          <a:effectRef idx="0">
+            <a:schemeClr val="accent1"/>
+          </a:effectRef>
+          <a:fontRef idx="minor">
+            <a:schemeClr val="lt1"/>
+          </a:fontRef>
+        </p:style>
+        <p:txBody>
+          <a:bodyPr rtlCol="0" anchor="ctr"/>
+          <a:lstStyle/>
+          <a:p>
+            <a:pPr algn="ctr"/>
+            <a:endParaRPr lang="de-CH"/>
+          </a:p>
+        </p:txBody>
+      </p:sp>
+      <p:pic>
+        <p:nvPicPr>
+          <p:cNvPr id="18" name="Grafik 17">
+            <a:extLst>
+              <a:ext uri="{FF2B5EF4-FFF2-40B4-BE49-F238E27FC236}">
+                <a16:creationId xmlns:a16="http://schemas.microsoft.com/office/drawing/2014/main" id="{290DA949-AAFD-4F09-835B-1EC533FFED1B}"/>
               </a:ext>
             </a:extLst>
           </p:cNvPr>
@@ -26110,15 +26037,179 @@
           <p:nvPr/>
         </p:nvPicPr>
         <p:blipFill>
-          <a:blip r:embed="rId2"/>
+          <a:blip r:embed="rId3"/>
           <a:stretch>
             <a:fillRect/>
           </a:stretch>
         </p:blipFill>
         <p:spPr>
           <a:xfrm>
-            <a:off x="2445452" y="827617"/>
-            <a:ext cx="6802181" cy="5202766"/>
+            <a:off x="3424984" y="3811809"/>
+            <a:ext cx="1435794" cy="1442919"/>
+          </a:xfrm>
+          <a:prstGeom prst="rect">
+            <a:avLst/>
+          </a:prstGeom>
+        </p:spPr>
+      </p:pic>
+      <p:sp>
+        <p:nvSpPr>
+          <p:cNvPr id="13" name="Rechteck: abgerundete Ecken 12">
+            <a:extLst>
+              <a:ext uri="{FF2B5EF4-FFF2-40B4-BE49-F238E27FC236}">
+                <a16:creationId xmlns:a16="http://schemas.microsoft.com/office/drawing/2014/main" id="{CA98B636-AE33-4181-8D1E-98B5E88D7085}"/>
+              </a:ext>
+            </a:extLst>
+          </p:cNvPr>
+          <p:cNvSpPr/>
+          <p:nvPr/>
+        </p:nvSpPr>
+        <p:spPr>
+          <a:xfrm>
+            <a:off x="9450706" y="3413318"/>
+            <a:ext cx="1800000" cy="1800000"/>
+          </a:xfrm>
+          <a:prstGeom prst="roundRect">
+            <a:avLst/>
+          </a:prstGeom>
+          <a:noFill/>
+          <a:ln w="63500">
+            <a:solidFill>
+              <a:srgbClr val="282828"/>
+            </a:solidFill>
+          </a:ln>
+        </p:spPr>
+        <p:style>
+          <a:lnRef idx="2">
+            <a:schemeClr val="accent1">
+              <a:shade val="50000"/>
+            </a:schemeClr>
+          </a:lnRef>
+          <a:fillRef idx="1">
+            <a:schemeClr val="accent1"/>
+          </a:fillRef>
+          <a:effectRef idx="0">
+            <a:schemeClr val="accent1"/>
+          </a:effectRef>
+          <a:fontRef idx="minor">
+            <a:schemeClr val="lt1"/>
+          </a:fontRef>
+        </p:style>
+        <p:txBody>
+          <a:bodyPr rtlCol="0" anchor="ctr"/>
+          <a:lstStyle/>
+          <a:p>
+            <a:pPr algn="ctr"/>
+            <a:endParaRPr lang="de-CH"/>
+          </a:p>
+        </p:txBody>
+      </p:sp>
+      <p:pic>
+        <p:nvPicPr>
+          <p:cNvPr id="3" name="Grafik 2">
+            <a:extLst>
+              <a:ext uri="{FF2B5EF4-FFF2-40B4-BE49-F238E27FC236}">
+                <a16:creationId xmlns:a16="http://schemas.microsoft.com/office/drawing/2014/main" id="{DBC084FE-4F14-402B-A167-40C335AFE33E}"/>
+              </a:ext>
+            </a:extLst>
+          </p:cNvPr>
+          <p:cNvPicPr>
+            <a:picLocks noChangeAspect="1"/>
+          </p:cNvPicPr>
+          <p:nvPr/>
+        </p:nvPicPr>
+        <p:blipFill>
+          <a:blip r:embed="rId4"/>
+          <a:stretch>
+            <a:fillRect/>
+          </a:stretch>
+        </p:blipFill>
+        <p:spPr>
+          <a:xfrm>
+            <a:off x="9642062" y="3617906"/>
+            <a:ext cx="1417288" cy="1390824"/>
+          </a:xfrm>
+          <a:prstGeom prst="rect">
+            <a:avLst/>
+          </a:prstGeom>
+        </p:spPr>
+      </p:pic>
+      <p:sp>
+        <p:nvSpPr>
+          <p:cNvPr id="16" name="Rechteck: abgerundete Ecken 15">
+            <a:extLst>
+              <a:ext uri="{FF2B5EF4-FFF2-40B4-BE49-F238E27FC236}">
+                <a16:creationId xmlns:a16="http://schemas.microsoft.com/office/drawing/2014/main" id="{ABB819D0-FC2D-458C-AF75-EE97B6EF4F33}"/>
+              </a:ext>
+            </a:extLst>
+          </p:cNvPr>
+          <p:cNvSpPr/>
+          <p:nvPr/>
+        </p:nvSpPr>
+        <p:spPr>
+          <a:xfrm>
+            <a:off x="7046621" y="3413318"/>
+            <a:ext cx="1800000" cy="1800000"/>
+          </a:xfrm>
+          <a:prstGeom prst="roundRect">
+            <a:avLst/>
+          </a:prstGeom>
+          <a:noFill/>
+          <a:ln w="63500">
+            <a:solidFill>
+              <a:srgbClr val="282828"/>
+            </a:solidFill>
+          </a:ln>
+        </p:spPr>
+        <p:style>
+          <a:lnRef idx="2">
+            <a:schemeClr val="accent1">
+              <a:shade val="50000"/>
+            </a:schemeClr>
+          </a:lnRef>
+          <a:fillRef idx="1">
+            <a:schemeClr val="accent1"/>
+          </a:fillRef>
+          <a:effectRef idx="0">
+            <a:schemeClr val="accent1"/>
+          </a:effectRef>
+          <a:fontRef idx="minor">
+            <a:schemeClr val="lt1"/>
+          </a:fontRef>
+        </p:style>
+        <p:txBody>
+          <a:bodyPr rtlCol="0" anchor="ctr"/>
+          <a:lstStyle/>
+          <a:p>
+            <a:pPr algn="ctr"/>
+            <a:endParaRPr lang="de-CH"/>
+          </a:p>
+        </p:txBody>
+      </p:sp>
+      <p:pic>
+        <p:nvPicPr>
+          <p:cNvPr id="5" name="Grafik 4">
+            <a:extLst>
+              <a:ext uri="{FF2B5EF4-FFF2-40B4-BE49-F238E27FC236}">
+                <a16:creationId xmlns:a16="http://schemas.microsoft.com/office/drawing/2014/main" id="{CD30028D-A696-49DB-B892-D59957F35295}"/>
+              </a:ext>
+            </a:extLst>
+          </p:cNvPr>
+          <p:cNvPicPr>
+            <a:picLocks noChangeAspect="1"/>
+          </p:cNvPicPr>
+          <p:nvPr/>
+        </p:nvPicPr>
+        <p:blipFill>
+          <a:blip r:embed="rId5"/>
+          <a:stretch>
+            <a:fillRect/>
+          </a:stretch>
+        </p:blipFill>
+        <p:spPr>
+          <a:xfrm>
+            <a:off x="7252022" y="3629946"/>
+            <a:ext cx="1431745" cy="1405011"/>
           </a:xfrm>
           <a:prstGeom prst="rect">
             <a:avLst/>
@@ -26128,7 +26219,7 @@
     </p:spTree>
     <p:extLst>
       <p:ext uri="{BB962C8B-B14F-4D97-AF65-F5344CB8AC3E}">
-        <p14:creationId xmlns:p14="http://schemas.microsoft.com/office/powerpoint/2010/main" val="2656008603"/>
+        <p14:creationId xmlns:p14="http://schemas.microsoft.com/office/powerpoint/2010/main" val="2707967264"/>
       </p:ext>
     </p:extLst>
   </p:cSld>
@@ -26157,10 +26248,10 @@
       </p:grpSpPr>
       <p:pic>
         <p:nvPicPr>
-          <p:cNvPr id="26" name="Grafik 25">
-            <a:extLst>
-              <a:ext uri="{FF2B5EF4-FFF2-40B4-BE49-F238E27FC236}">
-                <a16:creationId xmlns:a16="http://schemas.microsoft.com/office/drawing/2014/main" id="{6EA6CA62-2D8A-4239-A0B2-DA8168FB9EFC}"/>
+          <p:cNvPr id="10" name="Grafik 9">
+            <a:extLst>
+              <a:ext uri="{FF2B5EF4-FFF2-40B4-BE49-F238E27FC236}">
+                <a16:creationId xmlns:a16="http://schemas.microsoft.com/office/drawing/2014/main" id="{C1F689F8-CDC5-422D-ADDA-D8A135823384}"/>
               </a:ext>
             </a:extLst>
           </p:cNvPr>
@@ -26177,463 +26268,8 @@
         </p:blipFill>
         <p:spPr>
           <a:xfrm>
-            <a:off x="4577025" y="5715309"/>
-            <a:ext cx="776303" cy="848540"/>
-          </a:xfrm>
-          <a:prstGeom prst="rect">
-            <a:avLst/>
-          </a:prstGeom>
-        </p:spPr>
-      </p:pic>
-      <p:sp>
-        <p:nvSpPr>
-          <p:cNvPr id="3" name="Textplatzhalter 2">
-            <a:extLst>
-              <a:ext uri="{FF2B5EF4-FFF2-40B4-BE49-F238E27FC236}">
-                <a16:creationId xmlns:a16="http://schemas.microsoft.com/office/drawing/2014/main" id="{FEEE160A-5232-4A23-AAC4-4C16D6FE2E54}"/>
-              </a:ext>
-            </a:extLst>
-          </p:cNvPr>
-          <p:cNvSpPr>
-            <a:spLocks noGrp="1"/>
-          </p:cNvSpPr>
-          <p:nvPr>
-            <p:ph type="body" sz="quarter" idx="16"/>
-          </p:nvPr>
-        </p:nvSpPr>
-        <p:spPr/>
-        <p:txBody>
-          <a:bodyPr/>
-          <a:lstStyle/>
-          <a:p>
-            <a:r>
-              <a:rPr lang="de-DE">
-                <a:highlight>
-                  <a:srgbClr val="E9A827"/>
-                </a:highlight>
-              </a:rPr>
-              <a:t>1821-152-109</a:t>
-            </a:r>
-            <a:endParaRPr lang="de-CH">
-              <a:highlight>
-                <a:srgbClr val="E9A827"/>
-              </a:highlight>
-            </a:endParaRPr>
-          </a:p>
-        </p:txBody>
-      </p:sp>
-      <p:pic>
-        <p:nvPicPr>
-          <p:cNvPr id="15" name="Grafik 14">
-            <a:extLst>
-              <a:ext uri="{FF2B5EF4-FFF2-40B4-BE49-F238E27FC236}">
-                <a16:creationId xmlns:a16="http://schemas.microsoft.com/office/drawing/2014/main" id="{7BDBD530-3A7F-4924-97E3-752EB8629EA6}"/>
-              </a:ext>
-            </a:extLst>
-          </p:cNvPr>
-          <p:cNvPicPr>
-            <a:picLocks noChangeAspect="1"/>
-          </p:cNvPicPr>
-          <p:nvPr/>
-        </p:nvPicPr>
-        <p:blipFill>
-          <a:blip r:embed="rId3"/>
-          <a:stretch>
-            <a:fillRect/>
-          </a:stretch>
-        </p:blipFill>
-        <p:spPr>
-          <a:xfrm>
-            <a:off x="5841106" y="2760255"/>
-            <a:ext cx="1193679" cy="1297476"/>
-          </a:xfrm>
-          <a:prstGeom prst="rect">
-            <a:avLst/>
-          </a:prstGeom>
-        </p:spPr>
-      </p:pic>
-      <p:pic>
-        <p:nvPicPr>
-          <p:cNvPr id="29" name="Grafik 28">
-            <a:extLst>
-              <a:ext uri="{FF2B5EF4-FFF2-40B4-BE49-F238E27FC236}">
-                <a16:creationId xmlns:a16="http://schemas.microsoft.com/office/drawing/2014/main" id="{A181D5DE-47B5-4404-A5BB-BD0BD7AE0365}"/>
-              </a:ext>
-            </a:extLst>
-          </p:cNvPr>
-          <p:cNvPicPr>
-            <a:picLocks noChangeAspect="1"/>
-          </p:cNvPicPr>
-          <p:nvPr/>
-        </p:nvPicPr>
-        <p:blipFill>
-          <a:blip r:embed="rId4"/>
-          <a:stretch>
-            <a:fillRect/>
-          </a:stretch>
-        </p:blipFill>
-        <p:spPr>
-          <a:xfrm>
-            <a:off x="1930342" y="4967420"/>
-            <a:ext cx="2400300" cy="584440"/>
-          </a:xfrm>
-          <a:prstGeom prst="rect">
-            <a:avLst/>
-          </a:prstGeom>
-        </p:spPr>
-      </p:pic>
-      <p:pic>
-        <p:nvPicPr>
-          <p:cNvPr id="31" name="Grafik 30">
-            <a:extLst>
-              <a:ext uri="{FF2B5EF4-FFF2-40B4-BE49-F238E27FC236}">
-                <a16:creationId xmlns:a16="http://schemas.microsoft.com/office/drawing/2014/main" id="{259D258F-F1DC-4282-B14A-13F7CACBD0BE}"/>
-              </a:ext>
-            </a:extLst>
-          </p:cNvPr>
-          <p:cNvPicPr>
-            <a:picLocks noChangeAspect="1"/>
-          </p:cNvPicPr>
-          <p:nvPr/>
-        </p:nvPicPr>
-        <p:blipFill>
-          <a:blip r:embed="rId5"/>
-          <a:stretch>
-            <a:fillRect/>
-          </a:stretch>
-        </p:blipFill>
-        <p:spPr>
-          <a:xfrm>
-            <a:off x="4965176" y="1338878"/>
-            <a:ext cx="1258420" cy="998816"/>
-          </a:xfrm>
-          <a:prstGeom prst="rect">
-            <a:avLst/>
-          </a:prstGeom>
-        </p:spPr>
-      </p:pic>
-      <p:pic>
-        <p:nvPicPr>
-          <p:cNvPr id="33" name="Grafik 32">
-            <a:extLst>
-              <a:ext uri="{FF2B5EF4-FFF2-40B4-BE49-F238E27FC236}">
-                <a16:creationId xmlns:a16="http://schemas.microsoft.com/office/drawing/2014/main" id="{4729702E-6C0C-487D-83AA-3D5A6C56D4A6}"/>
-              </a:ext>
-            </a:extLst>
-          </p:cNvPr>
-          <p:cNvPicPr>
-            <a:picLocks noChangeAspect="1"/>
-          </p:cNvPicPr>
-          <p:nvPr/>
-        </p:nvPicPr>
-        <p:blipFill>
-          <a:blip r:embed="rId6"/>
-          <a:stretch>
-            <a:fillRect/>
-          </a:stretch>
-        </p:blipFill>
-        <p:spPr>
-          <a:xfrm>
-            <a:off x="6596340" y="5542157"/>
-            <a:ext cx="1149047" cy="1229148"/>
-          </a:xfrm>
-          <a:prstGeom prst="rect">
-            <a:avLst/>
-          </a:prstGeom>
-        </p:spPr>
-      </p:pic>
-      <p:pic>
-        <p:nvPicPr>
-          <p:cNvPr id="35" name="Grafik 34">
-            <a:extLst>
-              <a:ext uri="{FF2B5EF4-FFF2-40B4-BE49-F238E27FC236}">
-                <a16:creationId xmlns:a16="http://schemas.microsoft.com/office/drawing/2014/main" id="{F18480E4-FD41-4FD1-A3CA-42CFD9BC1DF8}"/>
-              </a:ext>
-            </a:extLst>
-          </p:cNvPr>
-          <p:cNvPicPr>
-            <a:picLocks noChangeAspect="1"/>
-          </p:cNvPicPr>
-          <p:nvPr/>
-        </p:nvPicPr>
-        <p:blipFill>
-          <a:blip r:embed="rId7"/>
-          <a:stretch>
-            <a:fillRect/>
-          </a:stretch>
-        </p:blipFill>
-        <p:spPr>
-          <a:xfrm>
-            <a:off x="8599729" y="15875"/>
-            <a:ext cx="1158299" cy="908520"/>
-          </a:xfrm>
-          <a:prstGeom prst="rect">
-            <a:avLst/>
-          </a:prstGeom>
-        </p:spPr>
-      </p:pic>
-      <p:pic>
-        <p:nvPicPr>
-          <p:cNvPr id="36" name="Grafik 35">
-            <a:extLst>
-              <a:ext uri="{FF2B5EF4-FFF2-40B4-BE49-F238E27FC236}">
-                <a16:creationId xmlns:a16="http://schemas.microsoft.com/office/drawing/2014/main" id="{6F73ACB5-7169-4CDC-B861-0284D67FACA7}"/>
-              </a:ext>
-            </a:extLst>
-          </p:cNvPr>
-          <p:cNvPicPr>
-            <a:picLocks noChangeAspect="1"/>
-          </p:cNvPicPr>
-          <p:nvPr/>
-        </p:nvPicPr>
-        <p:blipFill rotWithShape="1">
-          <a:blip r:embed="rId6"/>
-          <a:srcRect l="12177" t="38257" r="9646" b="40317"/>
-          <a:stretch/>
-        </p:blipFill>
-        <p:spPr>
-          <a:xfrm>
-            <a:off x="7745386" y="1634044"/>
-            <a:ext cx="779438" cy="249935"/>
-          </a:xfrm>
-          <a:prstGeom prst="rect">
-            <a:avLst/>
-          </a:prstGeom>
-        </p:spPr>
-      </p:pic>
-      <p:pic>
-        <p:nvPicPr>
-          <p:cNvPr id="37" name="Grafik 36">
-            <a:extLst>
-              <a:ext uri="{FF2B5EF4-FFF2-40B4-BE49-F238E27FC236}">
-                <a16:creationId xmlns:a16="http://schemas.microsoft.com/office/drawing/2014/main" id="{45885EE8-F3E6-48D6-9DE2-7E57B282D52E}"/>
-              </a:ext>
-            </a:extLst>
-          </p:cNvPr>
-          <p:cNvPicPr>
-            <a:picLocks noChangeAspect="1"/>
-          </p:cNvPicPr>
-          <p:nvPr/>
-        </p:nvPicPr>
-        <p:blipFill rotWithShape="1">
-          <a:blip r:embed="rId2"/>
-          <a:srcRect l="13417" t="36377" r="13711" b="39808"/>
-          <a:stretch/>
-        </p:blipFill>
-        <p:spPr>
-          <a:xfrm>
-            <a:off x="7627920" y="2182496"/>
-            <a:ext cx="1550959" cy="577759"/>
-          </a:xfrm>
-          <a:prstGeom prst="rect">
-            <a:avLst/>
-          </a:prstGeom>
-        </p:spPr>
-      </p:pic>
-      <p:pic>
-        <p:nvPicPr>
-          <p:cNvPr id="38" name="Grafik 37">
-            <a:extLst>
-              <a:ext uri="{FF2B5EF4-FFF2-40B4-BE49-F238E27FC236}">
-                <a16:creationId xmlns:a16="http://schemas.microsoft.com/office/drawing/2014/main" id="{CAAE69BF-E16F-438E-A1A6-C7A6F9E7BC9A}"/>
-              </a:ext>
-            </a:extLst>
-          </p:cNvPr>
-          <p:cNvPicPr>
-            <a:picLocks noChangeAspect="1"/>
-          </p:cNvPicPr>
-          <p:nvPr/>
-        </p:nvPicPr>
-        <p:blipFill>
-          <a:blip r:embed="rId8"/>
-          <a:stretch>
-            <a:fillRect/>
-          </a:stretch>
-        </p:blipFill>
-        <p:spPr>
-          <a:xfrm>
-            <a:off x="2986707" y="4529329"/>
-            <a:ext cx="560889" cy="311419"/>
-          </a:xfrm>
-          <a:prstGeom prst="rect">
-            <a:avLst/>
-          </a:prstGeom>
-        </p:spPr>
-      </p:pic>
-      <p:pic>
-        <p:nvPicPr>
-          <p:cNvPr id="50" name="Grafik 49">
-            <a:extLst>
-              <a:ext uri="{FF2B5EF4-FFF2-40B4-BE49-F238E27FC236}">
-                <a16:creationId xmlns:a16="http://schemas.microsoft.com/office/drawing/2014/main" id="{8662CFB5-9C66-4C8F-BE3E-E9CC9E9F4120}"/>
-              </a:ext>
-            </a:extLst>
-          </p:cNvPr>
-          <p:cNvPicPr>
-            <a:picLocks noChangeAspect="1"/>
-          </p:cNvPicPr>
-          <p:nvPr/>
-        </p:nvPicPr>
-        <p:blipFill>
-          <a:blip r:embed="rId9"/>
-          <a:stretch>
-            <a:fillRect/>
-          </a:stretch>
-        </p:blipFill>
-        <p:spPr>
-          <a:xfrm>
-            <a:off x="1828863" y="1142691"/>
-            <a:ext cx="2784771" cy="1545646"/>
-          </a:xfrm>
-          <a:prstGeom prst="rect">
-            <a:avLst/>
-          </a:prstGeom>
-        </p:spPr>
-      </p:pic>
-      <p:pic>
-        <p:nvPicPr>
-          <p:cNvPr id="25" name="Grafik 24">
-            <a:extLst>
-              <a:ext uri="{FF2B5EF4-FFF2-40B4-BE49-F238E27FC236}">
-                <a16:creationId xmlns:a16="http://schemas.microsoft.com/office/drawing/2014/main" id="{6108ACC7-419D-4390-8BE1-D7CA673ACC79}"/>
-              </a:ext>
-            </a:extLst>
-          </p:cNvPr>
-          <p:cNvPicPr>
-            <a:picLocks noChangeAspect="1"/>
-          </p:cNvPicPr>
-          <p:nvPr/>
-        </p:nvPicPr>
-        <p:blipFill>
-          <a:blip r:embed="rId10"/>
-          <a:stretch>
-            <a:fillRect/>
-          </a:stretch>
-        </p:blipFill>
-        <p:spPr>
-          <a:xfrm>
-            <a:off x="2515977" y="2689132"/>
-            <a:ext cx="1855740" cy="1460311"/>
-          </a:xfrm>
-          <a:prstGeom prst="rect">
-            <a:avLst/>
-          </a:prstGeom>
-        </p:spPr>
-      </p:pic>
-      <p:pic>
-        <p:nvPicPr>
-          <p:cNvPr id="27" name="Grafik 26">
-            <a:extLst>
-              <a:ext uri="{FF2B5EF4-FFF2-40B4-BE49-F238E27FC236}">
-                <a16:creationId xmlns:a16="http://schemas.microsoft.com/office/drawing/2014/main" id="{DA1EDBF4-F04B-4F8F-B4D5-104BFF726E5A}"/>
-              </a:ext>
-            </a:extLst>
-          </p:cNvPr>
-          <p:cNvPicPr>
-            <a:picLocks noChangeAspect="1"/>
-          </p:cNvPicPr>
-          <p:nvPr/>
-        </p:nvPicPr>
-        <p:blipFill>
-          <a:blip r:embed="rId11"/>
-          <a:stretch>
-            <a:fillRect/>
-          </a:stretch>
-        </p:blipFill>
-        <p:spPr>
-          <a:xfrm>
-            <a:off x="4683369" y="4480292"/>
-            <a:ext cx="841282" cy="919600"/>
-          </a:xfrm>
-          <a:prstGeom prst="rect">
-            <a:avLst/>
-          </a:prstGeom>
-        </p:spPr>
-      </p:pic>
-      <p:pic>
-        <p:nvPicPr>
-          <p:cNvPr id="28" name="Grafik 27">
-            <a:extLst>
-              <a:ext uri="{FF2B5EF4-FFF2-40B4-BE49-F238E27FC236}">
-                <a16:creationId xmlns:a16="http://schemas.microsoft.com/office/drawing/2014/main" id="{EA2A941A-C65C-4E6C-9E7B-B6E5AF50CFA5}"/>
-              </a:ext>
-            </a:extLst>
-          </p:cNvPr>
-          <p:cNvPicPr>
-            <a:picLocks noChangeAspect="1"/>
-          </p:cNvPicPr>
-          <p:nvPr/>
-        </p:nvPicPr>
-        <p:blipFill>
-          <a:blip r:embed="rId12"/>
-          <a:stretch>
-            <a:fillRect/>
-          </a:stretch>
-        </p:blipFill>
-        <p:spPr>
-          <a:xfrm>
-            <a:off x="7820285" y="3853622"/>
-            <a:ext cx="1326298" cy="1412356"/>
-          </a:xfrm>
-          <a:prstGeom prst="rect">
-            <a:avLst/>
-          </a:prstGeom>
-        </p:spPr>
-      </p:pic>
-      <p:pic>
-        <p:nvPicPr>
-          <p:cNvPr id="4" name="Grafik 3">
-            <a:extLst>
-              <a:ext uri="{FF2B5EF4-FFF2-40B4-BE49-F238E27FC236}">
-                <a16:creationId xmlns:a16="http://schemas.microsoft.com/office/drawing/2014/main" id="{60751F8C-7C34-474A-B4DE-3DD096A974B0}"/>
-              </a:ext>
-            </a:extLst>
-          </p:cNvPr>
-          <p:cNvPicPr>
-            <a:picLocks noChangeAspect="1"/>
-          </p:cNvPicPr>
-          <p:nvPr/>
-        </p:nvPicPr>
-        <p:blipFill>
-          <a:blip r:embed="rId13"/>
-          <a:stretch>
-            <a:fillRect/>
-          </a:stretch>
-        </p:blipFill>
-        <p:spPr>
-          <a:xfrm>
-            <a:off x="4965177" y="3058771"/>
-            <a:ext cx="5128653" cy="484529"/>
-          </a:xfrm>
-          <a:prstGeom prst="rect">
-            <a:avLst/>
-          </a:prstGeom>
-        </p:spPr>
-      </p:pic>
-      <p:pic>
-        <p:nvPicPr>
-          <p:cNvPr id="5" name="Grafik 4">
-            <a:extLst>
-              <a:ext uri="{FF2B5EF4-FFF2-40B4-BE49-F238E27FC236}">
-                <a16:creationId xmlns:a16="http://schemas.microsoft.com/office/drawing/2014/main" id="{CEADB7DB-1DFA-4A15-9A27-D6CB4819DAED}"/>
-              </a:ext>
-            </a:extLst>
-          </p:cNvPr>
-          <p:cNvPicPr>
-            <a:picLocks noChangeAspect="1"/>
-          </p:cNvPicPr>
-          <p:nvPr/>
-        </p:nvPicPr>
-        <p:blipFill>
-          <a:blip r:embed="rId14"/>
-          <a:stretch>
-            <a:fillRect/>
-          </a:stretch>
-        </p:blipFill>
-        <p:spPr>
-          <a:xfrm>
-            <a:off x="5877379" y="4264376"/>
-            <a:ext cx="1210485" cy="953137"/>
+            <a:off x="2445452" y="827617"/>
+            <a:ext cx="6802181" cy="5202766"/>
           </a:xfrm>
           <a:prstGeom prst="rect">
             <a:avLst/>
@@ -26643,7 +26279,7 @@
     </p:spTree>
     <p:extLst>
       <p:ext uri="{BB962C8B-B14F-4D97-AF65-F5344CB8AC3E}">
-        <p14:creationId xmlns:p14="http://schemas.microsoft.com/office/powerpoint/2010/main" val="2372995525"/>
+        <p14:creationId xmlns:p14="http://schemas.microsoft.com/office/powerpoint/2010/main" val="2656008603"/>
       </p:ext>
     </p:extLst>
   </p:cSld>
@@ -26672,10 +26308,10 @@
       </p:grpSpPr>
       <p:pic>
         <p:nvPicPr>
-          <p:cNvPr id="6" name="Grafik 5">
-            <a:extLst>
-              <a:ext uri="{FF2B5EF4-FFF2-40B4-BE49-F238E27FC236}">
-                <a16:creationId xmlns:a16="http://schemas.microsoft.com/office/drawing/2014/main" id="{4AF2F649-80B4-4133-934A-16D543DFC383}"/>
+          <p:cNvPr id="26" name="Grafik 25">
+            <a:extLst>
+              <a:ext uri="{FF2B5EF4-FFF2-40B4-BE49-F238E27FC236}">
+                <a16:creationId xmlns:a16="http://schemas.microsoft.com/office/drawing/2014/main" id="{6EA6CA62-2D8A-4239-A0B2-DA8168FB9EFC}"/>
               </a:ext>
             </a:extLst>
           </p:cNvPr>
@@ -26692,8 +26328,463 @@
         </p:blipFill>
         <p:spPr>
           <a:xfrm>
-            <a:off x="2553454" y="426673"/>
-            <a:ext cx="6596139" cy="5684707"/>
+            <a:off x="4577025" y="5715309"/>
+            <a:ext cx="776303" cy="848540"/>
+          </a:xfrm>
+          <a:prstGeom prst="rect">
+            <a:avLst/>
+          </a:prstGeom>
+        </p:spPr>
+      </p:pic>
+      <p:sp>
+        <p:nvSpPr>
+          <p:cNvPr id="3" name="Textplatzhalter 2">
+            <a:extLst>
+              <a:ext uri="{FF2B5EF4-FFF2-40B4-BE49-F238E27FC236}">
+                <a16:creationId xmlns:a16="http://schemas.microsoft.com/office/drawing/2014/main" id="{FEEE160A-5232-4A23-AAC4-4C16D6FE2E54}"/>
+              </a:ext>
+            </a:extLst>
+          </p:cNvPr>
+          <p:cNvSpPr>
+            <a:spLocks noGrp="1"/>
+          </p:cNvSpPr>
+          <p:nvPr>
+            <p:ph type="body" sz="quarter" idx="16"/>
+          </p:nvPr>
+        </p:nvSpPr>
+        <p:spPr/>
+        <p:txBody>
+          <a:bodyPr/>
+          <a:lstStyle/>
+          <a:p>
+            <a:r>
+              <a:rPr lang="de-DE">
+                <a:highlight>
+                  <a:srgbClr val="E9A827"/>
+                </a:highlight>
+              </a:rPr>
+              <a:t>1821-152-109</a:t>
+            </a:r>
+            <a:endParaRPr lang="de-CH">
+              <a:highlight>
+                <a:srgbClr val="E9A827"/>
+              </a:highlight>
+            </a:endParaRPr>
+          </a:p>
+        </p:txBody>
+      </p:sp>
+      <p:pic>
+        <p:nvPicPr>
+          <p:cNvPr id="15" name="Grafik 14">
+            <a:extLst>
+              <a:ext uri="{FF2B5EF4-FFF2-40B4-BE49-F238E27FC236}">
+                <a16:creationId xmlns:a16="http://schemas.microsoft.com/office/drawing/2014/main" id="{7BDBD530-3A7F-4924-97E3-752EB8629EA6}"/>
+              </a:ext>
+            </a:extLst>
+          </p:cNvPr>
+          <p:cNvPicPr>
+            <a:picLocks noChangeAspect="1"/>
+          </p:cNvPicPr>
+          <p:nvPr/>
+        </p:nvPicPr>
+        <p:blipFill>
+          <a:blip r:embed="rId3"/>
+          <a:stretch>
+            <a:fillRect/>
+          </a:stretch>
+        </p:blipFill>
+        <p:spPr>
+          <a:xfrm>
+            <a:off x="5841106" y="2760255"/>
+            <a:ext cx="1193679" cy="1297476"/>
+          </a:xfrm>
+          <a:prstGeom prst="rect">
+            <a:avLst/>
+          </a:prstGeom>
+        </p:spPr>
+      </p:pic>
+      <p:pic>
+        <p:nvPicPr>
+          <p:cNvPr id="29" name="Grafik 28">
+            <a:extLst>
+              <a:ext uri="{FF2B5EF4-FFF2-40B4-BE49-F238E27FC236}">
+                <a16:creationId xmlns:a16="http://schemas.microsoft.com/office/drawing/2014/main" id="{A181D5DE-47B5-4404-A5BB-BD0BD7AE0365}"/>
+              </a:ext>
+            </a:extLst>
+          </p:cNvPr>
+          <p:cNvPicPr>
+            <a:picLocks noChangeAspect="1"/>
+          </p:cNvPicPr>
+          <p:nvPr/>
+        </p:nvPicPr>
+        <p:blipFill>
+          <a:blip r:embed="rId4"/>
+          <a:stretch>
+            <a:fillRect/>
+          </a:stretch>
+        </p:blipFill>
+        <p:spPr>
+          <a:xfrm>
+            <a:off x="1930342" y="4967420"/>
+            <a:ext cx="2400300" cy="584440"/>
+          </a:xfrm>
+          <a:prstGeom prst="rect">
+            <a:avLst/>
+          </a:prstGeom>
+        </p:spPr>
+      </p:pic>
+      <p:pic>
+        <p:nvPicPr>
+          <p:cNvPr id="31" name="Grafik 30">
+            <a:extLst>
+              <a:ext uri="{FF2B5EF4-FFF2-40B4-BE49-F238E27FC236}">
+                <a16:creationId xmlns:a16="http://schemas.microsoft.com/office/drawing/2014/main" id="{259D258F-F1DC-4282-B14A-13F7CACBD0BE}"/>
+              </a:ext>
+            </a:extLst>
+          </p:cNvPr>
+          <p:cNvPicPr>
+            <a:picLocks noChangeAspect="1"/>
+          </p:cNvPicPr>
+          <p:nvPr/>
+        </p:nvPicPr>
+        <p:blipFill>
+          <a:blip r:embed="rId5"/>
+          <a:stretch>
+            <a:fillRect/>
+          </a:stretch>
+        </p:blipFill>
+        <p:spPr>
+          <a:xfrm>
+            <a:off x="4965176" y="1338878"/>
+            <a:ext cx="1258420" cy="998816"/>
+          </a:xfrm>
+          <a:prstGeom prst="rect">
+            <a:avLst/>
+          </a:prstGeom>
+        </p:spPr>
+      </p:pic>
+      <p:pic>
+        <p:nvPicPr>
+          <p:cNvPr id="33" name="Grafik 32">
+            <a:extLst>
+              <a:ext uri="{FF2B5EF4-FFF2-40B4-BE49-F238E27FC236}">
+                <a16:creationId xmlns:a16="http://schemas.microsoft.com/office/drawing/2014/main" id="{4729702E-6C0C-487D-83AA-3D5A6C56D4A6}"/>
+              </a:ext>
+            </a:extLst>
+          </p:cNvPr>
+          <p:cNvPicPr>
+            <a:picLocks noChangeAspect="1"/>
+          </p:cNvPicPr>
+          <p:nvPr/>
+        </p:nvPicPr>
+        <p:blipFill>
+          <a:blip r:embed="rId6"/>
+          <a:stretch>
+            <a:fillRect/>
+          </a:stretch>
+        </p:blipFill>
+        <p:spPr>
+          <a:xfrm>
+            <a:off x="6596340" y="5542157"/>
+            <a:ext cx="1149047" cy="1229148"/>
+          </a:xfrm>
+          <a:prstGeom prst="rect">
+            <a:avLst/>
+          </a:prstGeom>
+        </p:spPr>
+      </p:pic>
+      <p:pic>
+        <p:nvPicPr>
+          <p:cNvPr id="35" name="Grafik 34">
+            <a:extLst>
+              <a:ext uri="{FF2B5EF4-FFF2-40B4-BE49-F238E27FC236}">
+                <a16:creationId xmlns:a16="http://schemas.microsoft.com/office/drawing/2014/main" id="{F18480E4-FD41-4FD1-A3CA-42CFD9BC1DF8}"/>
+              </a:ext>
+            </a:extLst>
+          </p:cNvPr>
+          <p:cNvPicPr>
+            <a:picLocks noChangeAspect="1"/>
+          </p:cNvPicPr>
+          <p:nvPr/>
+        </p:nvPicPr>
+        <p:blipFill>
+          <a:blip r:embed="rId7"/>
+          <a:stretch>
+            <a:fillRect/>
+          </a:stretch>
+        </p:blipFill>
+        <p:spPr>
+          <a:xfrm>
+            <a:off x="8599729" y="15875"/>
+            <a:ext cx="1158299" cy="908520"/>
+          </a:xfrm>
+          <a:prstGeom prst="rect">
+            <a:avLst/>
+          </a:prstGeom>
+        </p:spPr>
+      </p:pic>
+      <p:pic>
+        <p:nvPicPr>
+          <p:cNvPr id="36" name="Grafik 35">
+            <a:extLst>
+              <a:ext uri="{FF2B5EF4-FFF2-40B4-BE49-F238E27FC236}">
+                <a16:creationId xmlns:a16="http://schemas.microsoft.com/office/drawing/2014/main" id="{6F73ACB5-7169-4CDC-B861-0284D67FACA7}"/>
+              </a:ext>
+            </a:extLst>
+          </p:cNvPr>
+          <p:cNvPicPr>
+            <a:picLocks noChangeAspect="1"/>
+          </p:cNvPicPr>
+          <p:nvPr/>
+        </p:nvPicPr>
+        <p:blipFill rotWithShape="1">
+          <a:blip r:embed="rId6"/>
+          <a:srcRect l="12177" t="38257" r="9646" b="40317"/>
+          <a:stretch/>
+        </p:blipFill>
+        <p:spPr>
+          <a:xfrm>
+            <a:off x="7745386" y="1634044"/>
+            <a:ext cx="779438" cy="249935"/>
+          </a:xfrm>
+          <a:prstGeom prst="rect">
+            <a:avLst/>
+          </a:prstGeom>
+        </p:spPr>
+      </p:pic>
+      <p:pic>
+        <p:nvPicPr>
+          <p:cNvPr id="37" name="Grafik 36">
+            <a:extLst>
+              <a:ext uri="{FF2B5EF4-FFF2-40B4-BE49-F238E27FC236}">
+                <a16:creationId xmlns:a16="http://schemas.microsoft.com/office/drawing/2014/main" id="{45885EE8-F3E6-48D6-9DE2-7E57B282D52E}"/>
+              </a:ext>
+            </a:extLst>
+          </p:cNvPr>
+          <p:cNvPicPr>
+            <a:picLocks noChangeAspect="1"/>
+          </p:cNvPicPr>
+          <p:nvPr/>
+        </p:nvPicPr>
+        <p:blipFill rotWithShape="1">
+          <a:blip r:embed="rId2"/>
+          <a:srcRect l="13417" t="36377" r="13711" b="39808"/>
+          <a:stretch/>
+        </p:blipFill>
+        <p:spPr>
+          <a:xfrm>
+            <a:off x="7627920" y="2182496"/>
+            <a:ext cx="1550959" cy="577759"/>
+          </a:xfrm>
+          <a:prstGeom prst="rect">
+            <a:avLst/>
+          </a:prstGeom>
+        </p:spPr>
+      </p:pic>
+      <p:pic>
+        <p:nvPicPr>
+          <p:cNvPr id="38" name="Grafik 37">
+            <a:extLst>
+              <a:ext uri="{FF2B5EF4-FFF2-40B4-BE49-F238E27FC236}">
+                <a16:creationId xmlns:a16="http://schemas.microsoft.com/office/drawing/2014/main" id="{CAAE69BF-E16F-438E-A1A6-C7A6F9E7BC9A}"/>
+              </a:ext>
+            </a:extLst>
+          </p:cNvPr>
+          <p:cNvPicPr>
+            <a:picLocks noChangeAspect="1"/>
+          </p:cNvPicPr>
+          <p:nvPr/>
+        </p:nvPicPr>
+        <p:blipFill>
+          <a:blip r:embed="rId8"/>
+          <a:stretch>
+            <a:fillRect/>
+          </a:stretch>
+        </p:blipFill>
+        <p:spPr>
+          <a:xfrm>
+            <a:off x="2986707" y="4529329"/>
+            <a:ext cx="560889" cy="311419"/>
+          </a:xfrm>
+          <a:prstGeom prst="rect">
+            <a:avLst/>
+          </a:prstGeom>
+        </p:spPr>
+      </p:pic>
+      <p:pic>
+        <p:nvPicPr>
+          <p:cNvPr id="50" name="Grafik 49">
+            <a:extLst>
+              <a:ext uri="{FF2B5EF4-FFF2-40B4-BE49-F238E27FC236}">
+                <a16:creationId xmlns:a16="http://schemas.microsoft.com/office/drawing/2014/main" id="{8662CFB5-9C66-4C8F-BE3E-E9CC9E9F4120}"/>
+              </a:ext>
+            </a:extLst>
+          </p:cNvPr>
+          <p:cNvPicPr>
+            <a:picLocks noChangeAspect="1"/>
+          </p:cNvPicPr>
+          <p:nvPr/>
+        </p:nvPicPr>
+        <p:blipFill>
+          <a:blip r:embed="rId9"/>
+          <a:stretch>
+            <a:fillRect/>
+          </a:stretch>
+        </p:blipFill>
+        <p:spPr>
+          <a:xfrm>
+            <a:off x="1828863" y="1142691"/>
+            <a:ext cx="2784771" cy="1545646"/>
+          </a:xfrm>
+          <a:prstGeom prst="rect">
+            <a:avLst/>
+          </a:prstGeom>
+        </p:spPr>
+      </p:pic>
+      <p:pic>
+        <p:nvPicPr>
+          <p:cNvPr id="25" name="Grafik 24">
+            <a:extLst>
+              <a:ext uri="{FF2B5EF4-FFF2-40B4-BE49-F238E27FC236}">
+                <a16:creationId xmlns:a16="http://schemas.microsoft.com/office/drawing/2014/main" id="{6108ACC7-419D-4390-8BE1-D7CA673ACC79}"/>
+              </a:ext>
+            </a:extLst>
+          </p:cNvPr>
+          <p:cNvPicPr>
+            <a:picLocks noChangeAspect="1"/>
+          </p:cNvPicPr>
+          <p:nvPr/>
+        </p:nvPicPr>
+        <p:blipFill>
+          <a:blip r:embed="rId10"/>
+          <a:stretch>
+            <a:fillRect/>
+          </a:stretch>
+        </p:blipFill>
+        <p:spPr>
+          <a:xfrm>
+            <a:off x="2515977" y="2689132"/>
+            <a:ext cx="1855740" cy="1460311"/>
+          </a:xfrm>
+          <a:prstGeom prst="rect">
+            <a:avLst/>
+          </a:prstGeom>
+        </p:spPr>
+      </p:pic>
+      <p:pic>
+        <p:nvPicPr>
+          <p:cNvPr id="27" name="Grafik 26">
+            <a:extLst>
+              <a:ext uri="{FF2B5EF4-FFF2-40B4-BE49-F238E27FC236}">
+                <a16:creationId xmlns:a16="http://schemas.microsoft.com/office/drawing/2014/main" id="{DA1EDBF4-F04B-4F8F-B4D5-104BFF726E5A}"/>
+              </a:ext>
+            </a:extLst>
+          </p:cNvPr>
+          <p:cNvPicPr>
+            <a:picLocks noChangeAspect="1"/>
+          </p:cNvPicPr>
+          <p:nvPr/>
+        </p:nvPicPr>
+        <p:blipFill>
+          <a:blip r:embed="rId11"/>
+          <a:stretch>
+            <a:fillRect/>
+          </a:stretch>
+        </p:blipFill>
+        <p:spPr>
+          <a:xfrm>
+            <a:off x="4683369" y="4480292"/>
+            <a:ext cx="841282" cy="919600"/>
+          </a:xfrm>
+          <a:prstGeom prst="rect">
+            <a:avLst/>
+          </a:prstGeom>
+        </p:spPr>
+      </p:pic>
+      <p:pic>
+        <p:nvPicPr>
+          <p:cNvPr id="28" name="Grafik 27">
+            <a:extLst>
+              <a:ext uri="{FF2B5EF4-FFF2-40B4-BE49-F238E27FC236}">
+                <a16:creationId xmlns:a16="http://schemas.microsoft.com/office/drawing/2014/main" id="{EA2A941A-C65C-4E6C-9E7B-B6E5AF50CFA5}"/>
+              </a:ext>
+            </a:extLst>
+          </p:cNvPr>
+          <p:cNvPicPr>
+            <a:picLocks noChangeAspect="1"/>
+          </p:cNvPicPr>
+          <p:nvPr/>
+        </p:nvPicPr>
+        <p:blipFill>
+          <a:blip r:embed="rId12"/>
+          <a:stretch>
+            <a:fillRect/>
+          </a:stretch>
+        </p:blipFill>
+        <p:spPr>
+          <a:xfrm>
+            <a:off x="7820285" y="3853622"/>
+            <a:ext cx="1326298" cy="1412356"/>
+          </a:xfrm>
+          <a:prstGeom prst="rect">
+            <a:avLst/>
+          </a:prstGeom>
+        </p:spPr>
+      </p:pic>
+      <p:pic>
+        <p:nvPicPr>
+          <p:cNvPr id="4" name="Grafik 3">
+            <a:extLst>
+              <a:ext uri="{FF2B5EF4-FFF2-40B4-BE49-F238E27FC236}">
+                <a16:creationId xmlns:a16="http://schemas.microsoft.com/office/drawing/2014/main" id="{60751F8C-7C34-474A-B4DE-3DD096A974B0}"/>
+              </a:ext>
+            </a:extLst>
+          </p:cNvPr>
+          <p:cNvPicPr>
+            <a:picLocks noChangeAspect="1"/>
+          </p:cNvPicPr>
+          <p:nvPr/>
+        </p:nvPicPr>
+        <p:blipFill>
+          <a:blip r:embed="rId13"/>
+          <a:stretch>
+            <a:fillRect/>
+          </a:stretch>
+        </p:blipFill>
+        <p:spPr>
+          <a:xfrm>
+            <a:off x="4965177" y="3058771"/>
+            <a:ext cx="5128653" cy="484529"/>
+          </a:xfrm>
+          <a:prstGeom prst="rect">
+            <a:avLst/>
+          </a:prstGeom>
+        </p:spPr>
+      </p:pic>
+      <p:pic>
+        <p:nvPicPr>
+          <p:cNvPr id="5" name="Grafik 4">
+            <a:extLst>
+              <a:ext uri="{FF2B5EF4-FFF2-40B4-BE49-F238E27FC236}">
+                <a16:creationId xmlns:a16="http://schemas.microsoft.com/office/drawing/2014/main" id="{CEADB7DB-1DFA-4A15-9A27-D6CB4819DAED}"/>
+              </a:ext>
+            </a:extLst>
+          </p:cNvPr>
+          <p:cNvPicPr>
+            <a:picLocks noChangeAspect="1"/>
+          </p:cNvPicPr>
+          <p:nvPr/>
+        </p:nvPicPr>
+        <p:blipFill>
+          <a:blip r:embed="rId14"/>
+          <a:stretch>
+            <a:fillRect/>
+          </a:stretch>
+        </p:blipFill>
+        <p:spPr>
+          <a:xfrm>
+            <a:off x="5877379" y="4264376"/>
+            <a:ext cx="1210485" cy="953137"/>
           </a:xfrm>
           <a:prstGeom prst="rect">
             <a:avLst/>
@@ -26703,7 +26794,7 @@
     </p:spTree>
     <p:extLst>
       <p:ext uri="{BB962C8B-B14F-4D97-AF65-F5344CB8AC3E}">
-        <p14:creationId xmlns:p14="http://schemas.microsoft.com/office/powerpoint/2010/main" val="1795796385"/>
+        <p14:creationId xmlns:p14="http://schemas.microsoft.com/office/powerpoint/2010/main" val="2372995525"/>
       </p:ext>
     </p:extLst>
   </p:cSld>
@@ -27411,18 +27502,18 @@
 </file>
 
 <file path=customXml/item1.xml><?xml version="1.0" encoding="utf-8"?>
-<p:properties xmlns:p="http://schemas.microsoft.com/office/2006/metadata/properties" xmlns:xsi="http://www.w3.org/2001/XMLSchema-instance" xmlns:pc="http://schemas.microsoft.com/office/infopath/2007/PartnerControls">
-  <documentManagement/>
-</p:properties>
-</file>
-
-<file path=customXml/item2.xml><?xml version="1.0" encoding="utf-8"?>
 <?mso-contentType ?>
 <FormTemplates xmlns="http://schemas.microsoft.com/sharepoint/v3/contenttype/forms">
   <Display>DocumentLibraryForm</Display>
   <Edit>DocumentLibraryForm</Edit>
   <New>DocumentLibraryForm</New>
 </FormTemplates>
+</file>
+
+<file path=customXml/item2.xml><?xml version="1.0" encoding="utf-8"?>
+<p:properties xmlns:p="http://schemas.microsoft.com/office/2006/metadata/properties" xmlns:xsi="http://www.w3.org/2001/XMLSchema-instance" xmlns:pc="http://schemas.microsoft.com/office/infopath/2007/PartnerControls">
+  <documentManagement/>
+</p:properties>
 </file>
 
 <file path=customXml/item3.xml><?xml version="1.0" encoding="utf-8"?>
@@ -27623,6 +27714,14 @@
 </file>
 
 <file path=customXml/itemProps1.xml><?xml version="1.0" encoding="utf-8"?>
+<ds:datastoreItem xmlns:ds="http://schemas.openxmlformats.org/officeDocument/2006/customXml" ds:itemID="{ED77312E-4741-49B4-BB2D-E99070785BC7}">
+  <ds:schemaRefs>
+    <ds:schemaRef ds:uri="http://schemas.microsoft.com/sharepoint/v3/contenttype/forms"/>
+  </ds:schemaRefs>
+</ds:datastoreItem>
+</file>
+
+<file path=customXml/itemProps2.xml><?xml version="1.0" encoding="utf-8"?>
 <ds:datastoreItem xmlns:ds="http://schemas.openxmlformats.org/officeDocument/2006/customXml" ds:itemID="{EBED7552-FA65-468E-A6E3-9CCA714ECF22}">
   <ds:schemaRefs>
     <ds:schemaRef ds:uri="http://schemas.microsoft.com/office/2006/documentManagement/types"/>
@@ -27635,14 +27734,6 @@
     <ds:schemaRef ds:uri="http://schemas.openxmlformats.org/package/2006/metadata/core-properties"/>
     <ds:schemaRef ds:uri="http://schemas.microsoft.com/office/infopath/2007/PartnerControls"/>
     <ds:schemaRef ds:uri="http://purl.org/dc/dcmitype/"/>
-  </ds:schemaRefs>
-</ds:datastoreItem>
-</file>
-
-<file path=customXml/itemProps2.xml><?xml version="1.0" encoding="utf-8"?>
-<ds:datastoreItem xmlns:ds="http://schemas.openxmlformats.org/officeDocument/2006/customXml" ds:itemID="{ED77312E-4741-49B4-BB2D-E99070785BC7}">
-  <ds:schemaRefs>
-    <ds:schemaRef ds:uri="http://schemas.microsoft.com/sharepoint/v3/contenttype/forms"/>
   </ds:schemaRefs>
 </ds:datastoreItem>
 </file>
